--- a/modules/module03/slides.pptx
+++ b/modules/module03/slides.pptx
@@ -6214,6 +6214,15 @@
           <a:bodyPr/>
           <a:lstStyle/>
           <a:p>
+            <a:pPr lvl="0" marL="0" indent="0">
+              <a:buNone/>
+            </a:pPr>
+            <a:r>
+              <a:rPr/>
+              <a:t>:::</a:t>
+            </a:r>
+          </a:p>
+          <a:p>
             <a:pPr lvl="0" marL="1270000" indent="0">
               <a:buNone/>
             </a:pPr>
@@ -6360,6 +6369,15 @@
                 <a:latin typeface="Courier"/>
               </a:rPr>
               <a:t>...</a:t>
+            </a:r>
+          </a:p>
+          <a:p>
+            <a:pPr lvl="0" marL="0" indent="0">
+              <a:buNone/>
+            </a:pPr>
+            <a:r>
+              <a:rPr/>
+              <a:t>:::</a:t>
             </a:r>
           </a:p>
         </p:txBody>

--- a/modules/module03/slides.pptx
+++ b/modules/module03/slides.pptx
@@ -36,6 +36,11 @@
     <p:sldId id="284" r:id="rId30"/>
     <p:sldId id="285" r:id="rId31"/>
     <p:sldId id="286" r:id="rId32"/>
+    <p:sldId id="287" r:id="rId33"/>
+    <p:sldId id="288" r:id="rId34"/>
+    <p:sldId id="289" r:id="rId35"/>
+    <p:sldId id="290" r:id="rId36"/>
+    <p:sldId id="291" r:id="rId37"/>
   </p:sldIdLst>
   <p:sldSz cx="9144000" cy="6858000" type="screen4x3"/>
   <p:notesSz cx="6858000" cy="9144000"/>
@@ -3267,12 +3272,12 @@
       </p:grpSpPr>
       <p:sp>
         <p:nvSpPr>
-          <p:cNvPr id="2" name="Title 1"/>
-          <p:cNvSpPr>
-            <a:spLocks noGrp="1"/>
-          </p:cNvSpPr>
-          <p:nvPr>
-            <p:ph type="title"/>
+          <p:cNvPr id="3" name="Content Placeholder 2"/>
+          <p:cNvSpPr>
+            <a:spLocks noGrp="1"/>
+          </p:cNvSpPr>
+          <p:nvPr>
+            <p:ph idx="1"/>
           </p:nvPr>
         </p:nvSpPr>
         <p:spPr/>
@@ -3281,53 +3286,16 @@
           <a:lstStyle/>
           <a:p>
             <a:pPr lvl="0" marL="0" indent="0">
+              <a:spcBef>
+                <a:spcPts val="3000"/>
+              </a:spcBef>
               <a:buNone/>
             </a:pPr>
             <a:r>
-              <a:rPr/>
-              <a:t>String</a:t>
-            </a:r>
-            <a:r>
-              <a:rPr/>
-              <a:t> </a:t>
-            </a:r>
-            <a:r>
-              <a:rPr/>
-              <a:t>indices</a:t>
-            </a:r>
-            <a:r>
-              <a:rPr/>
-              <a:t> </a:t>
-            </a:r>
-            <a:r>
-              <a:rPr/>
-              <a:t>and</a:t>
-            </a:r>
-            <a:r>
-              <a:rPr/>
-              <a:t> </a:t>
-            </a:r>
-            <a:r>
-              <a:rPr/>
-              <a:t>slices</a:t>
-            </a:r>
-          </a:p>
-        </p:txBody>
-      </p:sp>
-      <p:sp>
-        <p:nvSpPr>
-          <p:cNvPr id="3" name="Content Placeholder 2"/>
-          <p:cNvSpPr>
-            <a:spLocks noGrp="1"/>
-          </p:cNvSpPr>
-          <p:nvPr>
-            <p:ph idx="1"/>
-          </p:nvPr>
-        </p:nvSpPr>
-        <p:spPr/>
-        <p:txBody>
-          <a:bodyPr/>
-          <a:lstStyle/>
+              <a:rPr b="1"/>
+              <a:t>String indices and slices</a:t>
+            </a:r>
+          </a:p>
           <a:p>
             <a:pPr lvl="1"/>
             <a:r>
@@ -3467,12 +3435,12 @@
       </p:grpSpPr>
       <p:sp>
         <p:nvSpPr>
-          <p:cNvPr id="2" name="Title 1"/>
-          <p:cNvSpPr>
-            <a:spLocks noGrp="1"/>
-          </p:cNvSpPr>
-          <p:nvPr>
-            <p:ph type="title"/>
+          <p:cNvPr id="3" name="Content Placeholder 2"/>
+          <p:cNvSpPr>
+            <a:spLocks noGrp="1"/>
+          </p:cNvSpPr>
+          <p:nvPr>
+            <p:ph idx="1"/>
           </p:nvPr>
         </p:nvSpPr>
         <p:spPr/>
@@ -3481,45 +3449,16 @@
           <a:lstStyle/>
           <a:p>
             <a:pPr lvl="0" marL="0" indent="0">
+              <a:spcBef>
+                <a:spcPts val="3000"/>
+              </a:spcBef>
               <a:buNone/>
             </a:pPr>
             <a:r>
-              <a:rPr/>
-              <a:t>“</a:t>
-            </a:r>
-            <a:r>
-              <a:rPr/>
-              <a:t>Modifying</a:t>
-            </a:r>
-            <a:r>
-              <a:rPr/>
-              <a:t>”</a:t>
-            </a:r>
-            <a:r>
-              <a:rPr/>
-              <a:t> </a:t>
-            </a:r>
-            <a:r>
-              <a:rPr/>
-              <a:t>strings</a:t>
-            </a:r>
-          </a:p>
-        </p:txBody>
-      </p:sp>
-      <p:sp>
-        <p:nvSpPr>
-          <p:cNvPr id="3" name="Content Placeholder 2"/>
-          <p:cNvSpPr>
-            <a:spLocks noGrp="1"/>
-          </p:cNvSpPr>
-          <p:nvPr>
-            <p:ph idx="1"/>
-          </p:nvPr>
-        </p:nvSpPr>
-        <p:spPr/>
-        <p:txBody>
-          <a:bodyPr/>
-          <a:lstStyle/>
+              <a:rPr b="1"/>
+              <a:t>“Modifying” strings</a:t>
+            </a:r>
+          </a:p>
           <a:p>
             <a:pPr lvl="1"/>
             <a:r>
@@ -3677,12 +3616,12 @@
       </p:grpSpPr>
       <p:sp>
         <p:nvSpPr>
-          <p:cNvPr id="2" name="Title 1"/>
-          <p:cNvSpPr>
-            <a:spLocks noGrp="1"/>
-          </p:cNvSpPr>
-          <p:nvPr>
-            <p:ph type="title"/>
+          <p:cNvPr id="3" name="Content Placeholder 2"/>
+          <p:cNvSpPr>
+            <a:spLocks noGrp="1"/>
+          </p:cNvSpPr>
+          <p:nvPr>
+            <p:ph idx="1"/>
           </p:nvPr>
         </p:nvSpPr>
         <p:spPr/>
@@ -3691,37 +3630,16 @@
           <a:lstStyle/>
           <a:p>
             <a:pPr lvl="0" marL="0" indent="0">
+              <a:spcBef>
+                <a:spcPts val="3000"/>
+              </a:spcBef>
               <a:buNone/>
             </a:pPr>
             <a:r>
-              <a:rPr/>
-              <a:t>String</a:t>
-            </a:r>
-            <a:r>
-              <a:rPr/>
-              <a:t> </a:t>
-            </a:r>
-            <a:r>
-              <a:rPr/>
-              <a:t>Methods</a:t>
-            </a:r>
-          </a:p>
-        </p:txBody>
-      </p:sp>
-      <p:sp>
-        <p:nvSpPr>
-          <p:cNvPr id="3" name="Content Placeholder 2"/>
-          <p:cNvSpPr>
-            <a:spLocks noGrp="1"/>
-          </p:cNvSpPr>
-          <p:nvPr>
-            <p:ph idx="1"/>
-          </p:nvPr>
-        </p:nvSpPr>
-        <p:spPr/>
-        <p:txBody>
-          <a:bodyPr/>
-          <a:lstStyle/>
+              <a:rPr b="1"/>
+              <a:t>String Methods</a:t>
+            </a:r>
+          </a:p>
           <a:p>
             <a:pPr lvl="0" marL="0" indent="0">
               <a:buNone/>
@@ -3889,12 +3807,7 @@
             <p:ph type="title"/>
           </p:nvPr>
         </p:nvSpPr>
-        <p:spPr>
-          <a:xfrm>
-            <a:off x="722313" y="4406900"/>
-            <a:ext cx="7772400" cy="1362075"/>
-          </a:xfrm>
-        </p:spPr>
+        <p:spPr/>
         <p:txBody>
           <a:bodyPr/>
           <a:lstStyle/>
@@ -3933,12 +3846,12 @@
       </p:grpSpPr>
       <p:sp>
         <p:nvSpPr>
-          <p:cNvPr id="2" name="Title 1"/>
-          <p:cNvSpPr>
-            <a:spLocks noGrp="1"/>
-          </p:cNvSpPr>
-          <p:nvPr>
-            <p:ph type="title"/>
+          <p:cNvPr id="3" name="Content Placeholder 2"/>
+          <p:cNvSpPr>
+            <a:spLocks noGrp="1"/>
+          </p:cNvSpPr>
+          <p:nvPr>
+            <p:ph idx="1"/>
           </p:nvPr>
         </p:nvSpPr>
         <p:spPr/>
@@ -3947,45 +3860,16 @@
           <a:lstStyle/>
           <a:p>
             <a:pPr lvl="0" marL="0" indent="0">
+              <a:spcBef>
+                <a:spcPts val="3000"/>
+              </a:spcBef>
               <a:buNone/>
             </a:pPr>
             <a:r>
-              <a:rPr/>
-              <a:t>What</a:t>
-            </a:r>
-            <a:r>
-              <a:rPr/>
-              <a:t> </a:t>
-            </a:r>
-            <a:r>
-              <a:rPr/>
-              <a:t>are</a:t>
-            </a:r>
-            <a:r>
-              <a:rPr/>
-              <a:t> </a:t>
-            </a:r>
-            <a:r>
-              <a:rPr/>
-              <a:t>lists?</a:t>
-            </a:r>
-          </a:p>
-        </p:txBody>
-      </p:sp>
-      <p:sp>
-        <p:nvSpPr>
-          <p:cNvPr id="3" name="Content Placeholder 2"/>
-          <p:cNvSpPr>
-            <a:spLocks noGrp="1"/>
-          </p:cNvSpPr>
-          <p:nvPr>
-            <p:ph idx="1"/>
-          </p:nvPr>
-        </p:nvSpPr>
-        <p:spPr/>
-        <p:txBody>
-          <a:bodyPr/>
-          <a:lstStyle/>
+              <a:rPr b="1"/>
+              <a:t>What are lists?</a:t>
+            </a:r>
+          </a:p>
           <a:p>
             <a:pPr lvl="1"/>
             <a:r>
@@ -4040,12 +3924,12 @@
       </p:grpSpPr>
       <p:sp>
         <p:nvSpPr>
-          <p:cNvPr id="2" name="Title 1"/>
-          <p:cNvSpPr>
-            <a:spLocks noGrp="1"/>
-          </p:cNvSpPr>
-          <p:nvPr>
-            <p:ph type="title"/>
+          <p:cNvPr id="3" name="Content Placeholder 2"/>
+          <p:cNvSpPr>
+            <a:spLocks noGrp="1"/>
+          </p:cNvSpPr>
+          <p:nvPr>
+            <p:ph idx="1"/>
           </p:nvPr>
         </p:nvSpPr>
         <p:spPr/>
@@ -4054,37 +3938,16 @@
           <a:lstStyle/>
           <a:p>
             <a:pPr lvl="0" marL="0" indent="0">
+              <a:spcBef>
+                <a:spcPts val="3000"/>
+              </a:spcBef>
               <a:buNone/>
             </a:pPr>
             <a:r>
-              <a:rPr/>
-              <a:t>Creating</a:t>
-            </a:r>
-            <a:r>
-              <a:rPr/>
-              <a:t> </a:t>
-            </a:r>
-            <a:r>
-              <a:rPr/>
-              <a:t>lists</a:t>
-            </a:r>
-          </a:p>
-        </p:txBody>
-      </p:sp>
-      <p:sp>
-        <p:nvSpPr>
-          <p:cNvPr id="3" name="Content Placeholder 2"/>
-          <p:cNvSpPr>
-            <a:spLocks noGrp="1"/>
-          </p:cNvSpPr>
-          <p:nvPr>
-            <p:ph idx="1"/>
-          </p:nvPr>
-        </p:nvSpPr>
-        <p:spPr/>
-        <p:txBody>
-          <a:bodyPr/>
-          <a:lstStyle/>
+              <a:rPr b="1"/>
+              <a:t>Creating lists</a:t>
+            </a:r>
+          </a:p>
           <a:p>
             <a:pPr lvl="1"/>
             <a:r>
@@ -4146,12 +4009,12 @@
       </p:grpSpPr>
       <p:sp>
         <p:nvSpPr>
-          <p:cNvPr id="2" name="Title 1"/>
-          <p:cNvSpPr>
-            <a:spLocks noGrp="1"/>
-          </p:cNvSpPr>
-          <p:nvPr>
-            <p:ph type="title"/>
+          <p:cNvPr id="3" name="Content Placeholder 2"/>
+          <p:cNvSpPr>
+            <a:spLocks noGrp="1"/>
+          </p:cNvSpPr>
+          <p:nvPr>
+            <p:ph idx="1"/>
           </p:nvPr>
         </p:nvSpPr>
         <p:spPr/>
@@ -4160,37 +4023,16 @@
           <a:lstStyle/>
           <a:p>
             <a:pPr lvl="0" marL="0" indent="0">
+              <a:spcBef>
+                <a:spcPts val="3000"/>
+              </a:spcBef>
               <a:buNone/>
             </a:pPr>
             <a:r>
-              <a:rPr/>
-              <a:t>Accessing</a:t>
-            </a:r>
-            <a:r>
-              <a:rPr/>
-              <a:t> </a:t>
-            </a:r>
-            <a:r>
-              <a:rPr/>
-              <a:t>lists</a:t>
-            </a:r>
-          </a:p>
-        </p:txBody>
-      </p:sp>
-      <p:sp>
-        <p:nvSpPr>
-          <p:cNvPr id="3" name="Content Placeholder 2"/>
-          <p:cNvSpPr>
-            <a:spLocks noGrp="1"/>
-          </p:cNvSpPr>
-          <p:nvPr>
-            <p:ph idx="1"/>
-          </p:nvPr>
-        </p:nvSpPr>
-        <p:spPr/>
-        <p:txBody>
-          <a:bodyPr/>
-          <a:lstStyle/>
+              <a:rPr b="1"/>
+              <a:t>Accessing lists</a:t>
+            </a:r>
+          </a:p>
           <a:p>
             <a:pPr lvl="1"/>
             <a:r>
@@ -4271,12 +4113,12 @@
       </p:grpSpPr>
       <p:sp>
         <p:nvSpPr>
-          <p:cNvPr id="2" name="Title 1"/>
-          <p:cNvSpPr>
-            <a:spLocks noGrp="1"/>
-          </p:cNvSpPr>
-          <p:nvPr>
-            <p:ph type="title"/>
+          <p:cNvPr id="3" name="Content Placeholder 2"/>
+          <p:cNvSpPr>
+            <a:spLocks noGrp="1"/>
+          </p:cNvSpPr>
+          <p:nvPr>
+            <p:ph idx="1"/>
           </p:nvPr>
         </p:nvSpPr>
         <p:spPr/>
@@ -4285,45 +4127,16 @@
           <a:lstStyle/>
           <a:p>
             <a:pPr lvl="0" marL="0" indent="0">
+              <a:spcBef>
+                <a:spcPts val="3000"/>
+              </a:spcBef>
               <a:buNone/>
             </a:pPr>
             <a:r>
-              <a:rPr/>
-              <a:t>Loops</a:t>
-            </a:r>
-            <a:r>
-              <a:rPr/>
-              <a:t> </a:t>
-            </a:r>
-            <a:r>
-              <a:rPr/>
-              <a:t>and</a:t>
-            </a:r>
-            <a:r>
-              <a:rPr/>
-              <a:t> </a:t>
-            </a:r>
-            <a:r>
-              <a:rPr/>
-              <a:t>Lists</a:t>
-            </a:r>
-          </a:p>
-        </p:txBody>
-      </p:sp>
-      <p:sp>
-        <p:nvSpPr>
-          <p:cNvPr id="3" name="Content Placeholder 2"/>
-          <p:cNvSpPr>
-            <a:spLocks noGrp="1"/>
-          </p:cNvSpPr>
-          <p:nvPr>
-            <p:ph idx="1"/>
-          </p:nvPr>
-        </p:nvSpPr>
-        <p:spPr/>
-        <p:txBody>
-          <a:bodyPr/>
-          <a:lstStyle/>
+              <a:rPr b="1"/>
+              <a:t>Loops and Lists</a:t>
+            </a:r>
+          </a:p>
           <a:p>
             <a:pPr lvl="0" marL="0" indent="0">
               <a:buNone/>
@@ -4505,12 +4318,12 @@
       </p:grpSpPr>
       <p:sp>
         <p:nvSpPr>
-          <p:cNvPr id="2" name="Title 1"/>
-          <p:cNvSpPr>
-            <a:spLocks noGrp="1"/>
-          </p:cNvSpPr>
-          <p:nvPr>
-            <p:ph type="title"/>
+          <p:cNvPr id="3" name="Content Placeholder 2"/>
+          <p:cNvSpPr>
+            <a:spLocks noGrp="1"/>
+          </p:cNvSpPr>
+          <p:nvPr>
+            <p:ph idx="1"/>
           </p:nvPr>
         </p:nvSpPr>
         <p:spPr/>
@@ -4519,37 +4332,16 @@
           <a:lstStyle/>
           <a:p>
             <a:pPr lvl="0" marL="0" indent="0">
+              <a:spcBef>
+                <a:spcPts val="3000"/>
+              </a:spcBef>
               <a:buNone/>
             </a:pPr>
             <a:r>
-              <a:rPr/>
-              <a:t>Modifying</a:t>
-            </a:r>
-            <a:r>
-              <a:rPr/>
-              <a:t> </a:t>
-            </a:r>
-            <a:r>
-              <a:rPr/>
-              <a:t>lists</a:t>
-            </a:r>
-          </a:p>
-        </p:txBody>
-      </p:sp>
-      <p:sp>
-        <p:nvSpPr>
-          <p:cNvPr id="3" name="Content Placeholder 2"/>
-          <p:cNvSpPr>
-            <a:spLocks noGrp="1"/>
-          </p:cNvSpPr>
-          <p:nvPr>
-            <p:ph idx="1"/>
-          </p:nvPr>
-        </p:nvSpPr>
-        <p:spPr/>
-        <p:txBody>
-          <a:bodyPr/>
-          <a:lstStyle/>
+              <a:rPr b="1"/>
+              <a:t>Modifying lists</a:t>
+            </a:r>
+          </a:p>
           <a:p>
             <a:pPr lvl="1"/>
             <a:r>
@@ -4708,12 +4500,12 @@
       </p:grpSpPr>
       <p:sp>
         <p:nvSpPr>
-          <p:cNvPr id="2" name="Title 1"/>
-          <p:cNvSpPr>
-            <a:spLocks noGrp="1"/>
-          </p:cNvSpPr>
-          <p:nvPr>
-            <p:ph type="title"/>
+          <p:cNvPr id="3" name="Content Placeholder 2"/>
+          <p:cNvSpPr>
+            <a:spLocks noGrp="1"/>
+          </p:cNvSpPr>
+          <p:nvPr>
+            <p:ph idx="1"/>
           </p:nvPr>
         </p:nvSpPr>
         <p:spPr/>
@@ -4722,53 +4514,16 @@
           <a:lstStyle/>
           <a:p>
             <a:pPr lvl="0" marL="0" indent="0">
+              <a:spcBef>
+                <a:spcPts val="3000"/>
+              </a:spcBef>
               <a:buNone/>
             </a:pPr>
             <a:r>
-              <a:rPr/>
-              <a:t>From</a:t>
-            </a:r>
-            <a:r>
-              <a:rPr/>
-              <a:t> </a:t>
-            </a:r>
-            <a:r>
-              <a:rPr/>
-              <a:t>atoms</a:t>
-            </a:r>
-            <a:r>
-              <a:rPr/>
-              <a:t> </a:t>
-            </a:r>
-            <a:r>
-              <a:rPr/>
-              <a:t>to</a:t>
-            </a:r>
-            <a:r>
-              <a:rPr/>
-              <a:t> </a:t>
-            </a:r>
-            <a:r>
-              <a:rPr/>
-              <a:t>molecules</a:t>
-            </a:r>
-          </a:p>
-        </p:txBody>
-      </p:sp>
-      <p:sp>
-        <p:nvSpPr>
-          <p:cNvPr id="3" name="Content Placeholder 2"/>
-          <p:cNvSpPr>
-            <a:spLocks noGrp="1"/>
-          </p:cNvSpPr>
-          <p:nvPr>
-            <p:ph idx="1"/>
-          </p:nvPr>
-        </p:nvSpPr>
-        <p:spPr/>
-        <p:txBody>
-          <a:bodyPr/>
-          <a:lstStyle/>
+              <a:rPr b="1"/>
+              <a:t>From atoms to molecules</a:t>
+            </a:r>
+          </a:p>
           <a:p>
             <a:pPr lvl="1"/>
             <a:r>
@@ -4875,12 +4630,7 @@
             <p:ph type="title"/>
           </p:nvPr>
         </p:nvSpPr>
-        <p:spPr>
-          <a:xfrm>
-            <a:off x="722313" y="4406900"/>
-            <a:ext cx="7772400" cy="1362075"/>
-          </a:xfrm>
-        </p:spPr>
+        <p:spPr/>
         <p:txBody>
           <a:bodyPr/>
           <a:lstStyle/>
@@ -4892,6 +4642,27 @@
               <a:rPr/>
               <a:t>Dictionaries</a:t>
             </a:r>
+          </a:p>
+        </p:txBody>
+      </p:sp>
+      <p:sp>
+        <p:nvSpPr>
+          <p:cNvPr id="3" name="Content Placeholder 2"/>
+          <p:cNvSpPr>
+            <a:spLocks noGrp="1"/>
+          </p:cNvSpPr>
+          <p:nvPr>
+            <p:ph idx="1"/>
+          </p:nvPr>
+        </p:nvSpPr>
+        <p:spPr/>
+        <p:txBody>
+          <a:bodyPr/>
+          <a:lstStyle/>
+          <a:p>
+            <a:pPr lvl="0" marL="0" indent="0">
+              <a:buNone/>
+            </a:pPr>
           </a:p>
         </p:txBody>
       </p:sp>
@@ -4919,12 +4690,12 @@
       </p:grpSpPr>
       <p:sp>
         <p:nvSpPr>
-          <p:cNvPr id="2" name="Title 1"/>
-          <p:cNvSpPr>
-            <a:spLocks noGrp="1"/>
-          </p:cNvSpPr>
-          <p:nvPr>
-            <p:ph type="title"/>
+          <p:cNvPr id="3" name="Content Placeholder 2"/>
+          <p:cNvSpPr>
+            <a:spLocks noGrp="1"/>
+          </p:cNvSpPr>
+          <p:nvPr>
+            <p:ph idx="1"/>
           </p:nvPr>
         </p:nvSpPr>
         <p:spPr/>
@@ -4933,45 +4704,16 @@
           <a:lstStyle/>
           <a:p>
             <a:pPr lvl="0" marL="0" indent="0">
+              <a:spcBef>
+                <a:spcPts val="3000"/>
+              </a:spcBef>
               <a:buNone/>
             </a:pPr>
             <a:r>
-              <a:rPr/>
-              <a:t>What</a:t>
-            </a:r>
-            <a:r>
-              <a:rPr/>
-              <a:t> </a:t>
-            </a:r>
-            <a:r>
-              <a:rPr/>
-              <a:t>are</a:t>
-            </a:r>
-            <a:r>
-              <a:rPr/>
-              <a:t> </a:t>
-            </a:r>
-            <a:r>
-              <a:rPr/>
-              <a:t>dictionaries?</a:t>
-            </a:r>
-          </a:p>
-        </p:txBody>
-      </p:sp>
-      <p:sp>
-        <p:nvSpPr>
-          <p:cNvPr id="3" name="Content Placeholder 2"/>
-          <p:cNvSpPr>
-            <a:spLocks noGrp="1"/>
-          </p:cNvSpPr>
-          <p:nvPr>
-            <p:ph idx="1"/>
-          </p:nvPr>
-        </p:nvSpPr>
-        <p:spPr/>
-        <p:txBody>
-          <a:bodyPr/>
-          <a:lstStyle/>
+              <a:rPr b="1"/>
+              <a:t>What are dictionaries?</a:t>
+            </a:r>
+          </a:p>
           <a:p>
             <a:pPr lvl="1"/>
             <a:r>
@@ -5027,12 +4769,12 @@
       </p:grpSpPr>
       <p:sp>
         <p:nvSpPr>
-          <p:cNvPr id="2" name="Title 1"/>
-          <p:cNvSpPr>
-            <a:spLocks noGrp="1"/>
-          </p:cNvSpPr>
-          <p:nvPr>
-            <p:ph type="title"/>
+          <p:cNvPr id="3" name="Content Placeholder 2"/>
+          <p:cNvSpPr>
+            <a:spLocks noGrp="1"/>
+          </p:cNvSpPr>
+          <p:nvPr>
+            <p:ph idx="1"/>
           </p:nvPr>
         </p:nvSpPr>
         <p:spPr/>
@@ -5041,77 +4783,168 @@
           <a:lstStyle/>
           <a:p>
             <a:pPr lvl="0" marL="0" indent="0">
+              <a:spcBef>
+                <a:spcPts val="3000"/>
+              </a:spcBef>
               <a:buNone/>
             </a:pPr>
             <a:r>
-              <a:rPr/>
-              <a:t>Creating</a:t>
-            </a:r>
-            <a:r>
-              <a:rPr/>
-              <a:t> </a:t>
-            </a:r>
-            <a:r>
-              <a:rPr/>
-              <a:t>dictionaries</a:t>
-            </a:r>
-          </a:p>
-        </p:txBody>
-      </p:sp>
-      <p:sp>
-        <p:nvSpPr>
-          <p:cNvPr id="3" name="Content Placeholder 2"/>
-          <p:cNvSpPr>
-            <a:spLocks noGrp="1"/>
-          </p:cNvSpPr>
-          <p:nvPr>
-            <p:ph idx="1"/>
-          </p:nvPr>
-        </p:nvSpPr>
-        <p:spPr/>
-        <p:txBody>
-          <a:bodyPr/>
-          <a:lstStyle/>
-          <a:p>
-            <a:pPr lvl="1"/>
-            <a:r>
-              <a:rPr/>
-              <a:t>Create a dictionary with dict() or with curly braces (empty or not)</a:t>
-            </a:r>
-          </a:p>
-          <a:p>
-            <a:pPr lvl="2"/>
-            <a:r>
-              <a:rPr/>
-              <a:t>my_dictionary = dict()</a:t>
-            </a:r>
-          </a:p>
-          <a:p>
-            <a:pPr lvl="2"/>
-            <a:r>
-              <a:rPr/>
-              <a:t>d = {}</a:t>
-            </a:r>
-          </a:p>
-          <a:p>
-            <a:pPr lvl="2"/>
-            <a:r>
-              <a:rPr/>
-              <a:t>phone_book = {‘Bruce Banner’: ‘555-555-1234’, ‘Sue Storm’: ‘555-555-5678’}</a:t>
-            </a:r>
-          </a:p>
-          <a:p>
-            <a:pPr lvl="1"/>
-            <a:r>
-              <a:rPr/>
-              <a:t>Notice how the keys and values are delimited by a colon</a:t>
-            </a:r>
-          </a:p>
-          <a:p>
-            <a:pPr lvl="1"/>
-            <a:r>
-              <a:rPr/>
-              <a:t>And how the key/value pairs are separated by commas</a:t>
+              <a:rPr b="1"/>
+              <a:t>Creating dictionaries</a:t>
+            </a:r>
+          </a:p>
+          <a:p>
+            <a:pPr lvl="0" marL="0" indent="0">
+              <a:buNone/>
+            </a:pPr>
+            <a:r>
+              <a:rPr/>
+              <a:t>Create a dictionary with dict() or with curly braces:</a:t>
+            </a:r>
+          </a:p>
+          <a:p>
+            <a:pPr lvl="0" marL="1270000" indent="0">
+              <a:buNone/>
+            </a:pPr>
+            <a:r>
+              <a:rPr sz="1800">
+                <a:latin typeface="Courier"/>
+              </a:rPr>
+              <a:t>my_dictionary </a:t>
+            </a:r>
+            <a:r>
+              <a:rPr sz="1800">
+                <a:solidFill>
+                  <a:srgbClr val="666666"/>
+                </a:solidFill>
+                <a:latin typeface="Courier"/>
+              </a:rPr>
+              <a:t>=</a:t>
+            </a:r>
+            <a:r>
+              <a:rPr sz="1800">
+                <a:latin typeface="Courier"/>
+              </a:rPr>
+              <a:t> dict()</a:t>
+            </a:r>
+            <a:br/>
+            <a:r>
+              <a:rPr sz="1800">
+                <a:latin typeface="Courier"/>
+              </a:rPr>
+              <a:t>my_dictionary </a:t>
+            </a:r>
+            <a:r>
+              <a:rPr sz="1800">
+                <a:solidFill>
+                  <a:srgbClr val="666666"/>
+                </a:solidFill>
+                <a:latin typeface="Courier"/>
+              </a:rPr>
+              <a:t>=</a:t>
+            </a:r>
+            <a:r>
+              <a:rPr sz="1800">
+                <a:latin typeface="Courier"/>
+              </a:rPr>
+              <a:t> {}</a:t>
+            </a:r>
+            <a:br/>
+            <a:r>
+              <a:rPr sz="1800">
+                <a:latin typeface="Courier"/>
+              </a:rPr>
+              <a:t>phone_book </a:t>
+            </a:r>
+            <a:r>
+              <a:rPr sz="1800">
+                <a:solidFill>
+                  <a:srgbClr val="666666"/>
+                </a:solidFill>
+                <a:latin typeface="Courier"/>
+              </a:rPr>
+              <a:t>=</a:t>
+            </a:r>
+            <a:r>
+              <a:rPr sz="1800">
+                <a:latin typeface="Courier"/>
+              </a:rPr>
+              <a:t> {</a:t>
+            </a:r>
+            <a:br/>
+            <a:r>
+              <a:rPr sz="1800">
+                <a:latin typeface="Courier"/>
+              </a:rPr>
+              <a:t>    </a:t>
+            </a:r>
+            <a:r>
+              <a:rPr sz="1800">
+                <a:solidFill>
+                  <a:srgbClr val="4070A0"/>
+                </a:solidFill>
+                <a:latin typeface="Courier"/>
+              </a:rPr>
+              <a:t>'Bruce Banner'</a:t>
+            </a:r>
+            <a:r>
+              <a:rPr sz="1800">
+                <a:latin typeface="Courier"/>
+              </a:rPr>
+              <a:t>: </a:t>
+            </a:r>
+            <a:r>
+              <a:rPr sz="1800">
+                <a:solidFill>
+                  <a:srgbClr val="4070A0"/>
+                </a:solidFill>
+                <a:latin typeface="Courier"/>
+              </a:rPr>
+              <a:t>'555-555-1234'</a:t>
+            </a:r>
+            <a:r>
+              <a:rPr sz="1800">
+                <a:latin typeface="Courier"/>
+              </a:rPr>
+              <a:t>,</a:t>
+            </a:r>
+            <a:br/>
+            <a:r>
+              <a:rPr sz="1800">
+                <a:latin typeface="Courier"/>
+              </a:rPr>
+              <a:t>    </a:t>
+            </a:r>
+            <a:r>
+              <a:rPr sz="1800">
+                <a:solidFill>
+                  <a:srgbClr val="4070A0"/>
+                </a:solidFill>
+                <a:latin typeface="Courier"/>
+              </a:rPr>
+              <a:t>'Sue Storm'</a:t>
+            </a:r>
+            <a:r>
+              <a:rPr sz="1800">
+                <a:latin typeface="Courier"/>
+              </a:rPr>
+              <a:t>: </a:t>
+            </a:r>
+            <a:r>
+              <a:rPr sz="1800">
+                <a:solidFill>
+                  <a:srgbClr val="4070A0"/>
+                </a:solidFill>
+                <a:latin typeface="Courier"/>
+              </a:rPr>
+              <a:t>'555-555-5678'</a:t>
+            </a:r>
+            <a:br/>
+            <a:r>
+              <a:rPr sz="1800">
+                <a:latin typeface="Courier"/>
+              </a:rPr>
+              <a:t>}</a:t>
             </a:r>
           </a:p>
         </p:txBody>
@@ -5140,12 +4973,12 @@
       </p:grpSpPr>
       <p:sp>
         <p:nvSpPr>
-          <p:cNvPr id="2" name="Title 1"/>
-          <p:cNvSpPr>
-            <a:spLocks noGrp="1"/>
-          </p:cNvSpPr>
-          <p:nvPr>
-            <p:ph type="title"/>
+          <p:cNvPr id="3" name="Content Placeholder 2"/>
+          <p:cNvSpPr>
+            <a:spLocks noGrp="1"/>
+          </p:cNvSpPr>
+          <p:nvPr>
+            <p:ph idx="1"/>
           </p:nvPr>
         </p:nvSpPr>
         <p:spPr/>
@@ -5154,37 +4987,16 @@
           <a:lstStyle/>
           <a:p>
             <a:pPr lvl="0" marL="0" indent="0">
+              <a:spcBef>
+                <a:spcPts val="3000"/>
+              </a:spcBef>
               <a:buNone/>
             </a:pPr>
             <a:r>
-              <a:rPr/>
-              <a:t>Accessing</a:t>
-            </a:r>
-            <a:r>
-              <a:rPr/>
-              <a:t> </a:t>
-            </a:r>
-            <a:r>
-              <a:rPr/>
-              <a:t>dictionaries</a:t>
-            </a:r>
-          </a:p>
-        </p:txBody>
-      </p:sp>
-      <p:sp>
-        <p:nvSpPr>
-          <p:cNvPr id="3" name="Content Placeholder 2"/>
-          <p:cNvSpPr>
-            <a:spLocks noGrp="1"/>
-          </p:cNvSpPr>
-          <p:nvPr>
-            <p:ph idx="1"/>
-          </p:nvPr>
-        </p:nvSpPr>
-        <p:spPr/>
-        <p:txBody>
-          <a:bodyPr/>
-          <a:lstStyle/>
+              <a:rPr b="1"/>
+              <a:t>Accessing dictionaries</a:t>
+            </a:r>
+          </a:p>
           <a:p>
             <a:pPr lvl="1"/>
             <a:r>
@@ -5198,18 +5010,31 @@
             </a:pPr>
             <a:r>
               <a:rPr sz="1800">
+                <a:latin typeface="Courier"/>
+              </a:rPr>
+              <a:t>phone_book </a:t>
+            </a:r>
+            <a:r>
+              <a:rPr sz="1800">
                 <a:solidFill>
                   <a:srgbClr val="666666"/>
                 </a:solidFill>
                 <a:latin typeface="Courier"/>
               </a:rPr>
-              <a:t>&gt;&gt;&gt;</a:t>
-            </a:r>
-            <a:r>
-              <a:rPr sz="1800">
-                <a:latin typeface="Courier"/>
-              </a:rPr>
-              <a:t> phone_book[</a:t>
+              <a:t>=</a:t>
+            </a:r>
+            <a:r>
+              <a:rPr sz="1800">
+                <a:latin typeface="Courier"/>
+              </a:rPr>
+              <a:t> {</a:t>
+            </a:r>
+            <a:br/>
+            <a:r>
+              <a:rPr sz="1800">
+                <a:latin typeface="Courier"/>
+              </a:rPr>
+              <a:t>    </a:t>
             </a:r>
             <a:r>
               <a:rPr sz="1800">
@@ -5224,39 +5049,91 @@
               <a:rPr sz="1800">
                 <a:latin typeface="Courier"/>
               </a:rPr>
-              <a:t>]</a:t>
+              <a:t>: </a:t>
+            </a:r>
+            <a:r>
+              <a:rPr sz="1800">
+                <a:solidFill>
+                  <a:srgbClr val="4070A0"/>
+                </a:solidFill>
+                <a:latin typeface="Courier"/>
+              </a:rPr>
+              <a:t>'555-555-1234'</a:t>
+            </a:r>
+            <a:r>
+              <a:rPr sz="1800">
+                <a:latin typeface="Courier"/>
+              </a:rPr>
+              <a:t>,</a:t>
             </a:r>
             <a:br/>
             <a:r>
               <a:rPr sz="1800">
-                <a:solidFill>
-                  <a:srgbClr val="40A070"/>
-                </a:solidFill>
-                <a:latin typeface="Courier"/>
-              </a:rPr>
+                <a:latin typeface="Courier"/>
+              </a:rPr>
+              <a:t>    </a:t>
+            </a:r>
+            <a:r>
+              <a:rPr sz="1800">
+                <a:solidFill>
+                  <a:srgbClr val="4070A0"/>
+                </a:solidFill>
+                <a:latin typeface="Courier"/>
+              </a:rPr>
+              <a:t>'Sue Storm'</a:t>
+            </a:r>
+            <a:r>
+              <a:rPr sz="1800">
+                <a:latin typeface="Courier"/>
+              </a:rPr>
+              <a:t>: </a:t>
+            </a:r>
+            <a:r>
+              <a:rPr sz="1800">
+                <a:solidFill>
+                  <a:srgbClr val="4070A0"/>
+                </a:solidFill>
+                <a:latin typeface="Courier"/>
+              </a:rPr>
+              <a:t>'555-555-5678'</a:t>
+            </a:r>
+            <a:br/>
+            <a:r>
+              <a:rPr sz="1800">
+                <a:latin typeface="Courier"/>
+              </a:rPr>
+              <a:t>}</a:t>
+            </a:r>
+            <a:br/>
+            <a:r>
+              <a:rPr sz="1800">
+                <a:latin typeface="Courier"/>
+              </a:rPr>
+              <a:t>print(phone_book[</a:t>
+            </a:r>
+            <a:r>
+              <a:rPr sz="1800">
+                <a:solidFill>
+                  <a:srgbClr val="4070A0"/>
+                </a:solidFill>
+                <a:latin typeface="Courier"/>
+              </a:rPr>
+              <a:t>'Bruce Banner'</a:t>
+            </a:r>
+            <a:r>
+              <a:rPr sz="1800">
+                <a:latin typeface="Courier"/>
+              </a:rPr>
+              <a:t>])</a:t>
+            </a:r>
+          </a:p>
+          <a:p>
+            <a:pPr lvl="0" marL="0" indent="0">
+              <a:buNone/>
+            </a:pPr>
+            <a:r>
+              <a:rPr b="1"/>
               <a:t>555-555-1234</a:t>
-            </a:r>
-          </a:p>
-          <a:p>
-            <a:pPr lvl="1"/>
-            <a:r>
-              <a:rPr/>
-              <a:t>But the contents of the dictionary are </a:t>
-            </a:r>
-            <a:r>
-              <a:rPr b="1"/>
-              <a:t>not</a:t>
-            </a:r>
-            <a:r>
-              <a:rPr/>
-              <a:t> ordered</a:t>
-            </a:r>
-          </a:p>
-          <a:p>
-            <a:pPr lvl="1"/>
-            <a:r>
-              <a:rPr/>
-              <a:t>If you iterate over a dictionary using a for loop, you get the keys, but not in a particular order</a:t>
             </a:r>
           </a:p>
         </p:txBody>
@@ -5285,12 +5162,12 @@
       </p:grpSpPr>
       <p:sp>
         <p:nvSpPr>
-          <p:cNvPr id="2" name="Title 1"/>
-          <p:cNvSpPr>
-            <a:spLocks noGrp="1"/>
-          </p:cNvSpPr>
-          <p:nvPr>
-            <p:ph type="title"/>
+          <p:cNvPr id="3" name="Content Placeholder 2"/>
+          <p:cNvSpPr>
+            <a:spLocks noGrp="1"/>
+          </p:cNvSpPr>
+          <p:nvPr>
+            <p:ph idx="1"/>
           </p:nvPr>
         </p:nvSpPr>
         <p:spPr/>
@@ -5303,59 +5180,168 @@
             </a:pPr>
             <a:r>
               <a:rPr/>
-              <a:t>Accessing</a:t>
-            </a:r>
-            <a:r>
-              <a:rPr/>
-              <a:t> </a:t>
-            </a:r>
-            <a:r>
-              <a:rPr/>
-              <a:t>dictionaries</a:t>
-            </a:r>
-          </a:p>
-        </p:txBody>
-      </p:sp>
-      <p:sp>
-        <p:nvSpPr>
-          <p:cNvPr id="3" name="Content Placeholder 2"/>
-          <p:cNvSpPr>
-            <a:spLocks noGrp="1"/>
-          </p:cNvSpPr>
-          <p:nvPr>
-            <p:ph idx="1"/>
-          </p:nvPr>
-        </p:nvSpPr>
-        <p:spPr/>
-        <p:txBody>
-          <a:bodyPr/>
-          <a:lstStyle/>
-          <a:p>
-            <a:pPr lvl="1"/>
-            <a:r>
-              <a:rPr/>
-              <a:t>You can access the keys of a dictionary with .keys()</a:t>
-            </a:r>
-          </a:p>
-          <a:p>
-            <a:pPr lvl="1"/>
-            <a:r>
-              <a:rPr/>
-              <a:t>You can access the values of a dictionary with .values()</a:t>
-            </a:r>
-          </a:p>
-          <a:p>
-            <a:pPr lvl="1"/>
-            <a:r>
-              <a:rPr/>
-              <a:t>Or, you can access all the key/value pairs with .items()</a:t>
-            </a:r>
-          </a:p>
-          <a:p>
-            <a:pPr lvl="1"/>
-            <a:r>
-              <a:rPr/>
-              <a:t>In this last case, the pairs come back as tuples</a:t>
+              <a:t>Access the keys of a dictionary with the </a:t>
+            </a:r>
+            <a:r>
+              <a:rPr b="1"/>
+              <a:t>keys()</a:t>
+            </a:r>
+            <a:r>
+              <a:rPr/>
+              <a:t> method:</a:t>
+            </a:r>
+          </a:p>
+          <a:p>
+            <a:pPr lvl="0" marL="1270000" indent="0">
+              <a:buNone/>
+            </a:pPr>
+            <a:r>
+              <a:rPr sz="1800">
+                <a:latin typeface="Courier"/>
+              </a:rPr>
+              <a:t>phone_book </a:t>
+            </a:r>
+            <a:r>
+              <a:rPr sz="1800">
+                <a:solidFill>
+                  <a:srgbClr val="666666"/>
+                </a:solidFill>
+                <a:latin typeface="Courier"/>
+              </a:rPr>
+              <a:t>=</a:t>
+            </a:r>
+            <a:r>
+              <a:rPr sz="1800">
+                <a:latin typeface="Courier"/>
+              </a:rPr>
+              <a:t> {</a:t>
+            </a:r>
+            <a:br/>
+            <a:r>
+              <a:rPr sz="1800">
+                <a:latin typeface="Courier"/>
+              </a:rPr>
+              <a:t>    </a:t>
+            </a:r>
+            <a:r>
+              <a:rPr sz="1800">
+                <a:solidFill>
+                  <a:srgbClr val="4070A0"/>
+                </a:solidFill>
+                <a:latin typeface="Courier"/>
+              </a:rPr>
+              <a:t>'Bruce Banner'</a:t>
+            </a:r>
+            <a:r>
+              <a:rPr sz="1800">
+                <a:latin typeface="Courier"/>
+              </a:rPr>
+              <a:t>: </a:t>
+            </a:r>
+            <a:r>
+              <a:rPr sz="1800">
+                <a:solidFill>
+                  <a:srgbClr val="4070A0"/>
+                </a:solidFill>
+                <a:latin typeface="Courier"/>
+              </a:rPr>
+              <a:t>'555-555-1234'</a:t>
+            </a:r>
+            <a:r>
+              <a:rPr sz="1800">
+                <a:latin typeface="Courier"/>
+              </a:rPr>
+              <a:t>,</a:t>
+            </a:r>
+            <a:br/>
+            <a:r>
+              <a:rPr sz="1800">
+                <a:latin typeface="Courier"/>
+              </a:rPr>
+              <a:t>    </a:t>
+            </a:r>
+            <a:r>
+              <a:rPr sz="1800">
+                <a:solidFill>
+                  <a:srgbClr val="4070A0"/>
+                </a:solidFill>
+                <a:latin typeface="Courier"/>
+              </a:rPr>
+              <a:t>'Sue Storm'</a:t>
+            </a:r>
+            <a:r>
+              <a:rPr sz="1800">
+                <a:latin typeface="Courier"/>
+              </a:rPr>
+              <a:t>: </a:t>
+            </a:r>
+            <a:r>
+              <a:rPr sz="1800">
+                <a:solidFill>
+                  <a:srgbClr val="4070A0"/>
+                </a:solidFill>
+                <a:latin typeface="Courier"/>
+              </a:rPr>
+              <a:t>'555-555-5678'</a:t>
+            </a:r>
+            <a:br/>
+            <a:r>
+              <a:rPr sz="1800">
+                <a:latin typeface="Courier"/>
+              </a:rPr>
+              <a:t>}</a:t>
+            </a:r>
+            <a:br/>
+            <a:r>
+              <a:rPr sz="1800" b="1">
+                <a:solidFill>
+                  <a:srgbClr val="007020"/>
+                </a:solidFill>
+                <a:latin typeface="Courier"/>
+              </a:rPr>
+              <a:t>for</a:t>
+            </a:r>
+            <a:r>
+              <a:rPr sz="1800">
+                <a:latin typeface="Courier"/>
+              </a:rPr>
+              <a:t> k </a:t>
+            </a:r>
+            <a:r>
+              <a:rPr sz="1800" b="1">
+                <a:solidFill>
+                  <a:srgbClr val="007020"/>
+                </a:solidFill>
+                <a:latin typeface="Courier"/>
+              </a:rPr>
+              <a:t>in</a:t>
+            </a:r>
+            <a:r>
+              <a:rPr sz="1800">
+                <a:latin typeface="Courier"/>
+              </a:rPr>
+              <a:t> phone_book.keys():</a:t>
+            </a:r>
+            <a:br/>
+            <a:r>
+              <a:rPr sz="1800">
+                <a:latin typeface="Courier"/>
+              </a:rPr>
+              <a:t>    print(k)</a:t>
+            </a:r>
+          </a:p>
+          <a:p>
+            <a:pPr lvl="0" marL="0" indent="0">
+              <a:buNone/>
+            </a:pPr>
+            <a:r>
+              <a:rPr b="1"/>
+              <a:t>Bruce Banner</a:t>
+            </a:r>
+            <a:br/>
+            <a:r>
+              <a:rPr b="1"/>
+              <a:t>Sue Storm</a:t>
             </a:r>
           </a:p>
         </p:txBody>
@@ -5384,20 +5370,15 @@
       </p:grpSpPr>
       <p:sp>
         <p:nvSpPr>
-          <p:cNvPr id="2" name="Title 1"/>
-          <p:cNvSpPr>
-            <a:spLocks noGrp="1"/>
-          </p:cNvSpPr>
-          <p:nvPr>
-            <p:ph type="title"/>
-          </p:nvPr>
-        </p:nvSpPr>
-        <p:spPr>
-          <a:xfrm>
-            <a:off x="722313" y="4406900"/>
-            <a:ext cx="7772400" cy="1362075"/>
-          </a:xfrm>
-        </p:spPr>
+          <p:cNvPr id="3" name="Content Placeholder 2"/>
+          <p:cNvSpPr>
+            <a:spLocks noGrp="1"/>
+          </p:cNvSpPr>
+          <p:nvPr>
+            <p:ph idx="1"/>
+          </p:nvPr>
+        </p:nvSpPr>
+        <p:spPr/>
         <p:txBody>
           <a:bodyPr/>
           <a:lstStyle/>
@@ -5407,7 +5388,168 @@
             </a:pPr>
             <a:r>
               <a:rPr/>
-              <a:t>Tuples</a:t>
+              <a:t>Access the values of a dictionary with the </a:t>
+            </a:r>
+            <a:r>
+              <a:rPr b="1"/>
+              <a:t>values()</a:t>
+            </a:r>
+            <a:r>
+              <a:rPr/>
+              <a:t> method:</a:t>
+            </a:r>
+          </a:p>
+          <a:p>
+            <a:pPr lvl="0" marL="1270000" indent="0">
+              <a:buNone/>
+            </a:pPr>
+            <a:r>
+              <a:rPr sz="1800">
+                <a:latin typeface="Courier"/>
+              </a:rPr>
+              <a:t>phone_book </a:t>
+            </a:r>
+            <a:r>
+              <a:rPr sz="1800">
+                <a:solidFill>
+                  <a:srgbClr val="666666"/>
+                </a:solidFill>
+                <a:latin typeface="Courier"/>
+              </a:rPr>
+              <a:t>=</a:t>
+            </a:r>
+            <a:r>
+              <a:rPr sz="1800">
+                <a:latin typeface="Courier"/>
+              </a:rPr>
+              <a:t> {</a:t>
+            </a:r>
+            <a:br/>
+            <a:r>
+              <a:rPr sz="1800">
+                <a:latin typeface="Courier"/>
+              </a:rPr>
+              <a:t>    </a:t>
+            </a:r>
+            <a:r>
+              <a:rPr sz="1800">
+                <a:solidFill>
+                  <a:srgbClr val="4070A0"/>
+                </a:solidFill>
+                <a:latin typeface="Courier"/>
+              </a:rPr>
+              <a:t>'Bruce Banner'</a:t>
+            </a:r>
+            <a:r>
+              <a:rPr sz="1800">
+                <a:latin typeface="Courier"/>
+              </a:rPr>
+              <a:t>: </a:t>
+            </a:r>
+            <a:r>
+              <a:rPr sz="1800">
+                <a:solidFill>
+                  <a:srgbClr val="4070A0"/>
+                </a:solidFill>
+                <a:latin typeface="Courier"/>
+              </a:rPr>
+              <a:t>'555-555-1234'</a:t>
+            </a:r>
+            <a:r>
+              <a:rPr sz="1800">
+                <a:latin typeface="Courier"/>
+              </a:rPr>
+              <a:t>,</a:t>
+            </a:r>
+            <a:br/>
+            <a:r>
+              <a:rPr sz="1800">
+                <a:latin typeface="Courier"/>
+              </a:rPr>
+              <a:t>    </a:t>
+            </a:r>
+            <a:r>
+              <a:rPr sz="1800">
+                <a:solidFill>
+                  <a:srgbClr val="4070A0"/>
+                </a:solidFill>
+                <a:latin typeface="Courier"/>
+              </a:rPr>
+              <a:t>'Sue Storm'</a:t>
+            </a:r>
+            <a:r>
+              <a:rPr sz="1800">
+                <a:latin typeface="Courier"/>
+              </a:rPr>
+              <a:t>: </a:t>
+            </a:r>
+            <a:r>
+              <a:rPr sz="1800">
+                <a:solidFill>
+                  <a:srgbClr val="4070A0"/>
+                </a:solidFill>
+                <a:latin typeface="Courier"/>
+              </a:rPr>
+              <a:t>'555-555-5678'</a:t>
+            </a:r>
+            <a:br/>
+            <a:r>
+              <a:rPr sz="1800">
+                <a:latin typeface="Courier"/>
+              </a:rPr>
+              <a:t>}</a:t>
+            </a:r>
+            <a:br/>
+            <a:r>
+              <a:rPr sz="1800" b="1">
+                <a:solidFill>
+                  <a:srgbClr val="007020"/>
+                </a:solidFill>
+                <a:latin typeface="Courier"/>
+              </a:rPr>
+              <a:t>for</a:t>
+            </a:r>
+            <a:r>
+              <a:rPr sz="1800">
+                <a:latin typeface="Courier"/>
+              </a:rPr>
+              <a:t> val </a:t>
+            </a:r>
+            <a:r>
+              <a:rPr sz="1800" b="1">
+                <a:solidFill>
+                  <a:srgbClr val="007020"/>
+                </a:solidFill>
+                <a:latin typeface="Courier"/>
+              </a:rPr>
+              <a:t>in</a:t>
+            </a:r>
+            <a:r>
+              <a:rPr sz="1800">
+                <a:latin typeface="Courier"/>
+              </a:rPr>
+              <a:t> phone_book.values():</a:t>
+            </a:r>
+            <a:br/>
+            <a:r>
+              <a:rPr sz="1800">
+                <a:latin typeface="Courier"/>
+              </a:rPr>
+              <a:t>    print(val)</a:t>
+            </a:r>
+          </a:p>
+          <a:p>
+            <a:pPr lvl="0" marL="0" indent="0">
+              <a:buNone/>
+            </a:pPr>
+            <a:r>
+              <a:rPr b="1"/>
+              <a:t>555-555-1234</a:t>
+            </a:r>
+            <a:br/>
+            <a:r>
+              <a:rPr b="1"/>
+              <a:t>555-555-5678</a:t>
             </a:r>
           </a:p>
         </p:txBody>
@@ -5436,12 +5578,12 @@
       </p:grpSpPr>
       <p:sp>
         <p:nvSpPr>
-          <p:cNvPr id="2" name="Title 1"/>
-          <p:cNvSpPr>
-            <a:spLocks noGrp="1"/>
-          </p:cNvSpPr>
-          <p:nvPr>
-            <p:ph type="title"/>
+          <p:cNvPr id="3" name="Content Placeholder 2"/>
+          <p:cNvSpPr>
+            <a:spLocks noGrp="1"/>
+          </p:cNvSpPr>
+          <p:nvPr>
+            <p:ph idx="1"/>
           </p:nvPr>
         </p:nvSpPr>
         <p:spPr/>
@@ -5454,60 +5596,168 @@
             </a:pPr>
             <a:r>
               <a:rPr/>
-              <a:t>What</a:t>
-            </a:r>
-            <a:r>
-              <a:rPr/>
-              <a:t> </a:t>
-            </a:r>
-            <a:r>
-              <a:rPr/>
-              <a:t>are</a:t>
-            </a:r>
-            <a:r>
-              <a:rPr/>
-              <a:t> </a:t>
-            </a:r>
-            <a:r>
-              <a:rPr/>
-              <a:t>tuples?</a:t>
-            </a:r>
-          </a:p>
-        </p:txBody>
-      </p:sp>
-      <p:sp>
-        <p:nvSpPr>
-          <p:cNvPr id="3" name="Content Placeholder 2"/>
-          <p:cNvSpPr>
-            <a:spLocks noGrp="1"/>
-          </p:cNvSpPr>
-          <p:nvPr>
-            <p:ph idx="1"/>
-          </p:nvPr>
-        </p:nvSpPr>
-        <p:spPr/>
-        <p:txBody>
-          <a:bodyPr/>
-          <a:lstStyle/>
-          <a:p>
-            <a:pPr lvl="1"/>
-            <a:r>
-              <a:rPr/>
-              <a:t>Tuples are ordered, immutable sequences of other objects</a:t>
-            </a:r>
-          </a:p>
-          <a:p>
-            <a:pPr lvl="1"/>
-            <a:r>
-              <a:rPr/>
-              <a:t>You will hear tuple pronounced both “too-pull” and “tuh-pull”</a:t>
-            </a:r>
-          </a:p>
-          <a:p>
-            <a:pPr lvl="1"/>
-            <a:r>
-              <a:rPr/>
-              <a:t>Contrary to how the name sounds, tuples can have any number of elements (not just two!)</a:t>
+              <a:t>Access the key/value pairs with the </a:t>
+            </a:r>
+            <a:r>
+              <a:rPr b="1"/>
+              <a:t>items()</a:t>
+            </a:r>
+            <a:r>
+              <a:rPr/>
+              <a:t> method:</a:t>
+            </a:r>
+          </a:p>
+          <a:p>
+            <a:pPr lvl="0" marL="1270000" indent="0">
+              <a:buNone/>
+            </a:pPr>
+            <a:r>
+              <a:rPr sz="1800">
+                <a:latin typeface="Courier"/>
+              </a:rPr>
+              <a:t>phone_book </a:t>
+            </a:r>
+            <a:r>
+              <a:rPr sz="1800">
+                <a:solidFill>
+                  <a:srgbClr val="666666"/>
+                </a:solidFill>
+                <a:latin typeface="Courier"/>
+              </a:rPr>
+              <a:t>=</a:t>
+            </a:r>
+            <a:r>
+              <a:rPr sz="1800">
+                <a:latin typeface="Courier"/>
+              </a:rPr>
+              <a:t> {</a:t>
+            </a:r>
+            <a:br/>
+            <a:r>
+              <a:rPr sz="1800">
+                <a:latin typeface="Courier"/>
+              </a:rPr>
+              <a:t>    </a:t>
+            </a:r>
+            <a:r>
+              <a:rPr sz="1800">
+                <a:solidFill>
+                  <a:srgbClr val="4070A0"/>
+                </a:solidFill>
+                <a:latin typeface="Courier"/>
+              </a:rPr>
+              <a:t>'Bruce Banner'</a:t>
+            </a:r>
+            <a:r>
+              <a:rPr sz="1800">
+                <a:latin typeface="Courier"/>
+              </a:rPr>
+              <a:t>: </a:t>
+            </a:r>
+            <a:r>
+              <a:rPr sz="1800">
+                <a:solidFill>
+                  <a:srgbClr val="4070A0"/>
+                </a:solidFill>
+                <a:latin typeface="Courier"/>
+              </a:rPr>
+              <a:t>'555-555-1234'</a:t>
+            </a:r>
+            <a:r>
+              <a:rPr sz="1800">
+                <a:latin typeface="Courier"/>
+              </a:rPr>
+              <a:t>,</a:t>
+            </a:r>
+            <a:br/>
+            <a:r>
+              <a:rPr sz="1800">
+                <a:latin typeface="Courier"/>
+              </a:rPr>
+              <a:t>    </a:t>
+            </a:r>
+            <a:r>
+              <a:rPr sz="1800">
+                <a:solidFill>
+                  <a:srgbClr val="4070A0"/>
+                </a:solidFill>
+                <a:latin typeface="Courier"/>
+              </a:rPr>
+              <a:t>'Sue Storm'</a:t>
+            </a:r>
+            <a:r>
+              <a:rPr sz="1800">
+                <a:latin typeface="Courier"/>
+              </a:rPr>
+              <a:t>: </a:t>
+            </a:r>
+            <a:r>
+              <a:rPr sz="1800">
+                <a:solidFill>
+                  <a:srgbClr val="4070A0"/>
+                </a:solidFill>
+                <a:latin typeface="Courier"/>
+              </a:rPr>
+              <a:t>'555-555-5678'</a:t>
+            </a:r>
+            <a:br/>
+            <a:r>
+              <a:rPr sz="1800">
+                <a:latin typeface="Courier"/>
+              </a:rPr>
+              <a:t>}</a:t>
+            </a:r>
+            <a:br/>
+            <a:r>
+              <a:rPr sz="1800" b="1">
+                <a:solidFill>
+                  <a:srgbClr val="007020"/>
+                </a:solidFill>
+                <a:latin typeface="Courier"/>
+              </a:rPr>
+              <a:t>for</a:t>
+            </a:r>
+            <a:r>
+              <a:rPr sz="1800">
+                <a:latin typeface="Courier"/>
+              </a:rPr>
+              <a:t> key, val </a:t>
+            </a:r>
+            <a:r>
+              <a:rPr sz="1800" b="1">
+                <a:solidFill>
+                  <a:srgbClr val="007020"/>
+                </a:solidFill>
+                <a:latin typeface="Courier"/>
+              </a:rPr>
+              <a:t>in</a:t>
+            </a:r>
+            <a:r>
+              <a:rPr sz="1800">
+                <a:latin typeface="Courier"/>
+              </a:rPr>
+              <a:t> phone_book.items():</a:t>
+            </a:r>
+            <a:br/>
+            <a:r>
+              <a:rPr sz="1800">
+                <a:latin typeface="Courier"/>
+              </a:rPr>
+              <a:t>    print(key, val)</a:t>
+            </a:r>
+          </a:p>
+          <a:p>
+            <a:pPr lvl="0" marL="0" indent="0">
+              <a:buNone/>
+            </a:pPr>
+            <a:r>
+              <a:rPr b="1"/>
+              <a:t>Bruce Banner 555-555-1234</a:t>
+            </a:r>
+            <a:br/>
+            <a:r>
+              <a:rPr b="1"/>
+              <a:t>Sue Storm 555-555-5678</a:t>
             </a:r>
           </a:p>
         </p:txBody>
@@ -5536,12 +5786,12 @@
       </p:grpSpPr>
       <p:sp>
         <p:nvSpPr>
-          <p:cNvPr id="2" name="Title 1"/>
-          <p:cNvSpPr>
-            <a:spLocks noGrp="1"/>
-          </p:cNvSpPr>
-          <p:nvPr>
-            <p:ph type="title"/>
+          <p:cNvPr id="3" name="Content Placeholder 2"/>
+          <p:cNvSpPr>
+            <a:spLocks noGrp="1"/>
+          </p:cNvSpPr>
+          <p:nvPr>
+            <p:ph idx="1"/>
           </p:nvPr>
         </p:nvSpPr>
         <p:spPr/>
@@ -5550,63 +5800,85 @@
           <a:lstStyle/>
           <a:p>
             <a:pPr lvl="0" marL="0" indent="0">
+              <a:spcBef>
+                <a:spcPts val="3000"/>
+              </a:spcBef>
               <a:buNone/>
             </a:pPr>
             <a:r>
-              <a:rPr/>
-              <a:t>Creating</a:t>
-            </a:r>
-            <a:r>
-              <a:rPr/>
+              <a:rPr b="1"/>
+              <a:t>Modifying dictionaries</a:t>
+            </a:r>
+          </a:p>
+          <a:p>
+            <a:pPr lvl="1"/>
+            <a:r>
+              <a:rPr/>
+              <a:t>The keys of a dictionary can be assigned to different values directly</a:t>
+            </a:r>
+          </a:p>
+          <a:p>
+            <a:pPr lvl="0" marL="1270000" indent="0">
+              <a:buNone/>
+            </a:pPr>
+            <a:r>
+              <a:rPr sz="1800">
+                <a:latin typeface="Courier"/>
+              </a:rPr>
+              <a:t>phone_book[</a:t>
+            </a:r>
+            <a:r>
+              <a:rPr sz="1800">
+                <a:solidFill>
+                  <a:srgbClr val="4070A0"/>
+                </a:solidFill>
+                <a:latin typeface="Courier"/>
+              </a:rPr>
+              <a:t>'Bruce Banner'</a:t>
+            </a:r>
+            <a:r>
+              <a:rPr sz="1800">
+                <a:latin typeface="Courier"/>
+              </a:rPr>
+              <a:t>] </a:t>
+            </a:r>
+            <a:r>
+              <a:rPr sz="1800">
+                <a:solidFill>
+                  <a:srgbClr val="666666"/>
+                </a:solidFill>
+                <a:latin typeface="Courier"/>
+              </a:rPr>
+              <a:t>=</a:t>
+            </a:r>
+            <a:r>
+              <a:rPr sz="1800">
+                <a:latin typeface="Courier"/>
+              </a:rPr>
               <a:t> </a:t>
             </a:r>
             <a:r>
-              <a:rPr/>
-              <a:t>tuples</a:t>
-            </a:r>
-          </a:p>
-        </p:txBody>
-      </p:sp>
-      <p:sp>
-        <p:nvSpPr>
-          <p:cNvPr id="3" name="Content Placeholder 2"/>
-          <p:cNvSpPr>
-            <a:spLocks noGrp="1"/>
-          </p:cNvSpPr>
-          <p:nvPr>
-            <p:ph idx="1"/>
-          </p:nvPr>
-        </p:nvSpPr>
-        <p:spPr/>
-        <p:txBody>
-          <a:bodyPr/>
-          <a:lstStyle/>
+              <a:rPr sz="1800">
+                <a:solidFill>
+                  <a:srgbClr val="4070A0"/>
+                </a:solidFill>
+                <a:latin typeface="Courier"/>
+              </a:rPr>
+              <a:t>"555-555-9876"</a:t>
+            </a:r>
+          </a:p>
           <a:p>
             <a:pPr lvl="1"/>
             <a:r>
               <a:rPr/>
-              <a:t>Tuples can be created with tuple()</a:t>
+              <a:t>If the key does not exist, a new key/value pair will be added</a:t>
             </a:r>
           </a:p>
           <a:p>
             <a:pPr lvl="1"/>
             <a:r>
               <a:rPr/>
-              <a:t>Tuples are also often created with parentheses</a:t>
-            </a:r>
-          </a:p>
-          <a:p>
-            <a:pPr lvl="2"/>
-            <a:r>
-              <a:rPr/>
-              <a:t>x = (‘foo’, ‘bar’)</a:t>
-            </a:r>
-          </a:p>
-          <a:p>
-            <a:pPr lvl="1"/>
-            <a:r>
-              <a:rPr/>
-              <a:t>But in fact, the comma is what allows python to recognize the tuple</a:t>
+              <a:t>Note that each key of a given dictionary must be unique</a:t>
             </a:r>
           </a:p>
         </p:txBody>
@@ -5635,12 +5907,12 @@
       </p:grpSpPr>
       <p:sp>
         <p:nvSpPr>
-          <p:cNvPr id="2" name="Title 1"/>
-          <p:cNvSpPr>
-            <a:spLocks noGrp="1"/>
-          </p:cNvSpPr>
-          <p:nvPr>
-            <p:ph type="title"/>
+          <p:cNvPr id="3" name="Content Placeholder 2"/>
+          <p:cNvSpPr>
+            <a:spLocks noGrp="1"/>
+          </p:cNvSpPr>
+          <p:nvPr>
+            <p:ph idx="1"/>
           </p:nvPr>
         </p:nvSpPr>
         <p:spPr/>
@@ -5649,56 +5921,31 @@
           <a:lstStyle/>
           <a:p>
             <a:pPr lvl="0" marL="0" indent="0">
+              <a:spcBef>
+                <a:spcPts val="3000"/>
+              </a:spcBef>
               <a:buNone/>
             </a:pPr>
             <a:r>
-              <a:rPr/>
-              <a:t>Accessing</a:t>
-            </a:r>
-            <a:r>
-              <a:rPr/>
-              <a:t> </a:t>
-            </a:r>
-            <a:r>
-              <a:rPr/>
-              <a:t>tuples</a:t>
-            </a:r>
-          </a:p>
-        </p:txBody>
-      </p:sp>
-      <p:sp>
-        <p:nvSpPr>
-          <p:cNvPr id="3" name="Content Placeholder 2"/>
-          <p:cNvSpPr>
-            <a:spLocks noGrp="1"/>
-          </p:cNvSpPr>
-          <p:nvPr>
-            <p:ph idx="1"/>
-          </p:nvPr>
-        </p:nvSpPr>
-        <p:spPr/>
-        <p:txBody>
-          <a:bodyPr/>
-          <a:lstStyle/>
-          <a:p>
-            <a:pPr lvl="1"/>
-            <a:r>
-              <a:rPr/>
-              <a:t>Similar to lists, the items in a tuple are accessed by index position</a:t>
-            </a:r>
-          </a:p>
-          <a:p>
-            <a:pPr lvl="1"/>
-            <a:r>
-              <a:rPr/>
-              <a:t>A common pattern is to assign the elements of tuples in a single line</a:t>
-            </a:r>
-          </a:p>
-          <a:p>
-            <a:pPr lvl="1"/>
-            <a:r>
-              <a:rPr/>
-              <a:t>For example, the .values() method of dictionaries returns key/value pairs as a tuple:</a:t>
+              <a:rPr b="1"/>
+              <a:t>Deleting from a dictionary</a:t>
+            </a:r>
+          </a:p>
+          <a:p>
+            <a:pPr lvl="0" marL="0" indent="0">
+              <a:buNone/>
+            </a:pPr>
+            <a:r>
+              <a:rPr/>
+              <a:t>You can remove a key/value pair from a dictionary by using the </a:t>
+            </a:r>
+            <a:r>
+              <a:rPr b="1"/>
+              <a:t>pop</a:t>
+            </a:r>
+            <a:r>
+              <a:rPr/>
+              <a:t> method:</a:t>
             </a:r>
           </a:p>
           <a:p>
@@ -5706,41 +5953,122 @@
               <a:buNone/>
             </a:pPr>
             <a:r>
-              <a:rPr sz="1800" b="1">
-                <a:solidFill>
-                  <a:srgbClr val="007020"/>
-                </a:solidFill>
-                <a:latin typeface="Courier"/>
-              </a:rPr>
-              <a:t>for</a:t>
-            </a:r>
-            <a:r>
-              <a:rPr sz="1800">
-                <a:latin typeface="Courier"/>
-              </a:rPr>
-              <a:t> name, number </a:t>
-            </a:r>
-            <a:r>
-              <a:rPr sz="1800" b="1">
-                <a:solidFill>
-                  <a:srgbClr val="007020"/>
-                </a:solidFill>
-                <a:latin typeface="Courier"/>
-              </a:rPr>
-              <a:t>in</a:t>
-            </a:r>
-            <a:r>
-              <a:rPr sz="1800">
-                <a:latin typeface="Courier"/>
-              </a:rPr>
-              <a:t> phone_book.items():</a:t>
+              <a:rPr sz="1800">
+                <a:latin typeface="Courier"/>
+              </a:rPr>
+              <a:t>phone_book </a:t>
+            </a:r>
+            <a:r>
+              <a:rPr sz="1800">
+                <a:solidFill>
+                  <a:srgbClr val="666666"/>
+                </a:solidFill>
+                <a:latin typeface="Courier"/>
+              </a:rPr>
+              <a:t>=</a:t>
+            </a:r>
+            <a:r>
+              <a:rPr sz="1800">
+                <a:latin typeface="Courier"/>
+              </a:rPr>
+              <a:t> {</a:t>
             </a:r>
             <a:br/>
             <a:r>
               <a:rPr sz="1800">
                 <a:latin typeface="Courier"/>
               </a:rPr>
-              <a:t>    print(name, number)</a:t>
+              <a:t>    </a:t>
+            </a:r>
+            <a:r>
+              <a:rPr sz="1800">
+                <a:solidFill>
+                  <a:srgbClr val="4070A0"/>
+                </a:solidFill>
+                <a:latin typeface="Courier"/>
+              </a:rPr>
+              <a:t>'Bruce Banner'</a:t>
+            </a:r>
+            <a:r>
+              <a:rPr sz="1800">
+                <a:latin typeface="Courier"/>
+              </a:rPr>
+              <a:t>: </a:t>
+            </a:r>
+            <a:r>
+              <a:rPr sz="1800">
+                <a:solidFill>
+                  <a:srgbClr val="4070A0"/>
+                </a:solidFill>
+                <a:latin typeface="Courier"/>
+              </a:rPr>
+              <a:t>'555-555-1234'</a:t>
+            </a:r>
+            <a:r>
+              <a:rPr sz="1800">
+                <a:latin typeface="Courier"/>
+              </a:rPr>
+              <a:t>,</a:t>
+            </a:r>
+            <a:br/>
+            <a:r>
+              <a:rPr sz="1800">
+                <a:latin typeface="Courier"/>
+              </a:rPr>
+              <a:t>    </a:t>
+            </a:r>
+            <a:r>
+              <a:rPr sz="1800">
+                <a:solidFill>
+                  <a:srgbClr val="4070A0"/>
+                </a:solidFill>
+                <a:latin typeface="Courier"/>
+              </a:rPr>
+              <a:t>'Sue Storm'</a:t>
+            </a:r>
+            <a:r>
+              <a:rPr sz="1800">
+                <a:latin typeface="Courier"/>
+              </a:rPr>
+              <a:t>: </a:t>
+            </a:r>
+            <a:r>
+              <a:rPr sz="1800">
+                <a:solidFill>
+                  <a:srgbClr val="4070A0"/>
+                </a:solidFill>
+                <a:latin typeface="Courier"/>
+              </a:rPr>
+              <a:t>'555-555-5678'</a:t>
+            </a:r>
+            <a:br/>
+            <a:r>
+              <a:rPr sz="1800">
+                <a:latin typeface="Courier"/>
+              </a:rPr>
+              <a:t>}</a:t>
+            </a:r>
+            <a:br/>
+            <a:r>
+              <a:rPr sz="1800">
+                <a:latin typeface="Courier"/>
+              </a:rPr>
+              <a:t>phone_book.pop(</a:t>
+            </a:r>
+            <a:r>
+              <a:rPr sz="1800">
+                <a:solidFill>
+                  <a:srgbClr val="4070A0"/>
+                </a:solidFill>
+                <a:latin typeface="Courier"/>
+              </a:rPr>
+              <a:t>'Bruce Banner'</a:t>
+            </a:r>
+            <a:r>
+              <a:rPr sz="1800">
+                <a:latin typeface="Courier"/>
+              </a:rPr>
+              <a:t>)</a:t>
             </a:r>
           </a:p>
         </p:txBody>
@@ -5769,12 +6097,12 @@
       </p:grpSpPr>
       <p:sp>
         <p:nvSpPr>
-          <p:cNvPr id="2" name="Title 1"/>
-          <p:cNvSpPr>
-            <a:spLocks noGrp="1"/>
-          </p:cNvSpPr>
-          <p:nvPr>
-            <p:ph type="title"/>
+          <p:cNvPr id="3" name="Content Placeholder 2"/>
+          <p:cNvSpPr>
+            <a:spLocks noGrp="1"/>
+          </p:cNvSpPr>
+          <p:nvPr>
+            <p:ph idx="1"/>
           </p:nvPr>
         </p:nvSpPr>
         <p:spPr/>
@@ -5783,37 +6111,16 @@
           <a:lstStyle/>
           <a:p>
             <a:pPr lvl="0" marL="0" indent="0">
+              <a:spcBef>
+                <a:spcPts val="3000"/>
+              </a:spcBef>
               <a:buNone/>
             </a:pPr>
             <a:r>
-              <a:rPr/>
-              <a:t>Strings</a:t>
-            </a:r>
-            <a:r>
-              <a:rPr/>
-              <a:t> </a:t>
-            </a:r>
-            <a:r>
-              <a:rPr/>
-              <a:t>again?</a:t>
-            </a:r>
-          </a:p>
-        </p:txBody>
-      </p:sp>
-      <p:sp>
-        <p:nvSpPr>
-          <p:cNvPr id="3" name="Content Placeholder 2"/>
-          <p:cNvSpPr>
-            <a:spLocks noGrp="1"/>
-          </p:cNvSpPr>
-          <p:nvPr>
-            <p:ph idx="1"/>
-          </p:nvPr>
-        </p:nvSpPr>
-        <p:spPr/>
-        <p:txBody>
-          <a:bodyPr/>
-          <a:lstStyle/>
+              <a:rPr b="1"/>
+              <a:t>Strings again?</a:t>
+            </a:r>
+          </a:p>
           <a:p>
             <a:pPr lvl="1"/>
             <a:r>
@@ -5854,12 +6161,12 @@
       </p:grpSpPr>
       <p:sp>
         <p:nvSpPr>
-          <p:cNvPr id="2" name="Title 1"/>
-          <p:cNvSpPr>
-            <a:spLocks noGrp="1"/>
-          </p:cNvSpPr>
-          <p:nvPr>
-            <p:ph type="title"/>
+          <p:cNvPr id="3" name="Content Placeholder 2"/>
+          <p:cNvSpPr>
+            <a:spLocks noGrp="1"/>
+          </p:cNvSpPr>
+          <p:nvPr>
+            <p:ph idx="1"/>
           </p:nvPr>
         </p:nvSpPr>
         <p:spPr/>
@@ -5867,58 +6174,373 @@
           <a:bodyPr/>
           <a:lstStyle/>
           <a:p>
+            <a:pPr lvl="0" marL="1270000" indent="0">
+              <a:buNone/>
+            </a:pPr>
+            <a:r>
+              <a:rPr sz="1800">
+                <a:latin typeface="Courier"/>
+              </a:rPr>
+              <a:t>energy </a:t>
+            </a:r>
+            <a:r>
+              <a:rPr sz="1800">
+                <a:solidFill>
+                  <a:srgbClr val="666666"/>
+                </a:solidFill>
+                <a:latin typeface="Courier"/>
+              </a:rPr>
+              <a:t>=</a:t>
+            </a:r>
+            <a:r>
+              <a:rPr sz="1800">
+                <a:latin typeface="Courier"/>
+              </a:rPr>
+              <a:t> {</a:t>
+            </a:r>
+            <a:br/>
+            <a:r>
+              <a:rPr sz="1800">
+                <a:latin typeface="Courier"/>
+              </a:rPr>
+              <a:t>  </a:t>
+            </a:r>
+            <a:r>
+              <a:rPr sz="1800">
+                <a:solidFill>
+                  <a:srgbClr val="4070A0"/>
+                </a:solidFill>
+                <a:latin typeface="Courier"/>
+              </a:rPr>
+              <a:t>"Colorado"</a:t>
+            </a:r>
+            <a:r>
+              <a:rPr sz="1800">
+                <a:latin typeface="Courier"/>
+              </a:rPr>
+              <a:t>: {</a:t>
+            </a:r>
+            <a:br/>
+            <a:r>
+              <a:rPr sz="1800">
+                <a:latin typeface="Courier"/>
+              </a:rPr>
+              <a:t>    </a:t>
+            </a:r>
+            <a:r>
+              <a:rPr sz="1800">
+                <a:solidFill>
+                  <a:srgbClr val="4070A0"/>
+                </a:solidFill>
+                <a:latin typeface="Courier"/>
+              </a:rPr>
+              <a:t>"solar"</a:t>
+            </a:r>
+            <a:r>
+              <a:rPr sz="1800">
+                <a:latin typeface="Courier"/>
+              </a:rPr>
+              <a:t>: </a:t>
+            </a:r>
+            <a:r>
+              <a:rPr sz="1800">
+                <a:solidFill>
+                  <a:srgbClr val="40A070"/>
+                </a:solidFill>
+                <a:latin typeface="Courier"/>
+              </a:rPr>
+              <a:t>16530.477</a:t>
+            </a:r>
+            <a:r>
+              <a:rPr sz="1800">
+                <a:latin typeface="Courier"/>
+              </a:rPr>
+              <a:t>,</a:t>
+            </a:r>
+            <a:br/>
+            <a:r>
+              <a:rPr sz="1800">
+                <a:latin typeface="Courier"/>
+              </a:rPr>
+              <a:t>    </a:t>
+            </a:r>
+            <a:r>
+              <a:rPr sz="1800">
+                <a:solidFill>
+                  <a:srgbClr val="4070A0"/>
+                </a:solidFill>
+                <a:latin typeface="Courier"/>
+              </a:rPr>
+              <a:t>"wind"</a:t>
+            </a:r>
+            <a:r>
+              <a:rPr sz="1800">
+                <a:latin typeface="Courier"/>
+              </a:rPr>
+              <a:t>: </a:t>
+            </a:r>
+            <a:r>
+              <a:rPr sz="1800">
+                <a:solidFill>
+                  <a:srgbClr val="40A070"/>
+                </a:solidFill>
+                <a:latin typeface="Courier"/>
+              </a:rPr>
+              <a:t>2942132.635</a:t>
+            </a:r>
+            <a:br/>
+            <a:r>
+              <a:rPr sz="1800">
+                <a:latin typeface="Courier"/>
+              </a:rPr>
+              <a:t>  },</a:t>
+            </a:r>
+            <a:br/>
+            <a:r>
+              <a:rPr sz="1800">
+                <a:latin typeface="Courier"/>
+              </a:rPr>
+              <a:t>  </a:t>
+            </a:r>
+            <a:r>
+              <a:rPr sz="1800">
+                <a:solidFill>
+                  <a:srgbClr val="4070A0"/>
+                </a:solidFill>
+                <a:latin typeface="Courier"/>
+              </a:rPr>
+              <a:t>"New Jersey"</a:t>
+            </a:r>
+            <a:r>
+              <a:rPr sz="1800">
+                <a:latin typeface="Courier"/>
+              </a:rPr>
+              <a:t>: {</a:t>
+            </a:r>
+            <a:br/>
+            <a:r>
+              <a:rPr sz="1800">
+                <a:latin typeface="Courier"/>
+              </a:rPr>
+              <a:t>    </a:t>
+            </a:r>
+            <a:r>
+              <a:rPr sz="1800">
+                <a:solidFill>
+                  <a:srgbClr val="4070A0"/>
+                </a:solidFill>
+                <a:latin typeface="Courier"/>
+              </a:rPr>
+              <a:t>"solar"</a:t>
+            </a:r>
+            <a:r>
+              <a:rPr sz="1800">
+                <a:latin typeface="Courier"/>
+              </a:rPr>
+              <a:t>: </a:t>
+            </a:r>
+            <a:r>
+              <a:rPr sz="1800">
+                <a:solidFill>
+                  <a:srgbClr val="40A070"/>
+                </a:solidFill>
+                <a:latin typeface="Courier"/>
+              </a:rPr>
+              <a:t>2437.768</a:t>
+            </a:r>
+            <a:r>
+              <a:rPr sz="1800">
+                <a:latin typeface="Courier"/>
+              </a:rPr>
+              <a:t>,</a:t>
+            </a:r>
+            <a:br/>
+            <a:r>
+              <a:rPr sz="1800">
+                <a:latin typeface="Courier"/>
+              </a:rPr>
+              <a:t>    </a:t>
+            </a:r>
+            <a:r>
+              <a:rPr sz="1800">
+                <a:solidFill>
+                  <a:srgbClr val="4070A0"/>
+                </a:solidFill>
+                <a:latin typeface="Courier"/>
+              </a:rPr>
+              <a:t>"wind"</a:t>
+            </a:r>
+            <a:r>
+              <a:rPr sz="1800">
+                <a:latin typeface="Courier"/>
+              </a:rPr>
+              <a:t>: </a:t>
+            </a:r>
+            <a:r>
+              <a:rPr sz="1800">
+                <a:solidFill>
+                  <a:srgbClr val="40A070"/>
+                </a:solidFill>
+                <a:latin typeface="Courier"/>
+              </a:rPr>
+              <a:t>19149.957</a:t>
+            </a:r>
+            <a:br/>
+            <a:r>
+              <a:rPr sz="1800">
+                <a:latin typeface="Courier"/>
+              </a:rPr>
+              <a:t>  },</a:t>
+            </a:r>
+            <a:br/>
+            <a:r>
+              <a:rPr sz="1800">
+                <a:latin typeface="Courier"/>
+              </a:rPr>
+              <a:t>  </a:t>
+            </a:r>
+            <a:r>
+              <a:rPr sz="1800">
+                <a:solidFill>
+                  <a:srgbClr val="4070A0"/>
+                </a:solidFill>
+                <a:latin typeface="Courier"/>
+              </a:rPr>
+              <a:t>"Washington"</a:t>
+            </a:r>
+            <a:r>
+              <a:rPr sz="1800">
+                <a:latin typeface="Courier"/>
+              </a:rPr>
+              <a:t>: {</a:t>
+            </a:r>
+            <a:br/>
+            <a:r>
+              <a:rPr sz="1800">
+                <a:latin typeface="Courier"/>
+              </a:rPr>
+              <a:t>    </a:t>
+            </a:r>
+            <a:r>
+              <a:rPr sz="1800">
+                <a:solidFill>
+                  <a:srgbClr val="4070A0"/>
+                </a:solidFill>
+                <a:latin typeface="Courier"/>
+              </a:rPr>
+              <a:t>"solar"</a:t>
+            </a:r>
+            <a:r>
+              <a:rPr sz="1800">
+                <a:latin typeface="Courier"/>
+              </a:rPr>
+              <a:t>: </a:t>
+            </a:r>
+            <a:r>
+              <a:rPr sz="1800">
+                <a:solidFill>
+                  <a:srgbClr val="40A070"/>
+                </a:solidFill>
+                <a:latin typeface="Courier"/>
+              </a:rPr>
+              <a:t>0.0</a:t>
+            </a:r>
+            <a:r>
+              <a:rPr sz="1800">
+                <a:latin typeface="Courier"/>
+              </a:rPr>
+              <a:t>,</a:t>
+            </a:r>
+            <a:br/>
+            <a:r>
+              <a:rPr sz="1800">
+                <a:latin typeface="Courier"/>
+              </a:rPr>
+              <a:t>    </a:t>
+            </a:r>
+            <a:r>
+              <a:rPr sz="1800">
+                <a:solidFill>
+                  <a:srgbClr val="4070A0"/>
+                </a:solidFill>
+                <a:latin typeface="Courier"/>
+              </a:rPr>
+              <a:t>"wind"</a:t>
+            </a:r>
+            <a:r>
+              <a:rPr sz="1800">
+                <a:latin typeface="Courier"/>
+              </a:rPr>
+              <a:t>: </a:t>
+            </a:r>
+            <a:r>
+              <a:rPr sz="1800">
+                <a:solidFill>
+                  <a:srgbClr val="40A070"/>
+                </a:solidFill>
+                <a:latin typeface="Courier"/>
+              </a:rPr>
+              <a:t>3538935.954</a:t>
+            </a:r>
+            <a:br/>
+            <a:r>
+              <a:rPr sz="1800">
+                <a:latin typeface="Courier"/>
+              </a:rPr>
+              <a:t>  }</a:t>
+            </a:r>
+            <a:br/>
+            <a:r>
+              <a:rPr sz="1800">
+                <a:latin typeface="Courier"/>
+              </a:rPr>
+              <a:t>}</a:t>
+            </a:r>
+            <a:br/>
+            <a:r>
+              <a:rPr sz="1800">
+                <a:latin typeface="Courier"/>
+              </a:rPr>
+              <a:t>print(energy[</a:t>
+            </a:r>
+            <a:r>
+              <a:rPr sz="1800">
+                <a:solidFill>
+                  <a:srgbClr val="4070A0"/>
+                </a:solidFill>
+                <a:latin typeface="Courier"/>
+              </a:rPr>
+              <a:t>'Washington'</a:t>
+            </a:r>
+            <a:r>
+              <a:rPr sz="1800">
+                <a:latin typeface="Courier"/>
+              </a:rPr>
+              <a:t>][</a:t>
+            </a:r>
+            <a:r>
+              <a:rPr sz="1800">
+                <a:solidFill>
+                  <a:srgbClr val="4070A0"/>
+                </a:solidFill>
+                <a:latin typeface="Courier"/>
+              </a:rPr>
+              <a:t>'wind'</a:t>
+            </a:r>
+            <a:r>
+              <a:rPr sz="1800">
+                <a:latin typeface="Courier"/>
+              </a:rPr>
+              <a:t>])</a:t>
+            </a:r>
+          </a:p>
+          <a:p>
             <a:pPr lvl="0" marL="0" indent="0">
               <a:buNone/>
             </a:pPr>
             <a:r>
-              <a:rPr/>
-              <a:t>“</a:t>
-            </a:r>
-            <a:r>
-              <a:rPr/>
-              <a:t>Modifying</a:t>
-            </a:r>
-            <a:r>
-              <a:rPr/>
-              <a:t>”</a:t>
-            </a:r>
-            <a:r>
-              <a:rPr/>
-              <a:t> </a:t>
-            </a:r>
-            <a:r>
-              <a:rPr/>
-              <a:t>tuples</a:t>
-            </a:r>
-          </a:p>
-        </p:txBody>
-      </p:sp>
-      <p:sp>
-        <p:nvSpPr>
-          <p:cNvPr id="3" name="Content Placeholder 2"/>
-          <p:cNvSpPr>
-            <a:spLocks noGrp="1"/>
-          </p:cNvSpPr>
-          <p:nvPr>
-            <p:ph idx="1"/>
-          </p:nvPr>
-        </p:nvSpPr>
-        <p:spPr/>
-        <p:txBody>
-          <a:bodyPr/>
-          <a:lstStyle/>
-          <a:p>
-            <a:pPr lvl="1"/>
-            <a:r>
-              <a:rPr/>
-              <a:t>Like strings, tuples are immutable</a:t>
-            </a:r>
-          </a:p>
-          <a:p>
-            <a:pPr lvl="1"/>
-            <a:r>
-              <a:rPr/>
-              <a:t>If you try to reassign a value inside a tuple, Python will raise a type error</a:t>
+              <a:rPr b="1"/>
+              <a:t>3538935.954</a:t>
             </a:r>
           </a:p>
         </p:txBody>
@@ -5955,12 +6577,380 @@
             <p:ph type="title"/>
           </p:nvPr>
         </p:nvSpPr>
-        <p:spPr>
-          <a:xfrm>
-            <a:off x="722313" y="4406900"/>
-            <a:ext cx="7772400" cy="1362075"/>
-          </a:xfrm>
-        </p:spPr>
+        <p:spPr/>
+        <p:txBody>
+          <a:bodyPr/>
+          <a:lstStyle/>
+          <a:p>
+            <a:pPr lvl="0" marL="0" indent="0">
+              <a:buNone/>
+            </a:pPr>
+            <a:r>
+              <a:rPr/>
+              <a:t>Tuples</a:t>
+            </a:r>
+          </a:p>
+        </p:txBody>
+      </p:sp>
+    </p:spTree>
+  </p:cSld>
+</p:sld>
+</file>
+
+<file path=ppt/slides/slide32.xml><?xml version="1.0" encoding="utf-8"?>
+<p:sld xmlns:a="http://schemas.openxmlformats.org/drawingml/2006/main" xmlns:r="http://schemas.openxmlformats.org/officeDocument/2006/relationships" xmlns:p="http://schemas.openxmlformats.org/presentationml/2006/main">
+  <p:cSld>
+    <p:spTree>
+      <p:nvGrpSpPr>
+        <p:cNvPr id="1" name=""/>
+        <p:cNvGrpSpPr/>
+        <p:nvPr/>
+      </p:nvGrpSpPr>
+      <p:grpSpPr>
+        <a:xfrm>
+          <a:off x="0" y="0"/>
+          <a:ext cx="0" cy="0"/>
+          <a:chOff x="0" y="0"/>
+          <a:chExt cx="0" cy="0"/>
+        </a:xfrm>
+      </p:grpSpPr>
+      <p:sp>
+        <p:nvSpPr>
+          <p:cNvPr id="3" name="Content Placeholder 2"/>
+          <p:cNvSpPr>
+            <a:spLocks noGrp="1"/>
+          </p:cNvSpPr>
+          <p:nvPr>
+            <p:ph idx="1"/>
+          </p:nvPr>
+        </p:nvSpPr>
+        <p:spPr/>
+        <p:txBody>
+          <a:bodyPr/>
+          <a:lstStyle/>
+          <a:p>
+            <a:pPr lvl="0" marL="0" indent="0">
+              <a:spcBef>
+                <a:spcPts val="3000"/>
+              </a:spcBef>
+              <a:buNone/>
+            </a:pPr>
+            <a:r>
+              <a:rPr b="1"/>
+              <a:t>What are tuples?</a:t>
+            </a:r>
+          </a:p>
+          <a:p>
+            <a:pPr lvl="1"/>
+            <a:r>
+              <a:rPr/>
+              <a:t>Tuples are ordered, immutable sequences of other objects</a:t>
+            </a:r>
+          </a:p>
+          <a:p>
+            <a:pPr lvl="1"/>
+            <a:r>
+              <a:rPr/>
+              <a:t>You will hear tuple pronounced both “too-pull” and “tuh-pull”</a:t>
+            </a:r>
+          </a:p>
+          <a:p>
+            <a:pPr lvl="1"/>
+            <a:r>
+              <a:rPr/>
+              <a:t>Contrary to how the name sounds, tuples can have any number of elements (not just two!)</a:t>
+            </a:r>
+          </a:p>
+        </p:txBody>
+      </p:sp>
+    </p:spTree>
+  </p:cSld>
+</p:sld>
+</file>
+
+<file path=ppt/slides/slide33.xml><?xml version="1.0" encoding="utf-8"?>
+<p:sld xmlns:a="http://schemas.openxmlformats.org/drawingml/2006/main" xmlns:r="http://schemas.openxmlformats.org/officeDocument/2006/relationships" xmlns:p="http://schemas.openxmlformats.org/presentationml/2006/main">
+  <p:cSld>
+    <p:spTree>
+      <p:nvGrpSpPr>
+        <p:cNvPr id="1" name=""/>
+        <p:cNvGrpSpPr/>
+        <p:nvPr/>
+      </p:nvGrpSpPr>
+      <p:grpSpPr>
+        <a:xfrm>
+          <a:off x="0" y="0"/>
+          <a:ext cx="0" cy="0"/>
+          <a:chOff x="0" y="0"/>
+          <a:chExt cx="0" cy="0"/>
+        </a:xfrm>
+      </p:grpSpPr>
+      <p:sp>
+        <p:nvSpPr>
+          <p:cNvPr id="3" name="Content Placeholder 2"/>
+          <p:cNvSpPr>
+            <a:spLocks noGrp="1"/>
+          </p:cNvSpPr>
+          <p:nvPr>
+            <p:ph idx="1"/>
+          </p:nvPr>
+        </p:nvSpPr>
+        <p:spPr/>
+        <p:txBody>
+          <a:bodyPr/>
+          <a:lstStyle/>
+          <a:p>
+            <a:pPr lvl="0" marL="0" indent="0">
+              <a:spcBef>
+                <a:spcPts val="3000"/>
+              </a:spcBef>
+              <a:buNone/>
+            </a:pPr>
+            <a:r>
+              <a:rPr b="1"/>
+              <a:t>Creating tuples</a:t>
+            </a:r>
+          </a:p>
+          <a:p>
+            <a:pPr lvl="1"/>
+            <a:r>
+              <a:rPr/>
+              <a:t>Tuples can be created with tuple()</a:t>
+            </a:r>
+          </a:p>
+          <a:p>
+            <a:pPr lvl="1"/>
+            <a:r>
+              <a:rPr/>
+              <a:t>Tuples are also often created with parentheses</a:t>
+            </a:r>
+          </a:p>
+          <a:p>
+            <a:pPr lvl="2"/>
+            <a:r>
+              <a:rPr/>
+              <a:t>x = (‘foo’, ‘bar’)</a:t>
+            </a:r>
+          </a:p>
+          <a:p>
+            <a:pPr lvl="1"/>
+            <a:r>
+              <a:rPr/>
+              <a:t>But in fact, the comma is what allows python to recognize the tuple</a:t>
+            </a:r>
+          </a:p>
+        </p:txBody>
+      </p:sp>
+    </p:spTree>
+  </p:cSld>
+</p:sld>
+</file>
+
+<file path=ppt/slides/slide34.xml><?xml version="1.0" encoding="utf-8"?>
+<p:sld xmlns:a="http://schemas.openxmlformats.org/drawingml/2006/main" xmlns:r="http://schemas.openxmlformats.org/officeDocument/2006/relationships" xmlns:p="http://schemas.openxmlformats.org/presentationml/2006/main">
+  <p:cSld>
+    <p:spTree>
+      <p:nvGrpSpPr>
+        <p:cNvPr id="1" name=""/>
+        <p:cNvGrpSpPr/>
+        <p:nvPr/>
+      </p:nvGrpSpPr>
+      <p:grpSpPr>
+        <a:xfrm>
+          <a:off x="0" y="0"/>
+          <a:ext cx="0" cy="0"/>
+          <a:chOff x="0" y="0"/>
+          <a:chExt cx="0" cy="0"/>
+        </a:xfrm>
+      </p:grpSpPr>
+      <p:sp>
+        <p:nvSpPr>
+          <p:cNvPr id="3" name="Content Placeholder 2"/>
+          <p:cNvSpPr>
+            <a:spLocks noGrp="1"/>
+          </p:cNvSpPr>
+          <p:nvPr>
+            <p:ph idx="1"/>
+          </p:nvPr>
+        </p:nvSpPr>
+        <p:spPr/>
+        <p:txBody>
+          <a:bodyPr/>
+          <a:lstStyle/>
+          <a:p>
+            <a:pPr lvl="0" marL="0" indent="0">
+              <a:spcBef>
+                <a:spcPts val="3000"/>
+              </a:spcBef>
+              <a:buNone/>
+            </a:pPr>
+            <a:r>
+              <a:rPr b="1"/>
+              <a:t>Accessing tuples</a:t>
+            </a:r>
+          </a:p>
+          <a:p>
+            <a:pPr lvl="1"/>
+            <a:r>
+              <a:rPr/>
+              <a:t>Similar to lists, the items in a tuple are accessed by index position</a:t>
+            </a:r>
+          </a:p>
+          <a:p>
+            <a:pPr lvl="1"/>
+            <a:r>
+              <a:rPr/>
+              <a:t>A common pattern is to assign the elements of tuples in a single line</a:t>
+            </a:r>
+          </a:p>
+          <a:p>
+            <a:pPr lvl="1"/>
+            <a:r>
+              <a:rPr/>
+              <a:t>For example, the .items() method of dictionaries returns key/value pairs as a tuple:</a:t>
+            </a:r>
+          </a:p>
+          <a:p>
+            <a:pPr lvl="0" marL="1270000" indent="0">
+              <a:buNone/>
+            </a:pPr>
+            <a:r>
+              <a:rPr sz="1800" b="1">
+                <a:solidFill>
+                  <a:srgbClr val="007020"/>
+                </a:solidFill>
+                <a:latin typeface="Courier"/>
+              </a:rPr>
+              <a:t>for</a:t>
+            </a:r>
+            <a:r>
+              <a:rPr sz="1800">
+                <a:latin typeface="Courier"/>
+              </a:rPr>
+              <a:t> name, number </a:t>
+            </a:r>
+            <a:r>
+              <a:rPr sz="1800" b="1">
+                <a:solidFill>
+                  <a:srgbClr val="007020"/>
+                </a:solidFill>
+                <a:latin typeface="Courier"/>
+              </a:rPr>
+              <a:t>in</a:t>
+            </a:r>
+            <a:r>
+              <a:rPr sz="1800">
+                <a:latin typeface="Courier"/>
+              </a:rPr>
+              <a:t> phone_book.items():</a:t>
+            </a:r>
+            <a:br/>
+            <a:r>
+              <a:rPr sz="1800">
+                <a:latin typeface="Courier"/>
+              </a:rPr>
+              <a:t>    print(name, number)</a:t>
+            </a:r>
+          </a:p>
+        </p:txBody>
+      </p:sp>
+    </p:spTree>
+  </p:cSld>
+</p:sld>
+</file>
+
+<file path=ppt/slides/slide35.xml><?xml version="1.0" encoding="utf-8"?>
+<p:sld xmlns:a="http://schemas.openxmlformats.org/drawingml/2006/main" xmlns:r="http://schemas.openxmlformats.org/officeDocument/2006/relationships" xmlns:p="http://schemas.openxmlformats.org/presentationml/2006/main">
+  <p:cSld>
+    <p:spTree>
+      <p:nvGrpSpPr>
+        <p:cNvPr id="1" name=""/>
+        <p:cNvGrpSpPr/>
+        <p:nvPr/>
+      </p:nvGrpSpPr>
+      <p:grpSpPr>
+        <a:xfrm>
+          <a:off x="0" y="0"/>
+          <a:ext cx="0" cy="0"/>
+          <a:chOff x="0" y="0"/>
+          <a:chExt cx="0" cy="0"/>
+        </a:xfrm>
+      </p:grpSpPr>
+      <p:sp>
+        <p:nvSpPr>
+          <p:cNvPr id="3" name="Content Placeholder 2"/>
+          <p:cNvSpPr>
+            <a:spLocks noGrp="1"/>
+          </p:cNvSpPr>
+          <p:nvPr>
+            <p:ph idx="1"/>
+          </p:nvPr>
+        </p:nvSpPr>
+        <p:spPr/>
+        <p:txBody>
+          <a:bodyPr/>
+          <a:lstStyle/>
+          <a:p>
+            <a:pPr lvl="0" marL="0" indent="0">
+              <a:spcBef>
+                <a:spcPts val="3000"/>
+              </a:spcBef>
+              <a:buNone/>
+            </a:pPr>
+            <a:r>
+              <a:rPr b="1"/>
+              <a:t>“Modifying” tuples</a:t>
+            </a:r>
+          </a:p>
+          <a:p>
+            <a:pPr lvl="1"/>
+            <a:r>
+              <a:rPr/>
+              <a:t>Like strings, tuples are immutable</a:t>
+            </a:r>
+          </a:p>
+          <a:p>
+            <a:pPr lvl="1"/>
+            <a:r>
+              <a:rPr/>
+              <a:t>If you try to reassign a value inside a tuple, Python will raise a type error</a:t>
+            </a:r>
+          </a:p>
+        </p:txBody>
+      </p:sp>
+    </p:spTree>
+  </p:cSld>
+</p:sld>
+</file>
+
+<file path=ppt/slides/slide36.xml><?xml version="1.0" encoding="utf-8"?>
+<p:sld xmlns:a="http://schemas.openxmlformats.org/drawingml/2006/main" xmlns:r="http://schemas.openxmlformats.org/officeDocument/2006/relationships" xmlns:p="http://schemas.openxmlformats.org/presentationml/2006/main">
+  <p:cSld>
+    <p:spTree>
+      <p:nvGrpSpPr>
+        <p:cNvPr id="1" name=""/>
+        <p:cNvGrpSpPr/>
+        <p:nvPr/>
+      </p:nvGrpSpPr>
+      <p:grpSpPr>
+        <a:xfrm>
+          <a:off x="0" y="0"/>
+          <a:ext cx="0" cy="0"/>
+          <a:chOff x="0" y="0"/>
+          <a:chExt cx="0" cy="0"/>
+        </a:xfrm>
+      </p:grpSpPr>
+      <p:sp>
+        <p:nvSpPr>
+          <p:cNvPr id="2" name="Title 1"/>
+          <p:cNvSpPr>
+            <a:spLocks noGrp="1"/>
+          </p:cNvSpPr>
+          <p:nvPr>
+            <p:ph type="title"/>
+          </p:nvPr>
+        </p:nvSpPr>
+        <p:spPr/>
         <p:txBody>
           <a:bodyPr/>
           <a:lstStyle/>
@@ -5999,12 +6989,12 @@
       </p:grpSpPr>
       <p:sp>
         <p:nvSpPr>
-          <p:cNvPr id="2" name="Title 1"/>
-          <p:cNvSpPr>
-            <a:spLocks noGrp="1"/>
-          </p:cNvSpPr>
-          <p:nvPr>
-            <p:ph type="title"/>
+          <p:cNvPr id="3" name="Content Placeholder 2"/>
+          <p:cNvSpPr>
+            <a:spLocks noGrp="1"/>
+          </p:cNvSpPr>
+          <p:nvPr>
+            <p:ph idx="1"/>
           </p:nvPr>
         </p:nvSpPr>
         <p:spPr/>
@@ -6013,53 +7003,16 @@
           <a:lstStyle/>
           <a:p>
             <a:pPr lvl="0" marL="0" indent="0">
+              <a:spcBef>
+                <a:spcPts val="3000"/>
+              </a:spcBef>
               <a:buNone/>
             </a:pPr>
             <a:r>
-              <a:rPr/>
-              <a:t>Everything</a:t>
-            </a:r>
-            <a:r>
-              <a:rPr/>
-              <a:t> </a:t>
-            </a:r>
-            <a:r>
-              <a:rPr/>
-              <a:t>is</a:t>
-            </a:r>
-            <a:r>
-              <a:rPr/>
-              <a:t> </a:t>
-            </a:r>
-            <a:r>
-              <a:rPr/>
-              <a:t>an</a:t>
-            </a:r>
-            <a:r>
-              <a:rPr/>
-              <a:t> </a:t>
-            </a:r>
-            <a:r>
-              <a:rPr/>
-              <a:t>object</a:t>
-            </a:r>
-          </a:p>
-        </p:txBody>
-      </p:sp>
-      <p:sp>
-        <p:nvSpPr>
-          <p:cNvPr id="3" name="Content Placeholder 2"/>
-          <p:cNvSpPr>
-            <a:spLocks noGrp="1"/>
-          </p:cNvSpPr>
-          <p:nvPr>
-            <p:ph idx="1"/>
-          </p:nvPr>
-        </p:nvSpPr>
-        <p:spPr/>
-        <p:txBody>
-          <a:bodyPr/>
-          <a:lstStyle/>
+              <a:rPr b="1"/>
+              <a:t>Everything is an object</a:t>
+            </a:r>
+          </a:p>
           <a:p>
             <a:pPr lvl="1"/>
             <a:r>
@@ -6144,12 +7097,12 @@
       </p:grpSpPr>
       <p:sp>
         <p:nvSpPr>
-          <p:cNvPr id="2" name="Title 1"/>
-          <p:cNvSpPr>
-            <a:spLocks noGrp="1"/>
-          </p:cNvSpPr>
-          <p:nvPr>
-            <p:ph type="title"/>
+          <p:cNvPr id="3" name="Content Placeholder 2"/>
+          <p:cNvSpPr>
+            <a:spLocks noGrp="1"/>
+          </p:cNvSpPr>
+          <p:nvPr>
+            <p:ph idx="1"/>
           </p:nvPr>
         </p:nvSpPr>
         <p:spPr/>
@@ -6158,74 +7111,109 @@
           <a:lstStyle/>
           <a:p>
             <a:pPr lvl="0" marL="0" indent="0">
+              <a:spcBef>
+                <a:spcPts val="3000"/>
+              </a:spcBef>
               <a:buNone/>
             </a:pPr>
             <a:r>
-              <a:rPr/>
-              <a:t>Try</a:t>
-            </a:r>
-            <a:r>
-              <a:rPr/>
+              <a:rPr b="1"/>
+              <a:t>Try it out (interactive mode)</a:t>
+            </a:r>
+          </a:p>
+          <a:p>
+            <a:pPr lvl="0" marL="1270000" indent="0">
+              <a:buNone/>
+            </a:pPr>
+            <a:r>
+              <a:rPr sz="1800">
+                <a:solidFill>
+                  <a:srgbClr val="666666"/>
+                </a:solidFill>
+                <a:latin typeface="Courier"/>
+              </a:rPr>
+              <a:t>&gt;&gt;&gt;</a:t>
+            </a:r>
+            <a:r>
+              <a:rPr sz="1800">
+                <a:latin typeface="Courier"/>
+              </a:rPr>
+              <a:t> s </a:t>
+            </a:r>
+            <a:r>
+              <a:rPr sz="1800">
+                <a:solidFill>
+                  <a:srgbClr val="666666"/>
+                </a:solidFill>
+                <a:latin typeface="Courier"/>
+              </a:rPr>
+              <a:t>=</a:t>
+            </a:r>
+            <a:r>
+              <a:rPr sz="1800">
+                <a:latin typeface="Courier"/>
+              </a:rPr>
               <a:t> </a:t>
             </a:r>
             <a:r>
-              <a:rPr/>
-              <a:t>it</a:t>
-            </a:r>
-            <a:r>
-              <a:rPr/>
+              <a:rPr sz="1800">
+                <a:solidFill>
+                  <a:srgbClr val="4070A0"/>
+                </a:solidFill>
+                <a:latin typeface="Courier"/>
+              </a:rPr>
+              <a:t>"To be or not to be."</a:t>
+            </a:r>
+            <a:br/>
+            <a:r>
+              <a:rPr sz="1800">
+                <a:solidFill>
+                  <a:srgbClr val="666666"/>
+                </a:solidFill>
+                <a:latin typeface="Courier"/>
+              </a:rPr>
+              <a:t>&gt;&gt;&gt;</a:t>
+            </a:r>
+            <a:r>
+              <a:rPr sz="1800">
+                <a:latin typeface="Courier"/>
+              </a:rPr>
+              <a:t> type(s)</a:t>
+            </a:r>
+            <a:br/>
+            <a:r>
+              <a:rPr sz="1800">
+                <a:solidFill>
+                  <a:srgbClr val="666666"/>
+                </a:solidFill>
+                <a:latin typeface="Courier"/>
+              </a:rPr>
+              <a:t>&lt;</a:t>
+            </a:r>
+            <a:r>
+              <a:rPr sz="1800" b="1">
+                <a:solidFill>
+                  <a:srgbClr val="007020"/>
+                </a:solidFill>
+                <a:latin typeface="Courier"/>
+              </a:rPr>
+              <a:t>class</a:t>
+            </a:r>
+            <a:r>
+              <a:rPr sz="1800">
+                <a:latin typeface="Courier"/>
+              </a:rPr>
               <a:t> </a:t>
             </a:r>
             <a:r>
-              <a:rPr/>
-              <a:t>out</a:t>
-            </a:r>
-            <a:r>
-              <a:rPr/>
-              <a:t> </a:t>
-            </a:r>
-            <a:r>
-              <a:rPr/>
-              <a:t>(interactive</a:t>
-            </a:r>
-            <a:r>
-              <a:rPr/>
-              <a:t> </a:t>
-            </a:r>
-            <a:r>
-              <a:rPr/>
-              <a:t>mode)</a:t>
-            </a:r>
-          </a:p>
-        </p:txBody>
-      </p:sp>
-      <p:sp>
-        <p:nvSpPr>
-          <p:cNvPr id="3" name="Content Placeholder 2"/>
-          <p:cNvSpPr>
-            <a:spLocks noGrp="1"/>
-          </p:cNvSpPr>
-          <p:nvPr>
-            <p:ph idx="1"/>
-          </p:nvPr>
-        </p:nvSpPr>
-        <p:spPr/>
-        <p:txBody>
-          <a:bodyPr/>
-          <a:lstStyle/>
-          <a:p>
-            <a:pPr lvl="0" marL="0" indent="0">
-              <a:buNone/>
-            </a:pPr>
-            <a:r>
-              <a:rPr/>
-              <a:t>:::</a:t>
-            </a:r>
-          </a:p>
-          <a:p>
-            <a:pPr lvl="0" marL="1270000" indent="0">
-              <a:buNone/>
-            </a:pPr>
+              <a:rPr sz="1800">
+                <a:solidFill>
+                  <a:srgbClr val="4070A0"/>
+                </a:solidFill>
+                <a:latin typeface="Courier"/>
+              </a:rPr>
+              <a:t>'str'</a:t>
+            </a:r>
             <a:r>
               <a:rPr sz="1800">
                 <a:solidFill>
@@ -6233,14 +7221,32 @@
                 </a:solidFill>
                 <a:latin typeface="Courier"/>
               </a:rPr>
+              <a:t>&gt;</a:t>
+            </a:r>
+            <a:br/>
+            <a:r>
+              <a:rPr sz="1800">
+                <a:solidFill>
+                  <a:srgbClr val="666666"/>
+                </a:solidFill>
+                <a:latin typeface="Courier"/>
+              </a:rPr>
               <a:t>&gt;&gt;&gt;</a:t>
             </a:r>
             <a:r>
               <a:rPr sz="1800">
                 <a:latin typeface="Courier"/>
               </a:rPr>
-              <a:t> s </a:t>
-            </a:r>
+              <a:t> help(s)</a:t>
+            </a:r>
+            <a:br/>
+            <a:r>
+              <a:rPr sz="1800">
+                <a:latin typeface="Courier"/>
+              </a:rPr>
+              <a:t>...</a:t>
+            </a:r>
+            <a:br/>
             <a:r>
               <a:rPr sz="1800">
                 <a:solidFill>
@@ -6248,136 +7254,20 @@
                 </a:solidFill>
                 <a:latin typeface="Courier"/>
               </a:rPr>
-              <a:t>=</a:t>
-            </a:r>
-            <a:r>
-              <a:rPr sz="1800">
-                <a:latin typeface="Courier"/>
-              </a:rPr>
-              <a:t> </a:t>
-            </a:r>
-            <a:r>
-              <a:rPr sz="1800">
-                <a:solidFill>
-                  <a:srgbClr val="4070A0"/>
-                </a:solidFill>
-                <a:latin typeface="Courier"/>
-              </a:rPr>
-              <a:t>"To be or not to be."</a:t>
+              <a:t>&gt;&gt;&gt;</a:t>
+            </a:r>
+            <a:r>
+              <a:rPr sz="1800">
+                <a:latin typeface="Courier"/>
+              </a:rPr>
+              <a:t> dir(s)</a:t>
             </a:r>
             <a:br/>
             <a:r>
               <a:rPr sz="1800">
-                <a:solidFill>
-                  <a:srgbClr val="666666"/>
-                </a:solidFill>
-                <a:latin typeface="Courier"/>
-              </a:rPr>
-              <a:t>&gt;&gt;&gt;</a:t>
-            </a:r>
-            <a:r>
-              <a:rPr sz="1800">
-                <a:latin typeface="Courier"/>
-              </a:rPr>
-              <a:t> type(s)</a:t>
-            </a:r>
-            <a:br/>
-            <a:r>
-              <a:rPr sz="1800">
-                <a:solidFill>
-                  <a:srgbClr val="666666"/>
-                </a:solidFill>
-                <a:latin typeface="Courier"/>
-              </a:rPr>
-              <a:t>&lt;</a:t>
-            </a:r>
-            <a:r>
-              <a:rPr sz="1800" b="1">
-                <a:solidFill>
-                  <a:srgbClr val="007020"/>
-                </a:solidFill>
-                <a:latin typeface="Courier"/>
-              </a:rPr>
-              <a:t>class</a:t>
-            </a:r>
-            <a:r>
-              <a:rPr sz="1800">
-                <a:latin typeface="Courier"/>
-              </a:rPr>
-              <a:t> </a:t>
-            </a:r>
-            <a:r>
-              <a:rPr sz="1800">
-                <a:solidFill>
-                  <a:srgbClr val="4070A0"/>
-                </a:solidFill>
-                <a:latin typeface="Courier"/>
-              </a:rPr>
-              <a:t>'str'</a:t>
-            </a:r>
-            <a:r>
-              <a:rPr sz="1800">
-                <a:solidFill>
-                  <a:srgbClr val="666666"/>
-                </a:solidFill>
-                <a:latin typeface="Courier"/>
-              </a:rPr>
-              <a:t>&gt;</a:t>
-            </a:r>
-            <a:br/>
-            <a:r>
-              <a:rPr sz="1800">
-                <a:solidFill>
-                  <a:srgbClr val="666666"/>
-                </a:solidFill>
-                <a:latin typeface="Courier"/>
-              </a:rPr>
-              <a:t>&gt;&gt;&gt;</a:t>
-            </a:r>
-            <a:r>
-              <a:rPr sz="1800">
-                <a:latin typeface="Courier"/>
-              </a:rPr>
-              <a:t> help(s)</a:t>
-            </a:r>
-            <a:br/>
-            <a:r>
-              <a:rPr sz="1800">
                 <a:latin typeface="Courier"/>
               </a:rPr>
               <a:t>...</a:t>
-            </a:r>
-            <a:br/>
-            <a:r>
-              <a:rPr sz="1800">
-                <a:solidFill>
-                  <a:srgbClr val="666666"/>
-                </a:solidFill>
-                <a:latin typeface="Courier"/>
-              </a:rPr>
-              <a:t>&gt;&gt;&gt;</a:t>
-            </a:r>
-            <a:r>
-              <a:rPr sz="1800">
-                <a:latin typeface="Courier"/>
-              </a:rPr>
-              <a:t> dir(s)</a:t>
-            </a:r>
-            <a:br/>
-            <a:r>
-              <a:rPr sz="1800">
-                <a:latin typeface="Courier"/>
-              </a:rPr>
-              <a:t>...</a:t>
-            </a:r>
-          </a:p>
-          <a:p>
-            <a:pPr lvl="0" marL="0" indent="0">
-              <a:buNone/>
-            </a:pPr>
-            <a:r>
-              <a:rPr/>
-              <a:t>:::</a:t>
             </a:r>
           </a:p>
         </p:txBody>
@@ -6414,12 +7304,7 @@
             <p:ph type="title"/>
           </p:nvPr>
         </p:nvSpPr>
-        <p:spPr>
-          <a:xfrm>
-            <a:off x="722313" y="4406900"/>
-            <a:ext cx="7772400" cy="1362075"/>
-          </a:xfrm>
-        </p:spPr>
+        <p:spPr/>
         <p:txBody>
           <a:bodyPr/>
           <a:lstStyle/>
@@ -6593,12 +7478,12 @@
       </p:grpSpPr>
       <p:sp>
         <p:nvSpPr>
-          <p:cNvPr id="2" name="Title 1"/>
-          <p:cNvSpPr>
-            <a:spLocks noGrp="1"/>
-          </p:cNvSpPr>
-          <p:nvPr>
-            <p:ph type="title"/>
+          <p:cNvPr id="3" name="Content Placeholder 2"/>
+          <p:cNvSpPr>
+            <a:spLocks noGrp="1"/>
+          </p:cNvSpPr>
+          <p:nvPr>
+            <p:ph idx="1"/>
           </p:nvPr>
         </p:nvSpPr>
         <p:spPr/>
@@ -6607,37 +7492,16 @@
           <a:lstStyle/>
           <a:p>
             <a:pPr lvl="0" marL="0" indent="0">
+              <a:spcBef>
+                <a:spcPts val="3000"/>
+              </a:spcBef>
               <a:buNone/>
             </a:pPr>
             <a:r>
-              <a:rPr/>
-              <a:t>Creating</a:t>
-            </a:r>
-            <a:r>
-              <a:rPr/>
-              <a:t> </a:t>
-            </a:r>
-            <a:r>
-              <a:rPr/>
-              <a:t>strings</a:t>
-            </a:r>
-          </a:p>
-        </p:txBody>
-      </p:sp>
-      <p:sp>
-        <p:nvSpPr>
-          <p:cNvPr id="3" name="Content Placeholder 2"/>
-          <p:cNvSpPr>
-            <a:spLocks noGrp="1"/>
-          </p:cNvSpPr>
-          <p:nvPr>
-            <p:ph idx="1"/>
-          </p:nvPr>
-        </p:nvSpPr>
-        <p:spPr/>
-        <p:txBody>
-          <a:bodyPr/>
-          <a:lstStyle/>
+              <a:rPr b="1"/>
+              <a:t>Creating strings</a:t>
+            </a:r>
+          </a:p>
           <a:p>
             <a:pPr lvl="0" marL="1270000" indent="0">
               <a:buNone/>
@@ -6736,12 +7600,12 @@
       </p:grpSpPr>
       <p:sp>
         <p:nvSpPr>
-          <p:cNvPr id="2" name="Title 1"/>
-          <p:cNvSpPr>
-            <a:spLocks noGrp="1"/>
-          </p:cNvSpPr>
-          <p:nvPr>
-            <p:ph type="title"/>
+          <p:cNvPr id="3" name="Content Placeholder 2"/>
+          <p:cNvSpPr>
+            <a:spLocks noGrp="1"/>
+          </p:cNvSpPr>
+          <p:nvPr>
+            <p:ph idx="1"/>
           </p:nvPr>
         </p:nvSpPr>
         <p:spPr/>
@@ -6750,37 +7614,16 @@
           <a:lstStyle/>
           <a:p>
             <a:pPr lvl="0" marL="0" indent="0">
+              <a:spcBef>
+                <a:spcPts val="3000"/>
+              </a:spcBef>
               <a:buNone/>
             </a:pPr>
             <a:r>
-              <a:rPr/>
-              <a:t>Accessing</a:t>
-            </a:r>
-            <a:r>
-              <a:rPr/>
-              <a:t> </a:t>
-            </a:r>
-            <a:r>
-              <a:rPr/>
-              <a:t>strings</a:t>
-            </a:r>
-          </a:p>
-        </p:txBody>
-      </p:sp>
-      <p:sp>
-        <p:nvSpPr>
-          <p:cNvPr id="3" name="Content Placeholder 2"/>
-          <p:cNvSpPr>
-            <a:spLocks noGrp="1"/>
-          </p:cNvSpPr>
-          <p:nvPr>
-            <p:ph idx="1"/>
-          </p:nvPr>
-        </p:nvSpPr>
-        <p:spPr/>
-        <p:txBody>
-          <a:bodyPr/>
-          <a:lstStyle/>
+              <a:rPr b="1"/>
+              <a:t>Accessing strings</a:t>
+            </a:r>
+          </a:p>
           <a:p>
             <a:pPr lvl="1"/>
             <a:r>

--- a/modules/module03/slides.pptx
+++ b/modules/module03/slides.pptx
@@ -339,7 +339,7 @@
           <a:p>
             <a:fld id="{241EB5C9-1307-BA42-ABA2-0BC069CD8E7F}" type="datetimeFigureOut">
               <a:rPr lang="en-US" smtClean="0"/>
-              <a:t>2/17/2018</a:t>
+              <a:t>4/5/2019</a:t>
             </a:fld>
             <a:endParaRPr lang="en-US"/>
           </a:p>
@@ -509,7 +509,7 @@
           <a:p>
             <a:fld id="{241EB5C9-1307-BA42-ABA2-0BC069CD8E7F}" type="datetimeFigureOut">
               <a:rPr lang="en-US" smtClean="0"/>
-              <a:t>2/17/2018</a:t>
+              <a:t>4/5/2019</a:t>
             </a:fld>
             <a:endParaRPr lang="en-US"/>
           </a:p>
@@ -689,7 +689,7 @@
           <a:p>
             <a:fld id="{241EB5C9-1307-BA42-ABA2-0BC069CD8E7F}" type="datetimeFigureOut">
               <a:rPr lang="en-US" smtClean="0"/>
-              <a:t>2/17/2018</a:t>
+              <a:t>4/5/2019</a:t>
             </a:fld>
             <a:endParaRPr lang="en-US"/>
           </a:p>
@@ -859,7 +859,7 @@
           <a:p>
             <a:fld id="{241EB5C9-1307-BA42-ABA2-0BC069CD8E7F}" type="datetimeFigureOut">
               <a:rPr lang="en-US" smtClean="0"/>
-              <a:t>2/17/2018</a:t>
+              <a:t>4/5/2019</a:t>
             </a:fld>
             <a:endParaRPr lang="en-US"/>
           </a:p>
@@ -1105,7 +1105,7 @@
           <a:p>
             <a:fld id="{241EB5C9-1307-BA42-ABA2-0BC069CD8E7F}" type="datetimeFigureOut">
               <a:rPr lang="en-US" smtClean="0"/>
-              <a:t>2/17/2018</a:t>
+              <a:t>4/5/2019</a:t>
             </a:fld>
             <a:endParaRPr lang="en-US"/>
           </a:p>
@@ -1393,7 +1393,7 @@
           <a:p>
             <a:fld id="{241EB5C9-1307-BA42-ABA2-0BC069CD8E7F}" type="datetimeFigureOut">
               <a:rPr lang="en-US" smtClean="0"/>
-              <a:t>2/17/2018</a:t>
+              <a:t>4/5/2019</a:t>
             </a:fld>
             <a:endParaRPr lang="en-US"/>
           </a:p>
@@ -1815,7 +1815,7 @@
           <a:p>
             <a:fld id="{241EB5C9-1307-BA42-ABA2-0BC069CD8E7F}" type="datetimeFigureOut">
               <a:rPr lang="en-US" smtClean="0"/>
-              <a:t>2/17/2018</a:t>
+              <a:t>4/5/2019</a:t>
             </a:fld>
             <a:endParaRPr lang="en-US"/>
           </a:p>
@@ -1933,7 +1933,7 @@
           <a:p>
             <a:fld id="{241EB5C9-1307-BA42-ABA2-0BC069CD8E7F}" type="datetimeFigureOut">
               <a:rPr lang="en-US" smtClean="0"/>
-              <a:t>2/17/2018</a:t>
+              <a:t>4/5/2019</a:t>
             </a:fld>
             <a:endParaRPr lang="en-US"/>
           </a:p>
@@ -2028,7 +2028,7 @@
           <a:p>
             <a:fld id="{241EB5C9-1307-BA42-ABA2-0BC069CD8E7F}" type="datetimeFigureOut">
               <a:rPr lang="en-US" smtClean="0"/>
-              <a:t>2/17/2018</a:t>
+              <a:t>4/5/2019</a:t>
             </a:fld>
             <a:endParaRPr lang="en-US"/>
           </a:p>
@@ -2305,7 +2305,7 @@
           <a:p>
             <a:fld id="{241EB5C9-1307-BA42-ABA2-0BC069CD8E7F}" type="datetimeFigureOut">
               <a:rPr lang="en-US" smtClean="0"/>
-              <a:t>2/17/2018</a:t>
+              <a:t>4/5/2019</a:t>
             </a:fld>
             <a:endParaRPr lang="en-US"/>
           </a:p>
@@ -2558,7 +2558,7 @@
           <a:p>
             <a:fld id="{241EB5C9-1307-BA42-ABA2-0BC069CD8E7F}" type="datetimeFigureOut">
               <a:rPr lang="en-US" smtClean="0"/>
-              <a:t>2/17/2018</a:t>
+              <a:t>4/5/2019</a:t>
             </a:fld>
             <a:endParaRPr lang="en-US"/>
           </a:p>
@@ -2771,7 +2771,7 @@
           <a:p>
             <a:fld id="{241EB5C9-1307-BA42-ABA2-0BC069CD8E7F}" type="datetimeFigureOut">
               <a:rPr lang="en-US" smtClean="0"/>
-              <a:t>2/17/2018</a:t>
+              <a:t>4/5/2019</a:t>
             </a:fld>
             <a:endParaRPr lang="en-US"/>
           </a:p>
@@ -3311,11 +3311,11 @@
             </a:r>
           </a:p>
           <a:p>
-            <a:pPr lvl="0" marL="1270000" indent="0">
+            <a:pPr lvl="0" indent="0">
               <a:buNone/>
             </a:pPr>
             <a:r>
-              <a:rPr sz="1800">
+              <a:rPr>
                 <a:solidFill>
                   <a:srgbClr val="666666"/>
                 </a:solidFill>
@@ -3324,13 +3324,13 @@
               <a:t>&gt;&gt;&gt;</a:t>
             </a:r>
             <a:r>
-              <a:rPr sz="1800">
+              <a:rPr>
                 <a:latin typeface="Courier"/>
               </a:rPr>
               <a:t> lyric </a:t>
             </a:r>
             <a:r>
-              <a:rPr sz="1800">
+              <a:rPr>
                 <a:solidFill>
                   <a:srgbClr val="666666"/>
                 </a:solidFill>
@@ -3339,13 +3339,13 @@
               <a:t>=</a:t>
             </a:r>
             <a:r>
-              <a:rPr sz="1800">
+              <a:rPr>
                 <a:latin typeface="Courier"/>
               </a:rPr>
               <a:t> </a:t>
             </a:r>
             <a:r>
-              <a:rPr sz="1800">
+              <a:rPr>
                 <a:solidFill>
                   <a:srgbClr val="4070A0"/>
                 </a:solidFill>
@@ -3355,7 +3355,7 @@
             </a:r>
             <a:br/>
             <a:r>
-              <a:rPr sz="1800">
+              <a:rPr>
                 <a:solidFill>
                   <a:srgbClr val="666666"/>
                 </a:solidFill>
@@ -3364,13 +3364,13 @@
               <a:t>&gt;&gt;&gt;</a:t>
             </a:r>
             <a:r>
-              <a:rPr sz="1800">
+              <a:rPr>
                 <a:latin typeface="Courier"/>
               </a:rPr>
               <a:t> lyric[</a:t>
             </a:r>
             <a:r>
-              <a:rPr sz="1800">
+              <a:rPr>
                 <a:solidFill>
                   <a:srgbClr val="40A070"/>
                 </a:solidFill>
@@ -3379,13 +3379,13 @@
               <a:t>12</a:t>
             </a:r>
             <a:r>
-              <a:rPr sz="1800">
+              <a:rPr>
                 <a:latin typeface="Courier"/>
               </a:rPr>
               <a:t>:</a:t>
             </a:r>
             <a:r>
-              <a:rPr sz="1800">
+              <a:rPr>
                 <a:solidFill>
                   <a:srgbClr val="40A070"/>
                 </a:solidFill>
@@ -3394,7 +3394,7 @@
               <a:t>17</a:t>
             </a:r>
             <a:r>
-              <a:rPr sz="1800">
+              <a:rPr>
                 <a:latin typeface="Courier"/>
               </a:rPr>
               <a:t>]</a:t>
@@ -3482,11 +3482,11 @@
             </a:r>
           </a:p>
           <a:p>
-            <a:pPr lvl="0" marL="1270000" indent="0">
+            <a:pPr lvl="0" indent="0">
               <a:buNone/>
             </a:pPr>
             <a:r>
-              <a:rPr sz="1800">
+              <a:rPr>
                 <a:solidFill>
                   <a:srgbClr val="666666"/>
                 </a:solidFill>
@@ -3495,13 +3495,13 @@
               <a:t>&gt;&gt;&gt;</a:t>
             </a:r>
             <a:r>
-              <a:rPr sz="1800">
+              <a:rPr>
                 <a:latin typeface="Courier"/>
               </a:rPr>
               <a:t> x </a:t>
             </a:r>
             <a:r>
-              <a:rPr sz="1800">
+              <a:rPr>
                 <a:solidFill>
                   <a:srgbClr val="666666"/>
                 </a:solidFill>
@@ -3510,13 +3510,13 @@
               <a:t>=</a:t>
             </a:r>
             <a:r>
-              <a:rPr sz="1800">
+              <a:rPr>
                 <a:latin typeface="Courier"/>
               </a:rPr>
               <a:t> </a:t>
             </a:r>
             <a:r>
-              <a:rPr sz="1800">
+              <a:rPr>
                 <a:solidFill>
                   <a:srgbClr val="4070A0"/>
                 </a:solidFill>
@@ -3526,7 +3526,7 @@
             </a:r>
             <a:br/>
             <a:r>
-              <a:rPr sz="1800">
+              <a:rPr>
                 <a:solidFill>
                   <a:srgbClr val="666666"/>
                 </a:solidFill>
@@ -3535,13 +3535,13 @@
               <a:t>&gt;&gt;&gt;</a:t>
             </a:r>
             <a:r>
-              <a:rPr sz="1800">
+              <a:rPr>
                 <a:latin typeface="Courier"/>
               </a:rPr>
               <a:t> x </a:t>
             </a:r>
             <a:r>
-              <a:rPr sz="1800">
+              <a:rPr>
                 <a:solidFill>
                   <a:srgbClr val="666666"/>
                 </a:solidFill>
@@ -3550,23 +3550,23 @@
               <a:t>=</a:t>
             </a:r>
             <a:r>
-              <a:rPr sz="1800">
+              <a:rPr>
                 <a:latin typeface="Courier"/>
               </a:rPr>
               <a:t> x.upper()  </a:t>
             </a:r>
             <a:r>
-              <a:rPr sz="1800" i="1">
+              <a:rPr i="1">
                 <a:solidFill>
                   <a:srgbClr val="60A0B0"/>
                 </a:solidFill>
                 <a:latin typeface="Courier"/>
               </a:rPr>
-              <a:t># reassigns x </a:t>
+              <a:t># reassigns x</a:t>
             </a:r>
             <a:br/>
             <a:r>
-              <a:rPr sz="1800">
+              <a:rPr>
                 <a:solidFill>
                   <a:srgbClr val="666666"/>
                 </a:solidFill>
@@ -3575,7 +3575,7 @@
               <a:t>&gt;&gt;&gt;</a:t>
             </a:r>
             <a:r>
-              <a:rPr sz="1800">
+              <a:rPr>
                 <a:latin typeface="Courier"/>
               </a:rPr>
               <a:t> print(x)</a:t>
@@ -4047,7 +4047,7 @@
               <a:t>Like strings, elements can be accessed by index position: </a:t>
             </a:r>
             <a:r>
-              <a:rPr sz="1800">
+              <a:rPr>
                 <a:latin typeface="Courier"/>
               </a:rPr>
               <a:t>my_list[2]</a:t>
@@ -4060,7 +4060,7 @@
               <a:t>Like strings, lists can be sliced: </a:t>
             </a:r>
             <a:r>
-              <a:rPr sz="1800">
+              <a:rPr>
                 <a:latin typeface="Courier"/>
               </a:rPr>
               <a:t>my_list[2:5]</a:t>
@@ -4081,7 +4081,7 @@
               <a:t> to find out how many elements are in a list: </a:t>
             </a:r>
             <a:r>
-              <a:rPr sz="1800">
+              <a:rPr>
                 <a:latin typeface="Courier"/>
               </a:rPr>
               <a:t>len(my_list)</a:t>
@@ -4155,17 +4155,17 @@
             </a:r>
           </a:p>
           <a:p>
-            <a:pPr lvl="0" marL="1270000" indent="0">
+            <a:pPr lvl="0" indent="0">
               <a:buNone/>
             </a:pPr>
             <a:r>
-              <a:rPr sz="1800">
+              <a:rPr>
                 <a:latin typeface="Courier"/>
               </a:rPr>
               <a:t>colors </a:t>
             </a:r>
             <a:r>
-              <a:rPr sz="1800">
+              <a:rPr>
                 <a:solidFill>
                   <a:srgbClr val="666666"/>
                 </a:solidFill>
@@ -4174,13 +4174,13 @@
               <a:t>=</a:t>
             </a:r>
             <a:r>
-              <a:rPr sz="1800">
+              <a:rPr>
                 <a:latin typeface="Courier"/>
               </a:rPr>
               <a:t> [</a:t>
             </a:r>
             <a:r>
-              <a:rPr sz="1800">
+              <a:rPr>
                 <a:solidFill>
                   <a:srgbClr val="4070A0"/>
                 </a:solidFill>
@@ -4189,13 +4189,13 @@
               <a:t>"red"</a:t>
             </a:r>
             <a:r>
-              <a:rPr sz="1800">
+              <a:rPr>
                 <a:latin typeface="Courier"/>
               </a:rPr>
               <a:t>, </a:t>
             </a:r>
             <a:r>
-              <a:rPr sz="1800">
+              <a:rPr>
                 <a:solidFill>
                   <a:srgbClr val="4070A0"/>
                 </a:solidFill>
@@ -4204,13 +4204,13 @@
               <a:t>"green"</a:t>
             </a:r>
             <a:r>
-              <a:rPr sz="1800">
+              <a:rPr>
                 <a:latin typeface="Courier"/>
               </a:rPr>
               <a:t>, </a:t>
             </a:r>
             <a:r>
-              <a:rPr sz="1800">
+              <a:rPr>
                 <a:solidFill>
                   <a:srgbClr val="4070A0"/>
                 </a:solidFill>
@@ -4219,13 +4219,13 @@
               <a:t>"blue"</a:t>
             </a:r>
             <a:r>
-              <a:rPr sz="1800">
+              <a:rPr>
                 <a:latin typeface="Courier"/>
               </a:rPr>
               <a:t>, </a:t>
             </a:r>
             <a:r>
-              <a:rPr sz="1800">
+              <a:rPr>
                 <a:solidFill>
                   <a:srgbClr val="4070A0"/>
                 </a:solidFill>
@@ -4234,14 +4234,14 @@
               <a:t>"black"</a:t>
             </a:r>
             <a:r>
-              <a:rPr sz="1800">
+              <a:rPr>
                 <a:latin typeface="Courier"/>
               </a:rPr>
               <a:t>]</a:t>
             </a:r>
             <a:br/>
             <a:r>
-              <a:rPr sz="1800" b="1">
+              <a:rPr b="1">
                 <a:solidFill>
                   <a:srgbClr val="007020"/>
                 </a:solidFill>
@@ -4250,13 +4250,13 @@
               <a:t>for</a:t>
             </a:r>
             <a:r>
-              <a:rPr sz="1800">
+              <a:rPr>
                 <a:latin typeface="Courier"/>
               </a:rPr>
               <a:t> color </a:t>
             </a:r>
             <a:r>
-              <a:rPr sz="1800" b="1">
+              <a:rPr b="1">
                 <a:solidFill>
                   <a:srgbClr val="007020"/>
                 </a:solidFill>
@@ -4265,25 +4265,25 @@
               <a:t>in</a:t>
             </a:r>
             <a:r>
-              <a:rPr sz="1800">
+              <a:rPr>
                 <a:latin typeface="Courier"/>
               </a:rPr>
               <a:t> colors:</a:t>
             </a:r>
             <a:br/>
             <a:r>
-              <a:rPr sz="1800">
+              <a:rPr>
                 <a:latin typeface="Courier"/>
               </a:rPr>
               <a:t>    print(color)</a:t>
             </a:r>
           </a:p>
           <a:p>
-            <a:pPr lvl="0" marL="1270000" indent="0">
+            <a:pPr lvl="0" indent="0">
               <a:buNone/>
             </a:pPr>
             <a:r>
-              <a:rPr sz="1800">
+              <a:rPr>
                 <a:latin typeface="Courier"/>
               </a:rPr>
               <a:t>red
@@ -4357,17 +4357,17 @@
             </a:r>
           </a:p>
           <a:p>
-            <a:pPr lvl="0" marL="1270000" indent="0">
+            <a:pPr lvl="0" indent="0">
               <a:buNone/>
             </a:pPr>
             <a:r>
-              <a:rPr sz="1800">
+              <a:rPr>
                 <a:latin typeface="Courier"/>
               </a:rPr>
               <a:t>x </a:t>
             </a:r>
             <a:r>
-              <a:rPr sz="1800">
+              <a:rPr>
                 <a:solidFill>
                   <a:srgbClr val="666666"/>
                 </a:solidFill>
@@ -4376,13 +4376,13 @@
               <a:t>=</a:t>
             </a:r>
             <a:r>
-              <a:rPr sz="1800">
+              <a:rPr>
                 <a:latin typeface="Courier"/>
               </a:rPr>
               <a:t> [</a:t>
             </a:r>
             <a:r>
-              <a:rPr sz="1800">
+              <a:rPr>
                 <a:solidFill>
                   <a:srgbClr val="4070A0"/>
                 </a:solidFill>
@@ -4391,13 +4391,13 @@
               <a:t>'hello'</a:t>
             </a:r>
             <a:r>
-              <a:rPr sz="1800">
+              <a:rPr>
                 <a:latin typeface="Courier"/>
               </a:rPr>
               <a:t>, </a:t>
             </a:r>
             <a:r>
-              <a:rPr sz="1800">
+              <a:rPr>
                 <a:solidFill>
                   <a:srgbClr val="4070A0"/>
                 </a:solidFill>
@@ -4406,20 +4406,20 @@
               <a:t>'world'</a:t>
             </a:r>
             <a:r>
-              <a:rPr sz="1800">
+              <a:rPr>
                 <a:latin typeface="Courier"/>
               </a:rPr>
               <a:t>]</a:t>
             </a:r>
             <a:br/>
             <a:r>
-              <a:rPr sz="1800">
+              <a:rPr>
                 <a:latin typeface="Courier"/>
               </a:rPr>
               <a:t>x[</a:t>
             </a:r>
             <a:r>
-              <a:rPr sz="1800">
+              <a:rPr>
                 <a:solidFill>
                   <a:srgbClr val="40A070"/>
                 </a:solidFill>
@@ -4428,13 +4428,13 @@
               <a:t>1</a:t>
             </a:r>
             <a:r>
-              <a:rPr sz="1800">
+              <a:rPr>
                 <a:latin typeface="Courier"/>
               </a:rPr>
               <a:t>] </a:t>
             </a:r>
             <a:r>
-              <a:rPr sz="1800">
+              <a:rPr>
                 <a:solidFill>
                   <a:srgbClr val="666666"/>
                 </a:solidFill>
@@ -4443,13 +4443,13 @@
               <a:t>=</a:t>
             </a:r>
             <a:r>
-              <a:rPr sz="1800">
+              <a:rPr>
                 <a:latin typeface="Courier"/>
               </a:rPr>
               <a:t> </a:t>
             </a:r>
             <a:r>
-              <a:rPr sz="1800">
+              <a:rPr>
                 <a:solidFill>
                   <a:srgbClr val="4070A0"/>
                 </a:solidFill>
@@ -4459,7 +4459,7 @@
             </a:r>
             <a:br/>
             <a:r>
-              <a:rPr sz="1800">
+              <a:rPr>
                 <a:latin typeface="Courier"/>
               </a:rPr>
               <a:t>print(x)</a:t>
@@ -4521,14 +4521,14 @@
             </a:pPr>
             <a:r>
               <a:rPr b="1"/>
-              <a:t>From atoms to molecules</a:t>
+              <a:t>Connecting the Building Blocks</a:t>
             </a:r>
           </a:p>
           <a:p>
             <a:pPr lvl="1"/>
             <a:r>
               <a:rPr/>
-              <a:t>We have already introduced some of the basic building blocks of data (integers, floats, booleans, strings)</a:t>
+              <a:t>We have already introduced some of the basic building blocks of data (integers, floats, Booleans, strings)</a:t>
             </a:r>
           </a:p>
           <a:p>
@@ -4803,17 +4803,17 @@
             </a:r>
           </a:p>
           <a:p>
-            <a:pPr lvl="0" marL="1270000" indent="0">
+            <a:pPr lvl="0" indent="0">
               <a:buNone/>
             </a:pPr>
             <a:r>
-              <a:rPr sz="1800">
+              <a:rPr>
                 <a:latin typeface="Courier"/>
               </a:rPr>
               <a:t>my_dictionary </a:t>
             </a:r>
             <a:r>
-              <a:rPr sz="1800">
+              <a:rPr>
                 <a:solidFill>
                   <a:srgbClr val="666666"/>
                 </a:solidFill>
@@ -4822,20 +4822,20 @@
               <a:t>=</a:t>
             </a:r>
             <a:r>
-              <a:rPr sz="1800">
+              <a:rPr>
                 <a:latin typeface="Courier"/>
               </a:rPr>
               <a:t> dict()</a:t>
             </a:r>
             <a:br/>
             <a:r>
-              <a:rPr sz="1800">
+              <a:rPr>
                 <a:latin typeface="Courier"/>
               </a:rPr>
               <a:t>my_dictionary </a:t>
             </a:r>
             <a:r>
-              <a:rPr sz="1800">
+              <a:rPr>
                 <a:solidFill>
                   <a:srgbClr val="666666"/>
                 </a:solidFill>
@@ -4844,20 +4844,20 @@
               <a:t>=</a:t>
             </a:r>
             <a:r>
-              <a:rPr sz="1800">
+              <a:rPr>
                 <a:latin typeface="Courier"/>
               </a:rPr>
               <a:t> {}</a:t>
             </a:r>
             <a:br/>
             <a:r>
-              <a:rPr sz="1800">
+              <a:rPr>
                 <a:latin typeface="Courier"/>
               </a:rPr>
               <a:t>phone_book </a:t>
             </a:r>
             <a:r>
-              <a:rPr sz="1800">
+              <a:rPr>
                 <a:solidFill>
                   <a:srgbClr val="666666"/>
                 </a:solidFill>
@@ -4866,20 +4866,20 @@
               <a:t>=</a:t>
             </a:r>
             <a:r>
-              <a:rPr sz="1800">
+              <a:rPr>
                 <a:latin typeface="Courier"/>
               </a:rPr>
               <a:t> {</a:t>
             </a:r>
             <a:br/>
             <a:r>
-              <a:rPr sz="1800">
+              <a:rPr>
                 <a:latin typeface="Courier"/>
               </a:rPr>
               <a:t>    </a:t>
             </a:r>
             <a:r>
-              <a:rPr sz="1800">
+              <a:rPr>
                 <a:solidFill>
                   <a:srgbClr val="4070A0"/>
                 </a:solidFill>
@@ -4888,13 +4888,13 @@
               <a:t>'Bruce Banner'</a:t>
             </a:r>
             <a:r>
-              <a:rPr sz="1800">
+              <a:rPr>
                 <a:latin typeface="Courier"/>
               </a:rPr>
               <a:t>: </a:t>
             </a:r>
             <a:r>
-              <a:rPr sz="1800">
+              <a:rPr>
                 <a:solidFill>
                   <a:srgbClr val="4070A0"/>
                 </a:solidFill>
@@ -4903,20 +4903,20 @@
               <a:t>'555-555-1234'</a:t>
             </a:r>
             <a:r>
-              <a:rPr sz="1800">
+              <a:rPr>
                 <a:latin typeface="Courier"/>
               </a:rPr>
               <a:t>,</a:t>
             </a:r>
             <a:br/>
             <a:r>
-              <a:rPr sz="1800">
+              <a:rPr>
                 <a:latin typeface="Courier"/>
               </a:rPr>
               <a:t>    </a:t>
             </a:r>
             <a:r>
-              <a:rPr sz="1800">
+              <a:rPr>
                 <a:solidFill>
                   <a:srgbClr val="4070A0"/>
                 </a:solidFill>
@@ -4925,13 +4925,13 @@
               <a:t>'Sue Storm'</a:t>
             </a:r>
             <a:r>
-              <a:rPr sz="1800">
+              <a:rPr>
                 <a:latin typeface="Courier"/>
               </a:rPr>
               <a:t>: </a:t>
             </a:r>
             <a:r>
-              <a:rPr sz="1800">
+              <a:rPr>
                 <a:solidFill>
                   <a:srgbClr val="4070A0"/>
                 </a:solidFill>
@@ -4941,7 +4941,7 @@
             </a:r>
             <a:br/>
             <a:r>
-              <a:rPr sz="1800">
+              <a:rPr>
                 <a:latin typeface="Courier"/>
               </a:rPr>
               <a:t>}</a:t>
@@ -5005,17 +5005,17 @@
             </a:r>
           </a:p>
           <a:p>
-            <a:pPr lvl="0" marL="1270000" indent="0">
+            <a:pPr lvl="0" indent="0">
               <a:buNone/>
             </a:pPr>
             <a:r>
-              <a:rPr sz="1800">
+              <a:rPr>
                 <a:latin typeface="Courier"/>
               </a:rPr>
               <a:t>phone_book </a:t>
             </a:r>
             <a:r>
-              <a:rPr sz="1800">
+              <a:rPr>
                 <a:solidFill>
                   <a:srgbClr val="666666"/>
                 </a:solidFill>
@@ -5024,20 +5024,20 @@
               <a:t>=</a:t>
             </a:r>
             <a:r>
-              <a:rPr sz="1800">
+              <a:rPr>
                 <a:latin typeface="Courier"/>
               </a:rPr>
               <a:t> {</a:t>
             </a:r>
             <a:br/>
             <a:r>
-              <a:rPr sz="1800">
+              <a:rPr>
                 <a:latin typeface="Courier"/>
               </a:rPr>
               <a:t>    </a:t>
             </a:r>
             <a:r>
-              <a:rPr sz="1800">
+              <a:rPr>
                 <a:solidFill>
                   <a:srgbClr val="4070A0"/>
                 </a:solidFill>
@@ -5046,13 +5046,13 @@
               <a:t>'Bruce Banner'</a:t>
             </a:r>
             <a:r>
-              <a:rPr sz="1800">
+              <a:rPr>
                 <a:latin typeface="Courier"/>
               </a:rPr>
               <a:t>: </a:t>
             </a:r>
             <a:r>
-              <a:rPr sz="1800">
+              <a:rPr>
                 <a:solidFill>
                   <a:srgbClr val="4070A0"/>
                 </a:solidFill>
@@ -5061,20 +5061,20 @@
               <a:t>'555-555-1234'</a:t>
             </a:r>
             <a:r>
-              <a:rPr sz="1800">
+              <a:rPr>
                 <a:latin typeface="Courier"/>
               </a:rPr>
               <a:t>,</a:t>
             </a:r>
             <a:br/>
             <a:r>
-              <a:rPr sz="1800">
+              <a:rPr>
                 <a:latin typeface="Courier"/>
               </a:rPr>
               <a:t>    </a:t>
             </a:r>
             <a:r>
-              <a:rPr sz="1800">
+              <a:rPr>
                 <a:solidFill>
                   <a:srgbClr val="4070A0"/>
                 </a:solidFill>
@@ -5083,13 +5083,13 @@
               <a:t>'Sue Storm'</a:t>
             </a:r>
             <a:r>
-              <a:rPr sz="1800">
+              <a:rPr>
                 <a:latin typeface="Courier"/>
               </a:rPr>
               <a:t>: </a:t>
             </a:r>
             <a:r>
-              <a:rPr sz="1800">
+              <a:rPr>
                 <a:solidFill>
                   <a:srgbClr val="4070A0"/>
                 </a:solidFill>
@@ -5099,20 +5099,20 @@
             </a:r>
             <a:br/>
             <a:r>
-              <a:rPr sz="1800">
+              <a:rPr>
                 <a:latin typeface="Courier"/>
               </a:rPr>
               <a:t>}</a:t>
             </a:r>
             <a:br/>
             <a:r>
-              <a:rPr sz="1800">
+              <a:rPr>
                 <a:latin typeface="Courier"/>
               </a:rPr>
               <a:t>print(phone_book[</a:t>
             </a:r>
             <a:r>
-              <a:rPr sz="1800">
+              <a:rPr>
                 <a:solidFill>
                   <a:srgbClr val="4070A0"/>
                 </a:solidFill>
@@ -5121,7 +5121,7 @@
               <a:t>'Bruce Banner'</a:t>
             </a:r>
             <a:r>
-              <a:rPr sz="1800">
+              <a:rPr>
                 <a:latin typeface="Courier"/>
               </a:rPr>
               <a:t>])</a:t>
@@ -5192,17 +5192,17 @@
             </a:r>
           </a:p>
           <a:p>
-            <a:pPr lvl="0" marL="1270000" indent="0">
+            <a:pPr lvl="0" indent="0">
               <a:buNone/>
             </a:pPr>
             <a:r>
-              <a:rPr sz="1800">
+              <a:rPr>
                 <a:latin typeface="Courier"/>
               </a:rPr>
               <a:t>phone_book </a:t>
             </a:r>
             <a:r>
-              <a:rPr sz="1800">
+              <a:rPr>
                 <a:solidFill>
                   <a:srgbClr val="666666"/>
                 </a:solidFill>
@@ -5211,20 +5211,20 @@
               <a:t>=</a:t>
             </a:r>
             <a:r>
-              <a:rPr sz="1800">
+              <a:rPr>
                 <a:latin typeface="Courier"/>
               </a:rPr>
               <a:t> {</a:t>
             </a:r>
             <a:br/>
             <a:r>
-              <a:rPr sz="1800">
+              <a:rPr>
                 <a:latin typeface="Courier"/>
               </a:rPr>
               <a:t>    </a:t>
             </a:r>
             <a:r>
-              <a:rPr sz="1800">
+              <a:rPr>
                 <a:solidFill>
                   <a:srgbClr val="4070A0"/>
                 </a:solidFill>
@@ -5233,13 +5233,13 @@
               <a:t>'Bruce Banner'</a:t>
             </a:r>
             <a:r>
-              <a:rPr sz="1800">
+              <a:rPr>
                 <a:latin typeface="Courier"/>
               </a:rPr>
               <a:t>: </a:t>
             </a:r>
             <a:r>
-              <a:rPr sz="1800">
+              <a:rPr>
                 <a:solidFill>
                   <a:srgbClr val="4070A0"/>
                 </a:solidFill>
@@ -5248,20 +5248,20 @@
               <a:t>'555-555-1234'</a:t>
             </a:r>
             <a:r>
-              <a:rPr sz="1800">
+              <a:rPr>
                 <a:latin typeface="Courier"/>
               </a:rPr>
               <a:t>,</a:t>
             </a:r>
             <a:br/>
             <a:r>
-              <a:rPr sz="1800">
+              <a:rPr>
                 <a:latin typeface="Courier"/>
               </a:rPr>
               <a:t>    </a:t>
             </a:r>
             <a:r>
-              <a:rPr sz="1800">
+              <a:rPr>
                 <a:solidFill>
                   <a:srgbClr val="4070A0"/>
                 </a:solidFill>
@@ -5270,13 +5270,13 @@
               <a:t>'Sue Storm'</a:t>
             </a:r>
             <a:r>
-              <a:rPr sz="1800">
+              <a:rPr>
                 <a:latin typeface="Courier"/>
               </a:rPr>
               <a:t>: </a:t>
             </a:r>
             <a:r>
-              <a:rPr sz="1800">
+              <a:rPr>
                 <a:solidFill>
                   <a:srgbClr val="4070A0"/>
                 </a:solidFill>
@@ -5286,14 +5286,14 @@
             </a:r>
             <a:br/>
             <a:r>
-              <a:rPr sz="1800">
+              <a:rPr>
                 <a:latin typeface="Courier"/>
               </a:rPr>
               <a:t>}</a:t>
             </a:r>
             <a:br/>
             <a:r>
-              <a:rPr sz="1800" b="1">
+              <a:rPr b="1">
                 <a:solidFill>
                   <a:srgbClr val="007020"/>
                 </a:solidFill>
@@ -5302,13 +5302,13 @@
               <a:t>for</a:t>
             </a:r>
             <a:r>
-              <a:rPr sz="1800">
+              <a:rPr>
                 <a:latin typeface="Courier"/>
               </a:rPr>
               <a:t> k </a:t>
             </a:r>
             <a:r>
-              <a:rPr sz="1800" b="1">
+              <a:rPr b="1">
                 <a:solidFill>
                   <a:srgbClr val="007020"/>
                 </a:solidFill>
@@ -5317,14 +5317,14 @@
               <a:t>in</a:t>
             </a:r>
             <a:r>
-              <a:rPr sz="1800">
+              <a:rPr>
                 <a:latin typeface="Courier"/>
               </a:rPr>
               <a:t> phone_book.keys():</a:t>
             </a:r>
             <a:br/>
             <a:r>
-              <a:rPr sz="1800">
+              <a:rPr>
                 <a:latin typeface="Courier"/>
               </a:rPr>
               <a:t>    print(k)</a:t>
@@ -5400,17 +5400,17 @@
             </a:r>
           </a:p>
           <a:p>
-            <a:pPr lvl="0" marL="1270000" indent="0">
+            <a:pPr lvl="0" indent="0">
               <a:buNone/>
             </a:pPr>
             <a:r>
-              <a:rPr sz="1800">
+              <a:rPr>
                 <a:latin typeface="Courier"/>
               </a:rPr>
               <a:t>phone_book </a:t>
             </a:r>
             <a:r>
-              <a:rPr sz="1800">
+              <a:rPr>
                 <a:solidFill>
                   <a:srgbClr val="666666"/>
                 </a:solidFill>
@@ -5419,20 +5419,20 @@
               <a:t>=</a:t>
             </a:r>
             <a:r>
-              <a:rPr sz="1800">
+              <a:rPr>
                 <a:latin typeface="Courier"/>
               </a:rPr>
               <a:t> {</a:t>
             </a:r>
             <a:br/>
             <a:r>
-              <a:rPr sz="1800">
+              <a:rPr>
                 <a:latin typeface="Courier"/>
               </a:rPr>
               <a:t>    </a:t>
             </a:r>
             <a:r>
-              <a:rPr sz="1800">
+              <a:rPr>
                 <a:solidFill>
                   <a:srgbClr val="4070A0"/>
                 </a:solidFill>
@@ -5441,13 +5441,13 @@
               <a:t>'Bruce Banner'</a:t>
             </a:r>
             <a:r>
-              <a:rPr sz="1800">
+              <a:rPr>
                 <a:latin typeface="Courier"/>
               </a:rPr>
               <a:t>: </a:t>
             </a:r>
             <a:r>
-              <a:rPr sz="1800">
+              <a:rPr>
                 <a:solidFill>
                   <a:srgbClr val="4070A0"/>
                 </a:solidFill>
@@ -5456,20 +5456,20 @@
               <a:t>'555-555-1234'</a:t>
             </a:r>
             <a:r>
-              <a:rPr sz="1800">
+              <a:rPr>
                 <a:latin typeface="Courier"/>
               </a:rPr>
               <a:t>,</a:t>
             </a:r>
             <a:br/>
             <a:r>
-              <a:rPr sz="1800">
+              <a:rPr>
                 <a:latin typeface="Courier"/>
               </a:rPr>
               <a:t>    </a:t>
             </a:r>
             <a:r>
-              <a:rPr sz="1800">
+              <a:rPr>
                 <a:solidFill>
                   <a:srgbClr val="4070A0"/>
                 </a:solidFill>
@@ -5478,13 +5478,13 @@
               <a:t>'Sue Storm'</a:t>
             </a:r>
             <a:r>
-              <a:rPr sz="1800">
+              <a:rPr>
                 <a:latin typeface="Courier"/>
               </a:rPr>
               <a:t>: </a:t>
             </a:r>
             <a:r>
-              <a:rPr sz="1800">
+              <a:rPr>
                 <a:solidFill>
                   <a:srgbClr val="4070A0"/>
                 </a:solidFill>
@@ -5494,14 +5494,14 @@
             </a:r>
             <a:br/>
             <a:r>
-              <a:rPr sz="1800">
+              <a:rPr>
                 <a:latin typeface="Courier"/>
               </a:rPr>
               <a:t>}</a:t>
             </a:r>
             <a:br/>
             <a:r>
-              <a:rPr sz="1800" b="1">
+              <a:rPr b="1">
                 <a:solidFill>
                   <a:srgbClr val="007020"/>
                 </a:solidFill>
@@ -5510,13 +5510,13 @@
               <a:t>for</a:t>
             </a:r>
             <a:r>
-              <a:rPr sz="1800">
+              <a:rPr>
                 <a:latin typeface="Courier"/>
               </a:rPr>
               <a:t> val </a:t>
             </a:r>
             <a:r>
-              <a:rPr sz="1800" b="1">
+              <a:rPr b="1">
                 <a:solidFill>
                   <a:srgbClr val="007020"/>
                 </a:solidFill>
@@ -5525,14 +5525,14 @@
               <a:t>in</a:t>
             </a:r>
             <a:r>
-              <a:rPr sz="1800">
+              <a:rPr>
                 <a:latin typeface="Courier"/>
               </a:rPr>
               <a:t> phone_book.values():</a:t>
             </a:r>
             <a:br/>
             <a:r>
-              <a:rPr sz="1800">
+              <a:rPr>
                 <a:latin typeface="Courier"/>
               </a:rPr>
               <a:t>    print(val)</a:t>
@@ -5608,17 +5608,17 @@
             </a:r>
           </a:p>
           <a:p>
-            <a:pPr lvl="0" marL="1270000" indent="0">
+            <a:pPr lvl="0" indent="0">
               <a:buNone/>
             </a:pPr>
             <a:r>
-              <a:rPr sz="1800">
+              <a:rPr>
                 <a:latin typeface="Courier"/>
               </a:rPr>
               <a:t>phone_book </a:t>
             </a:r>
             <a:r>
-              <a:rPr sz="1800">
+              <a:rPr>
                 <a:solidFill>
                   <a:srgbClr val="666666"/>
                 </a:solidFill>
@@ -5627,20 +5627,20 @@
               <a:t>=</a:t>
             </a:r>
             <a:r>
-              <a:rPr sz="1800">
+              <a:rPr>
                 <a:latin typeface="Courier"/>
               </a:rPr>
               <a:t> {</a:t>
             </a:r>
             <a:br/>
             <a:r>
-              <a:rPr sz="1800">
+              <a:rPr>
                 <a:latin typeface="Courier"/>
               </a:rPr>
               <a:t>    </a:t>
             </a:r>
             <a:r>
-              <a:rPr sz="1800">
+              <a:rPr>
                 <a:solidFill>
                   <a:srgbClr val="4070A0"/>
                 </a:solidFill>
@@ -5649,13 +5649,13 @@
               <a:t>'Bruce Banner'</a:t>
             </a:r>
             <a:r>
-              <a:rPr sz="1800">
+              <a:rPr>
                 <a:latin typeface="Courier"/>
               </a:rPr>
               <a:t>: </a:t>
             </a:r>
             <a:r>
-              <a:rPr sz="1800">
+              <a:rPr>
                 <a:solidFill>
                   <a:srgbClr val="4070A0"/>
                 </a:solidFill>
@@ -5664,20 +5664,20 @@
               <a:t>'555-555-1234'</a:t>
             </a:r>
             <a:r>
-              <a:rPr sz="1800">
+              <a:rPr>
                 <a:latin typeface="Courier"/>
               </a:rPr>
               <a:t>,</a:t>
             </a:r>
             <a:br/>
             <a:r>
-              <a:rPr sz="1800">
+              <a:rPr>
                 <a:latin typeface="Courier"/>
               </a:rPr>
               <a:t>    </a:t>
             </a:r>
             <a:r>
-              <a:rPr sz="1800">
+              <a:rPr>
                 <a:solidFill>
                   <a:srgbClr val="4070A0"/>
                 </a:solidFill>
@@ -5686,13 +5686,13 @@
               <a:t>'Sue Storm'</a:t>
             </a:r>
             <a:r>
-              <a:rPr sz="1800">
+              <a:rPr>
                 <a:latin typeface="Courier"/>
               </a:rPr>
               <a:t>: </a:t>
             </a:r>
             <a:r>
-              <a:rPr sz="1800">
+              <a:rPr>
                 <a:solidFill>
                   <a:srgbClr val="4070A0"/>
                 </a:solidFill>
@@ -5702,14 +5702,14 @@
             </a:r>
             <a:br/>
             <a:r>
-              <a:rPr sz="1800">
+              <a:rPr>
                 <a:latin typeface="Courier"/>
               </a:rPr>
               <a:t>}</a:t>
             </a:r>
             <a:br/>
             <a:r>
-              <a:rPr sz="1800" b="1">
+              <a:rPr b="1">
                 <a:solidFill>
                   <a:srgbClr val="007020"/>
                 </a:solidFill>
@@ -5718,13 +5718,13 @@
               <a:t>for</a:t>
             </a:r>
             <a:r>
-              <a:rPr sz="1800">
+              <a:rPr>
                 <a:latin typeface="Courier"/>
               </a:rPr>
               <a:t> key, val </a:t>
             </a:r>
             <a:r>
-              <a:rPr sz="1800" b="1">
+              <a:rPr b="1">
                 <a:solidFill>
                   <a:srgbClr val="007020"/>
                 </a:solidFill>
@@ -5733,14 +5733,14 @@
               <a:t>in</a:t>
             </a:r>
             <a:r>
-              <a:rPr sz="1800">
+              <a:rPr>
                 <a:latin typeface="Courier"/>
               </a:rPr>
               <a:t> phone_book.items():</a:t>
             </a:r>
             <a:br/>
             <a:r>
-              <a:rPr sz="1800">
+              <a:rPr>
                 <a:latin typeface="Courier"/>
               </a:rPr>
               <a:t>    print(key, val)</a:t>
@@ -5818,17 +5818,17 @@
             </a:r>
           </a:p>
           <a:p>
-            <a:pPr lvl="0" marL="1270000" indent="0">
+            <a:pPr lvl="0" indent="0">
               <a:buNone/>
             </a:pPr>
             <a:r>
-              <a:rPr sz="1800">
+              <a:rPr>
                 <a:latin typeface="Courier"/>
               </a:rPr>
               <a:t>phone_book[</a:t>
             </a:r>
             <a:r>
-              <a:rPr sz="1800">
+              <a:rPr>
                 <a:solidFill>
                   <a:srgbClr val="4070A0"/>
                 </a:solidFill>
@@ -5837,13 +5837,13 @@
               <a:t>'Bruce Banner'</a:t>
             </a:r>
             <a:r>
-              <a:rPr sz="1800">
+              <a:rPr>
                 <a:latin typeface="Courier"/>
               </a:rPr>
               <a:t>] </a:t>
             </a:r>
             <a:r>
-              <a:rPr sz="1800">
+              <a:rPr>
                 <a:solidFill>
                   <a:srgbClr val="666666"/>
                 </a:solidFill>
@@ -5852,13 +5852,13 @@
               <a:t>=</a:t>
             </a:r>
             <a:r>
-              <a:rPr sz="1800">
+              <a:rPr>
                 <a:latin typeface="Courier"/>
               </a:rPr>
               <a:t> </a:t>
             </a:r>
             <a:r>
-              <a:rPr sz="1800">
+              <a:rPr>
                 <a:solidFill>
                   <a:srgbClr val="4070A0"/>
                 </a:solidFill>
@@ -5949,17 +5949,17 @@
             </a:r>
           </a:p>
           <a:p>
-            <a:pPr lvl="0" marL="1270000" indent="0">
+            <a:pPr lvl="0" indent="0">
               <a:buNone/>
             </a:pPr>
             <a:r>
-              <a:rPr sz="1800">
+              <a:rPr>
                 <a:latin typeface="Courier"/>
               </a:rPr>
               <a:t>phone_book </a:t>
             </a:r>
             <a:r>
-              <a:rPr sz="1800">
+              <a:rPr>
                 <a:solidFill>
                   <a:srgbClr val="666666"/>
                 </a:solidFill>
@@ -5968,20 +5968,20 @@
               <a:t>=</a:t>
             </a:r>
             <a:r>
-              <a:rPr sz="1800">
+              <a:rPr>
                 <a:latin typeface="Courier"/>
               </a:rPr>
               <a:t> {</a:t>
             </a:r>
             <a:br/>
             <a:r>
-              <a:rPr sz="1800">
+              <a:rPr>
                 <a:latin typeface="Courier"/>
               </a:rPr>
               <a:t>    </a:t>
             </a:r>
             <a:r>
-              <a:rPr sz="1800">
+              <a:rPr>
                 <a:solidFill>
                   <a:srgbClr val="4070A0"/>
                 </a:solidFill>
@@ -5990,13 +5990,13 @@
               <a:t>'Bruce Banner'</a:t>
             </a:r>
             <a:r>
-              <a:rPr sz="1800">
+              <a:rPr>
                 <a:latin typeface="Courier"/>
               </a:rPr>
               <a:t>: </a:t>
             </a:r>
             <a:r>
-              <a:rPr sz="1800">
+              <a:rPr>
                 <a:solidFill>
                   <a:srgbClr val="4070A0"/>
                 </a:solidFill>
@@ -6005,20 +6005,20 @@
               <a:t>'555-555-1234'</a:t>
             </a:r>
             <a:r>
-              <a:rPr sz="1800">
+              <a:rPr>
                 <a:latin typeface="Courier"/>
               </a:rPr>
               <a:t>,</a:t>
             </a:r>
             <a:br/>
             <a:r>
-              <a:rPr sz="1800">
+              <a:rPr>
                 <a:latin typeface="Courier"/>
               </a:rPr>
               <a:t>    </a:t>
             </a:r>
             <a:r>
-              <a:rPr sz="1800">
+              <a:rPr>
                 <a:solidFill>
                   <a:srgbClr val="4070A0"/>
                 </a:solidFill>
@@ -6027,13 +6027,13 @@
               <a:t>'Sue Storm'</a:t>
             </a:r>
             <a:r>
-              <a:rPr sz="1800">
+              <a:rPr>
                 <a:latin typeface="Courier"/>
               </a:rPr>
               <a:t>: </a:t>
             </a:r>
             <a:r>
-              <a:rPr sz="1800">
+              <a:rPr>
                 <a:solidFill>
                   <a:srgbClr val="4070A0"/>
                 </a:solidFill>
@@ -6043,20 +6043,20 @@
             </a:r>
             <a:br/>
             <a:r>
-              <a:rPr sz="1800">
+              <a:rPr>
                 <a:latin typeface="Courier"/>
               </a:rPr>
               <a:t>}</a:t>
             </a:r>
             <a:br/>
             <a:r>
-              <a:rPr sz="1800">
+              <a:rPr>
                 <a:latin typeface="Courier"/>
               </a:rPr>
               <a:t>phone_book.pop(</a:t>
             </a:r>
             <a:r>
-              <a:rPr sz="1800">
+              <a:rPr>
                 <a:solidFill>
                   <a:srgbClr val="4070A0"/>
                 </a:solidFill>
@@ -6065,7 +6065,7 @@
               <a:t>'Bruce Banner'</a:t>
             </a:r>
             <a:r>
-              <a:rPr sz="1800">
+              <a:rPr>
                 <a:latin typeface="Courier"/>
               </a:rPr>
               <a:t>)</a:t>
@@ -6118,7 +6118,7 @@
             </a:pPr>
             <a:r>
               <a:rPr b="1"/>
-              <a:t>Strings again?</a:t>
+              <a:t>Strings revisited</a:t>
             </a:r>
           </a:p>
           <a:p>
@@ -6174,17 +6174,17 @@
           <a:bodyPr/>
           <a:lstStyle/>
           <a:p>
-            <a:pPr lvl="0" marL="1270000" indent="0">
+            <a:pPr lvl="0" indent="0">
               <a:buNone/>
             </a:pPr>
             <a:r>
-              <a:rPr sz="1800">
+              <a:rPr>
                 <a:latin typeface="Courier"/>
               </a:rPr>
               <a:t>energy </a:t>
             </a:r>
             <a:r>
-              <a:rPr sz="1800">
+              <a:rPr>
                 <a:solidFill>
                   <a:srgbClr val="666666"/>
                 </a:solidFill>
@@ -6193,20 +6193,20 @@
               <a:t>=</a:t>
             </a:r>
             <a:r>
-              <a:rPr sz="1800">
+              <a:rPr>
                 <a:latin typeface="Courier"/>
               </a:rPr>
               <a:t> {</a:t>
             </a:r>
             <a:br/>
             <a:r>
-              <a:rPr sz="1800">
+              <a:rPr>
                 <a:latin typeface="Courier"/>
               </a:rPr>
               <a:t>  </a:t>
             </a:r>
             <a:r>
-              <a:rPr sz="1800">
+              <a:rPr>
                 <a:solidFill>
                   <a:srgbClr val="4070A0"/>
                 </a:solidFill>
@@ -6215,20 +6215,20 @@
               <a:t>"Colorado"</a:t>
             </a:r>
             <a:r>
-              <a:rPr sz="1800">
+              <a:rPr>
                 <a:latin typeface="Courier"/>
               </a:rPr>
               <a:t>: {</a:t>
             </a:r>
             <a:br/>
             <a:r>
-              <a:rPr sz="1800">
+              <a:rPr>
                 <a:latin typeface="Courier"/>
               </a:rPr>
               <a:t>    </a:t>
             </a:r>
             <a:r>
-              <a:rPr sz="1800">
+              <a:rPr>
                 <a:solidFill>
                   <a:srgbClr val="4070A0"/>
                 </a:solidFill>
@@ -6237,13 +6237,13 @@
               <a:t>"solar"</a:t>
             </a:r>
             <a:r>
-              <a:rPr sz="1800">
+              <a:rPr>
                 <a:latin typeface="Courier"/>
               </a:rPr>
               <a:t>: </a:t>
             </a:r>
             <a:r>
-              <a:rPr sz="1800">
+              <a:rPr>
                 <a:solidFill>
                   <a:srgbClr val="40A070"/>
                 </a:solidFill>
@@ -6252,20 +6252,20 @@
               <a:t>16530.477</a:t>
             </a:r>
             <a:r>
-              <a:rPr sz="1800">
+              <a:rPr>
                 <a:latin typeface="Courier"/>
               </a:rPr>
               <a:t>,</a:t>
             </a:r>
             <a:br/>
             <a:r>
-              <a:rPr sz="1800">
+              <a:rPr>
                 <a:latin typeface="Courier"/>
               </a:rPr>
               <a:t>    </a:t>
             </a:r>
             <a:r>
-              <a:rPr sz="1800">
+              <a:rPr>
                 <a:solidFill>
                   <a:srgbClr val="4070A0"/>
                 </a:solidFill>
@@ -6274,13 +6274,13 @@
               <a:t>"wind"</a:t>
             </a:r>
             <a:r>
-              <a:rPr sz="1800">
+              <a:rPr>
                 <a:latin typeface="Courier"/>
               </a:rPr>
               <a:t>: </a:t>
             </a:r>
             <a:r>
-              <a:rPr sz="1800">
+              <a:rPr>
                 <a:solidFill>
                   <a:srgbClr val="40A070"/>
                 </a:solidFill>
@@ -6290,20 +6290,20 @@
             </a:r>
             <a:br/>
             <a:r>
-              <a:rPr sz="1800">
+              <a:rPr>
                 <a:latin typeface="Courier"/>
               </a:rPr>
               <a:t>  },</a:t>
             </a:r>
             <a:br/>
             <a:r>
-              <a:rPr sz="1800">
+              <a:rPr>
                 <a:latin typeface="Courier"/>
               </a:rPr>
               <a:t>  </a:t>
             </a:r>
             <a:r>
-              <a:rPr sz="1800">
+              <a:rPr>
                 <a:solidFill>
                   <a:srgbClr val="4070A0"/>
                 </a:solidFill>
@@ -6312,20 +6312,20 @@
               <a:t>"New Jersey"</a:t>
             </a:r>
             <a:r>
-              <a:rPr sz="1800">
+              <a:rPr>
                 <a:latin typeface="Courier"/>
               </a:rPr>
               <a:t>: {</a:t>
             </a:r>
             <a:br/>
             <a:r>
-              <a:rPr sz="1800">
+              <a:rPr>
                 <a:latin typeface="Courier"/>
               </a:rPr>
               <a:t>    </a:t>
             </a:r>
             <a:r>
-              <a:rPr sz="1800">
+              <a:rPr>
                 <a:solidFill>
                   <a:srgbClr val="4070A0"/>
                 </a:solidFill>
@@ -6334,13 +6334,13 @@
               <a:t>"solar"</a:t>
             </a:r>
             <a:r>
-              <a:rPr sz="1800">
+              <a:rPr>
                 <a:latin typeface="Courier"/>
               </a:rPr>
               <a:t>: </a:t>
             </a:r>
             <a:r>
-              <a:rPr sz="1800">
+              <a:rPr>
                 <a:solidFill>
                   <a:srgbClr val="40A070"/>
                 </a:solidFill>
@@ -6349,20 +6349,20 @@
               <a:t>2437.768</a:t>
             </a:r>
             <a:r>
-              <a:rPr sz="1800">
+              <a:rPr>
                 <a:latin typeface="Courier"/>
               </a:rPr>
               <a:t>,</a:t>
             </a:r>
             <a:br/>
             <a:r>
-              <a:rPr sz="1800">
+              <a:rPr>
                 <a:latin typeface="Courier"/>
               </a:rPr>
               <a:t>    </a:t>
             </a:r>
             <a:r>
-              <a:rPr sz="1800">
+              <a:rPr>
                 <a:solidFill>
                   <a:srgbClr val="4070A0"/>
                 </a:solidFill>
@@ -6371,13 +6371,13 @@
               <a:t>"wind"</a:t>
             </a:r>
             <a:r>
-              <a:rPr sz="1800">
+              <a:rPr>
                 <a:latin typeface="Courier"/>
               </a:rPr>
               <a:t>: </a:t>
             </a:r>
             <a:r>
-              <a:rPr sz="1800">
+              <a:rPr>
                 <a:solidFill>
                   <a:srgbClr val="40A070"/>
                 </a:solidFill>
@@ -6387,20 +6387,20 @@
             </a:r>
             <a:br/>
             <a:r>
-              <a:rPr sz="1800">
+              <a:rPr>
                 <a:latin typeface="Courier"/>
               </a:rPr>
               <a:t>  },</a:t>
             </a:r>
             <a:br/>
             <a:r>
-              <a:rPr sz="1800">
+              <a:rPr>
                 <a:latin typeface="Courier"/>
               </a:rPr>
               <a:t>  </a:t>
             </a:r>
             <a:r>
-              <a:rPr sz="1800">
+              <a:rPr>
                 <a:solidFill>
                   <a:srgbClr val="4070A0"/>
                 </a:solidFill>
@@ -6409,20 +6409,20 @@
               <a:t>"Washington"</a:t>
             </a:r>
             <a:r>
-              <a:rPr sz="1800">
+              <a:rPr>
                 <a:latin typeface="Courier"/>
               </a:rPr>
               <a:t>: {</a:t>
             </a:r>
             <a:br/>
             <a:r>
-              <a:rPr sz="1800">
+              <a:rPr>
                 <a:latin typeface="Courier"/>
               </a:rPr>
               <a:t>    </a:t>
             </a:r>
             <a:r>
-              <a:rPr sz="1800">
+              <a:rPr>
                 <a:solidFill>
                   <a:srgbClr val="4070A0"/>
                 </a:solidFill>
@@ -6431,13 +6431,13 @@
               <a:t>"solar"</a:t>
             </a:r>
             <a:r>
-              <a:rPr sz="1800">
+              <a:rPr>
                 <a:latin typeface="Courier"/>
               </a:rPr>
               <a:t>: </a:t>
             </a:r>
             <a:r>
-              <a:rPr sz="1800">
+              <a:rPr>
                 <a:solidFill>
                   <a:srgbClr val="40A070"/>
                 </a:solidFill>
@@ -6446,20 +6446,20 @@
               <a:t>0.0</a:t>
             </a:r>
             <a:r>
-              <a:rPr sz="1800">
+              <a:rPr>
                 <a:latin typeface="Courier"/>
               </a:rPr>
               <a:t>,</a:t>
             </a:r>
             <a:br/>
             <a:r>
-              <a:rPr sz="1800">
+              <a:rPr>
                 <a:latin typeface="Courier"/>
               </a:rPr>
               <a:t>    </a:t>
             </a:r>
             <a:r>
-              <a:rPr sz="1800">
+              <a:rPr>
                 <a:solidFill>
                   <a:srgbClr val="4070A0"/>
                 </a:solidFill>
@@ -6468,13 +6468,13 @@
               <a:t>"wind"</a:t>
             </a:r>
             <a:r>
-              <a:rPr sz="1800">
+              <a:rPr>
                 <a:latin typeface="Courier"/>
               </a:rPr>
               <a:t>: </a:t>
             </a:r>
             <a:r>
-              <a:rPr sz="1800">
+              <a:rPr>
                 <a:solidFill>
                   <a:srgbClr val="40A070"/>
                 </a:solidFill>
@@ -6484,27 +6484,27 @@
             </a:r>
             <a:br/>
             <a:r>
-              <a:rPr sz="1800">
+              <a:rPr>
                 <a:latin typeface="Courier"/>
               </a:rPr>
               <a:t>  }</a:t>
             </a:r>
             <a:br/>
             <a:r>
-              <a:rPr sz="1800">
+              <a:rPr>
                 <a:latin typeface="Courier"/>
               </a:rPr>
               <a:t>}</a:t>
             </a:r>
             <a:br/>
             <a:r>
-              <a:rPr sz="1800">
+              <a:rPr>
                 <a:latin typeface="Courier"/>
               </a:rPr>
               <a:t>print(energy[</a:t>
             </a:r>
             <a:r>
-              <a:rPr sz="1800">
+              <a:rPr>
                 <a:solidFill>
                   <a:srgbClr val="4070A0"/>
                 </a:solidFill>
@@ -6513,13 +6513,13 @@
               <a:t>'Washington'</a:t>
             </a:r>
             <a:r>
-              <a:rPr sz="1800">
+              <a:rPr>
                 <a:latin typeface="Courier"/>
               </a:rPr>
               <a:t>][</a:t>
             </a:r>
             <a:r>
-              <a:rPr sz="1800">
+              <a:rPr>
                 <a:solidFill>
                   <a:srgbClr val="4070A0"/>
                 </a:solidFill>
@@ -6528,7 +6528,7 @@
               <a:t>'wind'</a:t>
             </a:r>
             <a:r>
-              <a:rPr sz="1800">
+              <a:rPr>
                 <a:latin typeface="Courier"/>
               </a:rPr>
               <a:t>])</a:t>
@@ -6811,11 +6811,11 @@
             </a:r>
           </a:p>
           <a:p>
-            <a:pPr lvl="0" marL="1270000" indent="0">
+            <a:pPr lvl="0" indent="0">
               <a:buNone/>
             </a:pPr>
             <a:r>
-              <a:rPr sz="1800" b="1">
+              <a:rPr b="1">
                 <a:solidFill>
                   <a:srgbClr val="007020"/>
                 </a:solidFill>
@@ -6824,13 +6824,13 @@
               <a:t>for</a:t>
             </a:r>
             <a:r>
-              <a:rPr sz="1800">
+              <a:rPr>
                 <a:latin typeface="Courier"/>
               </a:rPr>
               <a:t> name, number </a:t>
             </a:r>
             <a:r>
-              <a:rPr sz="1800" b="1">
+              <a:rPr b="1">
                 <a:solidFill>
                   <a:srgbClr val="007020"/>
                 </a:solidFill>
@@ -6839,14 +6839,14 @@
               <a:t>in</a:t>
             </a:r>
             <a:r>
-              <a:rPr sz="1800">
+              <a:rPr>
                 <a:latin typeface="Courier"/>
               </a:rPr>
               <a:t> phone_book.items():</a:t>
             </a:r>
             <a:br/>
             <a:r>
-              <a:rPr sz="1800">
+              <a:rPr>
                 <a:latin typeface="Courier"/>
               </a:rPr>
               <a:t>    print(name, number)</a:t>
@@ -7122,11 +7122,11 @@
             </a:r>
           </a:p>
           <a:p>
-            <a:pPr lvl="0" marL="1270000" indent="0">
+            <a:pPr lvl="0" indent="0">
               <a:buNone/>
             </a:pPr>
             <a:r>
-              <a:rPr sz="1800">
+              <a:rPr>
                 <a:solidFill>
                   <a:srgbClr val="666666"/>
                 </a:solidFill>
@@ -7135,13 +7135,13 @@
               <a:t>&gt;&gt;&gt;</a:t>
             </a:r>
             <a:r>
-              <a:rPr sz="1800">
+              <a:rPr>
                 <a:latin typeface="Courier"/>
               </a:rPr>
               <a:t> s </a:t>
             </a:r>
             <a:r>
-              <a:rPr sz="1800">
+              <a:rPr>
                 <a:solidFill>
                   <a:srgbClr val="666666"/>
                 </a:solidFill>
@@ -7150,13 +7150,13 @@
               <a:t>=</a:t>
             </a:r>
             <a:r>
-              <a:rPr sz="1800">
+              <a:rPr>
                 <a:latin typeface="Courier"/>
               </a:rPr>
               <a:t> </a:t>
             </a:r>
             <a:r>
-              <a:rPr sz="1800">
+              <a:rPr>
                 <a:solidFill>
                   <a:srgbClr val="4070A0"/>
                 </a:solidFill>
@@ -7166,7 +7166,7 @@
             </a:r>
             <a:br/>
             <a:r>
-              <a:rPr sz="1800">
+              <a:rPr>
                 <a:solidFill>
                   <a:srgbClr val="666666"/>
                 </a:solidFill>
@@ -7175,14 +7175,14 @@
               <a:t>&gt;&gt;&gt;</a:t>
             </a:r>
             <a:r>
-              <a:rPr sz="1800">
+              <a:rPr>
                 <a:latin typeface="Courier"/>
               </a:rPr>
               <a:t> type(s)</a:t>
             </a:r>
             <a:br/>
             <a:r>
-              <a:rPr sz="1800">
+              <a:rPr>
                 <a:solidFill>
                   <a:srgbClr val="666666"/>
                 </a:solidFill>
@@ -7191,7 +7191,7 @@
               <a:t>&lt;</a:t>
             </a:r>
             <a:r>
-              <a:rPr sz="1800" b="1">
+              <a:rPr b="1">
                 <a:solidFill>
                   <a:srgbClr val="007020"/>
                 </a:solidFill>
@@ -7200,13 +7200,13 @@
               <a:t>class</a:t>
             </a:r>
             <a:r>
-              <a:rPr sz="1800">
+              <a:rPr>
                 <a:latin typeface="Courier"/>
               </a:rPr>
               <a:t> </a:t>
             </a:r>
             <a:r>
-              <a:rPr sz="1800">
+              <a:rPr>
                 <a:solidFill>
                   <a:srgbClr val="4070A0"/>
                 </a:solidFill>
@@ -7215,7 +7215,7 @@
               <a:t>'str'</a:t>
             </a:r>
             <a:r>
-              <a:rPr sz="1800">
+              <a:rPr>
                 <a:solidFill>
                   <a:srgbClr val="666666"/>
                 </a:solidFill>
@@ -7225,7 +7225,7 @@
             </a:r>
             <a:br/>
             <a:r>
-              <a:rPr sz="1800">
+              <a:rPr>
                 <a:solidFill>
                   <a:srgbClr val="666666"/>
                 </a:solidFill>
@@ -7234,21 +7234,21 @@
               <a:t>&gt;&gt;&gt;</a:t>
             </a:r>
             <a:r>
-              <a:rPr sz="1800">
+              <a:rPr>
                 <a:latin typeface="Courier"/>
               </a:rPr>
               <a:t> help(s)</a:t>
             </a:r>
             <a:br/>
             <a:r>
-              <a:rPr sz="1800">
+              <a:rPr>
                 <a:latin typeface="Courier"/>
               </a:rPr>
               <a:t>...</a:t>
             </a:r>
             <a:br/>
             <a:r>
-              <a:rPr sz="1800">
+              <a:rPr>
                 <a:solidFill>
                   <a:srgbClr val="666666"/>
                 </a:solidFill>
@@ -7257,14 +7257,14 @@
               <a:t>&gt;&gt;&gt;</a:t>
             </a:r>
             <a:r>
-              <a:rPr sz="1800">
+              <a:rPr>
                 <a:latin typeface="Courier"/>
               </a:rPr>
               <a:t> dir(s)</a:t>
             </a:r>
             <a:br/>
             <a:r>
-              <a:rPr sz="1800">
+              <a:rPr>
                 <a:latin typeface="Courier"/>
               </a:rPr>
               <a:t>...</a:t>
@@ -7503,17 +7503,17 @@
             </a:r>
           </a:p>
           <a:p>
-            <a:pPr lvl="0" marL="1270000" indent="0">
+            <a:pPr lvl="0" indent="0">
               <a:buNone/>
             </a:pPr>
             <a:r>
-              <a:rPr sz="1800">
+              <a:rPr>
                 <a:latin typeface="Courier"/>
               </a:rPr>
               <a:t>s </a:t>
             </a:r>
             <a:r>
-              <a:rPr sz="1800">
+              <a:rPr>
                 <a:solidFill>
                   <a:srgbClr val="666666"/>
                 </a:solidFill>
@@ -7522,13 +7522,13 @@
               <a:t>=</a:t>
             </a:r>
             <a:r>
-              <a:rPr sz="1800">
+              <a:rPr>
                 <a:latin typeface="Courier"/>
               </a:rPr>
               <a:t> </a:t>
             </a:r>
             <a:r>
-              <a:rPr sz="1800">
+              <a:rPr>
                 <a:solidFill>
                   <a:srgbClr val="4070A0"/>
                 </a:solidFill>
@@ -7653,11 +7653,11 @@
             </a:r>
           </a:p>
           <a:p>
-            <a:pPr lvl="0" marL="1270000" indent="0">
+            <a:pPr lvl="0" indent="0">
               <a:buNone/>
             </a:pPr>
             <a:r>
-              <a:rPr sz="1800">
+              <a:rPr>
                 <a:solidFill>
                   <a:srgbClr val="666666"/>
                 </a:solidFill>
@@ -7666,13 +7666,13 @@
               <a:t>&gt;&gt;&gt;</a:t>
             </a:r>
             <a:r>
-              <a:rPr sz="1800">
+              <a:rPr>
                 <a:latin typeface="Courier"/>
               </a:rPr>
               <a:t> x </a:t>
             </a:r>
             <a:r>
-              <a:rPr sz="1800">
+              <a:rPr>
                 <a:solidFill>
                   <a:srgbClr val="666666"/>
                 </a:solidFill>
@@ -7681,13 +7681,13 @@
               <a:t>=</a:t>
             </a:r>
             <a:r>
-              <a:rPr sz="1800">
+              <a:rPr>
                 <a:latin typeface="Courier"/>
               </a:rPr>
               <a:t> </a:t>
             </a:r>
             <a:r>
-              <a:rPr sz="1800">
+              <a:rPr>
                 <a:solidFill>
                   <a:srgbClr val="4070A0"/>
                 </a:solidFill>
@@ -7697,7 +7697,7 @@
             </a:r>
             <a:br/>
             <a:r>
-              <a:rPr sz="1800">
+              <a:rPr>
                 <a:solidFill>
                   <a:srgbClr val="666666"/>
                 </a:solidFill>
@@ -7706,13 +7706,13 @@
               <a:t>&gt;&gt;&gt;</a:t>
             </a:r>
             <a:r>
-              <a:rPr sz="1800">
+              <a:rPr>
                 <a:latin typeface="Courier"/>
               </a:rPr>
               <a:t> x[</a:t>
             </a:r>
             <a:r>
-              <a:rPr sz="1800">
+              <a:rPr>
                 <a:solidFill>
                   <a:srgbClr val="40A070"/>
                 </a:solidFill>
@@ -7721,7 +7721,7 @@
               <a:t>3</a:t>
             </a:r>
             <a:r>
-              <a:rPr sz="1800">
+              <a:rPr>
                 <a:latin typeface="Courier"/>
               </a:rPr>
               <a:t>]</a:t>

--- a/modules/module03/slides.pptx
+++ b/modules/module03/slides.pptx
@@ -339,7 +339,7 @@
           <a:p>
             <a:fld id="{241EB5C9-1307-BA42-ABA2-0BC069CD8E7F}" type="datetimeFigureOut">
               <a:rPr lang="en-US" smtClean="0"/>
-              <a:t>4/5/2019</a:t>
+              <a:t>2/17/2018</a:t>
             </a:fld>
             <a:endParaRPr lang="en-US"/>
           </a:p>
@@ -509,7 +509,7 @@
           <a:p>
             <a:fld id="{241EB5C9-1307-BA42-ABA2-0BC069CD8E7F}" type="datetimeFigureOut">
               <a:rPr lang="en-US" smtClean="0"/>
-              <a:t>4/5/2019</a:t>
+              <a:t>2/17/2018</a:t>
             </a:fld>
             <a:endParaRPr lang="en-US"/>
           </a:p>
@@ -689,7 +689,7 @@
           <a:p>
             <a:fld id="{241EB5C9-1307-BA42-ABA2-0BC069CD8E7F}" type="datetimeFigureOut">
               <a:rPr lang="en-US" smtClean="0"/>
-              <a:t>4/5/2019</a:t>
+              <a:t>2/17/2018</a:t>
             </a:fld>
             <a:endParaRPr lang="en-US"/>
           </a:p>
@@ -859,7 +859,7 @@
           <a:p>
             <a:fld id="{241EB5C9-1307-BA42-ABA2-0BC069CD8E7F}" type="datetimeFigureOut">
               <a:rPr lang="en-US" smtClean="0"/>
-              <a:t>4/5/2019</a:t>
+              <a:t>2/17/2018</a:t>
             </a:fld>
             <a:endParaRPr lang="en-US"/>
           </a:p>
@@ -1105,7 +1105,7 @@
           <a:p>
             <a:fld id="{241EB5C9-1307-BA42-ABA2-0BC069CD8E7F}" type="datetimeFigureOut">
               <a:rPr lang="en-US" smtClean="0"/>
-              <a:t>4/5/2019</a:t>
+              <a:t>2/17/2018</a:t>
             </a:fld>
             <a:endParaRPr lang="en-US"/>
           </a:p>
@@ -1393,7 +1393,7 @@
           <a:p>
             <a:fld id="{241EB5C9-1307-BA42-ABA2-0BC069CD8E7F}" type="datetimeFigureOut">
               <a:rPr lang="en-US" smtClean="0"/>
-              <a:t>4/5/2019</a:t>
+              <a:t>2/17/2018</a:t>
             </a:fld>
             <a:endParaRPr lang="en-US"/>
           </a:p>
@@ -1815,7 +1815,7 @@
           <a:p>
             <a:fld id="{241EB5C9-1307-BA42-ABA2-0BC069CD8E7F}" type="datetimeFigureOut">
               <a:rPr lang="en-US" smtClean="0"/>
-              <a:t>4/5/2019</a:t>
+              <a:t>2/17/2018</a:t>
             </a:fld>
             <a:endParaRPr lang="en-US"/>
           </a:p>
@@ -1933,7 +1933,7 @@
           <a:p>
             <a:fld id="{241EB5C9-1307-BA42-ABA2-0BC069CD8E7F}" type="datetimeFigureOut">
               <a:rPr lang="en-US" smtClean="0"/>
-              <a:t>4/5/2019</a:t>
+              <a:t>2/17/2018</a:t>
             </a:fld>
             <a:endParaRPr lang="en-US"/>
           </a:p>
@@ -2028,7 +2028,7 @@
           <a:p>
             <a:fld id="{241EB5C9-1307-BA42-ABA2-0BC069CD8E7F}" type="datetimeFigureOut">
               <a:rPr lang="en-US" smtClean="0"/>
-              <a:t>4/5/2019</a:t>
+              <a:t>2/17/2018</a:t>
             </a:fld>
             <a:endParaRPr lang="en-US"/>
           </a:p>
@@ -2305,7 +2305,7 @@
           <a:p>
             <a:fld id="{241EB5C9-1307-BA42-ABA2-0BC069CD8E7F}" type="datetimeFigureOut">
               <a:rPr lang="en-US" smtClean="0"/>
-              <a:t>4/5/2019</a:t>
+              <a:t>2/17/2018</a:t>
             </a:fld>
             <a:endParaRPr lang="en-US"/>
           </a:p>
@@ -2558,7 +2558,7 @@
           <a:p>
             <a:fld id="{241EB5C9-1307-BA42-ABA2-0BC069CD8E7F}" type="datetimeFigureOut">
               <a:rPr lang="en-US" smtClean="0"/>
-              <a:t>4/5/2019</a:t>
+              <a:t>2/17/2018</a:t>
             </a:fld>
             <a:endParaRPr lang="en-US"/>
           </a:p>
@@ -2771,7 +2771,7 @@
           <a:p>
             <a:fld id="{241EB5C9-1307-BA42-ABA2-0BC069CD8E7F}" type="datetimeFigureOut">
               <a:rPr lang="en-US" smtClean="0"/>
-              <a:t>4/5/2019</a:t>
+              <a:t>2/17/2018</a:t>
             </a:fld>
             <a:endParaRPr lang="en-US"/>
           </a:p>
@@ -3311,11 +3311,11 @@
             </a:r>
           </a:p>
           <a:p>
-            <a:pPr lvl="0" indent="0">
+            <a:pPr lvl="0" marL="1270000" indent="0">
               <a:buNone/>
             </a:pPr>
             <a:r>
-              <a:rPr>
+              <a:rPr sz="1800">
                 <a:solidFill>
                   <a:srgbClr val="666666"/>
                 </a:solidFill>
@@ -3324,13 +3324,13 @@
               <a:t>&gt;&gt;&gt;</a:t>
             </a:r>
             <a:r>
-              <a:rPr>
+              <a:rPr sz="1800">
                 <a:latin typeface="Courier"/>
               </a:rPr>
               <a:t> lyric </a:t>
             </a:r>
             <a:r>
-              <a:rPr>
+              <a:rPr sz="1800">
                 <a:solidFill>
                   <a:srgbClr val="666666"/>
                 </a:solidFill>
@@ -3339,13 +3339,13 @@
               <a:t>=</a:t>
             </a:r>
             <a:r>
-              <a:rPr>
+              <a:rPr sz="1800">
                 <a:latin typeface="Courier"/>
               </a:rPr>
               <a:t> </a:t>
             </a:r>
             <a:r>
-              <a:rPr>
+              <a:rPr sz="1800">
                 <a:solidFill>
                   <a:srgbClr val="4070A0"/>
                 </a:solidFill>
@@ -3355,7 +3355,7 @@
             </a:r>
             <a:br/>
             <a:r>
-              <a:rPr>
+              <a:rPr sz="1800">
                 <a:solidFill>
                   <a:srgbClr val="666666"/>
                 </a:solidFill>
@@ -3364,13 +3364,13 @@
               <a:t>&gt;&gt;&gt;</a:t>
             </a:r>
             <a:r>
-              <a:rPr>
+              <a:rPr sz="1800">
                 <a:latin typeface="Courier"/>
               </a:rPr>
               <a:t> lyric[</a:t>
             </a:r>
             <a:r>
-              <a:rPr>
+              <a:rPr sz="1800">
                 <a:solidFill>
                   <a:srgbClr val="40A070"/>
                 </a:solidFill>
@@ -3379,13 +3379,13 @@
               <a:t>12</a:t>
             </a:r>
             <a:r>
-              <a:rPr>
+              <a:rPr sz="1800">
                 <a:latin typeface="Courier"/>
               </a:rPr>
               <a:t>:</a:t>
             </a:r>
             <a:r>
-              <a:rPr>
+              <a:rPr sz="1800">
                 <a:solidFill>
                   <a:srgbClr val="40A070"/>
                 </a:solidFill>
@@ -3394,7 +3394,7 @@
               <a:t>17</a:t>
             </a:r>
             <a:r>
-              <a:rPr>
+              <a:rPr sz="1800">
                 <a:latin typeface="Courier"/>
               </a:rPr>
               <a:t>]</a:t>
@@ -3482,11 +3482,11 @@
             </a:r>
           </a:p>
           <a:p>
-            <a:pPr lvl="0" indent="0">
+            <a:pPr lvl="0" marL="1270000" indent="0">
               <a:buNone/>
             </a:pPr>
             <a:r>
-              <a:rPr>
+              <a:rPr sz="1800">
                 <a:solidFill>
                   <a:srgbClr val="666666"/>
                 </a:solidFill>
@@ -3495,13 +3495,13 @@
               <a:t>&gt;&gt;&gt;</a:t>
             </a:r>
             <a:r>
-              <a:rPr>
+              <a:rPr sz="1800">
                 <a:latin typeface="Courier"/>
               </a:rPr>
               <a:t> x </a:t>
             </a:r>
             <a:r>
-              <a:rPr>
+              <a:rPr sz="1800">
                 <a:solidFill>
                   <a:srgbClr val="666666"/>
                 </a:solidFill>
@@ -3510,13 +3510,13 @@
               <a:t>=</a:t>
             </a:r>
             <a:r>
-              <a:rPr>
+              <a:rPr sz="1800">
                 <a:latin typeface="Courier"/>
               </a:rPr>
               <a:t> </a:t>
             </a:r>
             <a:r>
-              <a:rPr>
+              <a:rPr sz="1800">
                 <a:solidFill>
                   <a:srgbClr val="4070A0"/>
                 </a:solidFill>
@@ -3526,7 +3526,7 @@
             </a:r>
             <a:br/>
             <a:r>
-              <a:rPr>
+              <a:rPr sz="1800">
                 <a:solidFill>
                   <a:srgbClr val="666666"/>
                 </a:solidFill>
@@ -3535,13 +3535,13 @@
               <a:t>&gt;&gt;&gt;</a:t>
             </a:r>
             <a:r>
-              <a:rPr>
+              <a:rPr sz="1800">
                 <a:latin typeface="Courier"/>
               </a:rPr>
               <a:t> x </a:t>
             </a:r>
             <a:r>
-              <a:rPr>
+              <a:rPr sz="1800">
                 <a:solidFill>
                   <a:srgbClr val="666666"/>
                 </a:solidFill>
@@ -3550,23 +3550,23 @@
               <a:t>=</a:t>
             </a:r>
             <a:r>
-              <a:rPr>
+              <a:rPr sz="1800">
                 <a:latin typeface="Courier"/>
               </a:rPr>
               <a:t> x.upper()  </a:t>
             </a:r>
             <a:r>
-              <a:rPr i="1">
+              <a:rPr sz="1800" i="1">
                 <a:solidFill>
                   <a:srgbClr val="60A0B0"/>
                 </a:solidFill>
                 <a:latin typeface="Courier"/>
               </a:rPr>
-              <a:t># reassigns x</a:t>
+              <a:t># reassigns x </a:t>
             </a:r>
             <a:br/>
             <a:r>
-              <a:rPr>
+              <a:rPr sz="1800">
                 <a:solidFill>
                   <a:srgbClr val="666666"/>
                 </a:solidFill>
@@ -3575,7 +3575,7 @@
               <a:t>&gt;&gt;&gt;</a:t>
             </a:r>
             <a:r>
-              <a:rPr>
+              <a:rPr sz="1800">
                 <a:latin typeface="Courier"/>
               </a:rPr>
               <a:t> print(x)</a:t>
@@ -4047,7 +4047,7 @@
               <a:t>Like strings, elements can be accessed by index position: </a:t>
             </a:r>
             <a:r>
-              <a:rPr>
+              <a:rPr sz="1800">
                 <a:latin typeface="Courier"/>
               </a:rPr>
               <a:t>my_list[2]</a:t>
@@ -4060,7 +4060,7 @@
               <a:t>Like strings, lists can be sliced: </a:t>
             </a:r>
             <a:r>
-              <a:rPr>
+              <a:rPr sz="1800">
                 <a:latin typeface="Courier"/>
               </a:rPr>
               <a:t>my_list[2:5]</a:t>
@@ -4081,7 +4081,7 @@
               <a:t> to find out how many elements are in a list: </a:t>
             </a:r>
             <a:r>
-              <a:rPr>
+              <a:rPr sz="1800">
                 <a:latin typeface="Courier"/>
               </a:rPr>
               <a:t>len(my_list)</a:t>
@@ -4155,17 +4155,17 @@
             </a:r>
           </a:p>
           <a:p>
-            <a:pPr lvl="0" indent="0">
+            <a:pPr lvl="0" marL="1270000" indent="0">
               <a:buNone/>
             </a:pPr>
             <a:r>
-              <a:rPr>
+              <a:rPr sz="1800">
                 <a:latin typeface="Courier"/>
               </a:rPr>
               <a:t>colors </a:t>
             </a:r>
             <a:r>
-              <a:rPr>
+              <a:rPr sz="1800">
                 <a:solidFill>
                   <a:srgbClr val="666666"/>
                 </a:solidFill>
@@ -4174,13 +4174,13 @@
               <a:t>=</a:t>
             </a:r>
             <a:r>
-              <a:rPr>
+              <a:rPr sz="1800">
                 <a:latin typeface="Courier"/>
               </a:rPr>
               <a:t> [</a:t>
             </a:r>
             <a:r>
-              <a:rPr>
+              <a:rPr sz="1800">
                 <a:solidFill>
                   <a:srgbClr val="4070A0"/>
                 </a:solidFill>
@@ -4189,13 +4189,13 @@
               <a:t>"red"</a:t>
             </a:r>
             <a:r>
-              <a:rPr>
+              <a:rPr sz="1800">
                 <a:latin typeface="Courier"/>
               </a:rPr>
               <a:t>, </a:t>
             </a:r>
             <a:r>
-              <a:rPr>
+              <a:rPr sz="1800">
                 <a:solidFill>
                   <a:srgbClr val="4070A0"/>
                 </a:solidFill>
@@ -4204,13 +4204,13 @@
               <a:t>"green"</a:t>
             </a:r>
             <a:r>
-              <a:rPr>
+              <a:rPr sz="1800">
                 <a:latin typeface="Courier"/>
               </a:rPr>
               <a:t>, </a:t>
             </a:r>
             <a:r>
-              <a:rPr>
+              <a:rPr sz="1800">
                 <a:solidFill>
                   <a:srgbClr val="4070A0"/>
                 </a:solidFill>
@@ -4219,13 +4219,13 @@
               <a:t>"blue"</a:t>
             </a:r>
             <a:r>
-              <a:rPr>
+              <a:rPr sz="1800">
                 <a:latin typeface="Courier"/>
               </a:rPr>
               <a:t>, </a:t>
             </a:r>
             <a:r>
-              <a:rPr>
+              <a:rPr sz="1800">
                 <a:solidFill>
                   <a:srgbClr val="4070A0"/>
                 </a:solidFill>
@@ -4234,14 +4234,14 @@
               <a:t>"black"</a:t>
             </a:r>
             <a:r>
-              <a:rPr>
+              <a:rPr sz="1800">
                 <a:latin typeface="Courier"/>
               </a:rPr>
               <a:t>]</a:t>
             </a:r>
             <a:br/>
             <a:r>
-              <a:rPr b="1">
+              <a:rPr sz="1800" b="1">
                 <a:solidFill>
                   <a:srgbClr val="007020"/>
                 </a:solidFill>
@@ -4250,13 +4250,13 @@
               <a:t>for</a:t>
             </a:r>
             <a:r>
-              <a:rPr>
+              <a:rPr sz="1800">
                 <a:latin typeface="Courier"/>
               </a:rPr>
               <a:t> color </a:t>
             </a:r>
             <a:r>
-              <a:rPr b="1">
+              <a:rPr sz="1800" b="1">
                 <a:solidFill>
                   <a:srgbClr val="007020"/>
                 </a:solidFill>
@@ -4265,25 +4265,25 @@
               <a:t>in</a:t>
             </a:r>
             <a:r>
-              <a:rPr>
+              <a:rPr sz="1800">
                 <a:latin typeface="Courier"/>
               </a:rPr>
               <a:t> colors:</a:t>
             </a:r>
             <a:br/>
             <a:r>
-              <a:rPr>
+              <a:rPr sz="1800">
                 <a:latin typeface="Courier"/>
               </a:rPr>
               <a:t>    print(color)</a:t>
             </a:r>
           </a:p>
           <a:p>
-            <a:pPr lvl="0" indent="0">
+            <a:pPr lvl="0" marL="1270000" indent="0">
               <a:buNone/>
             </a:pPr>
             <a:r>
-              <a:rPr>
+              <a:rPr sz="1800">
                 <a:latin typeface="Courier"/>
               </a:rPr>
               <a:t>red
@@ -4357,17 +4357,17 @@
             </a:r>
           </a:p>
           <a:p>
-            <a:pPr lvl="0" indent="0">
+            <a:pPr lvl="0" marL="1270000" indent="0">
               <a:buNone/>
             </a:pPr>
             <a:r>
-              <a:rPr>
+              <a:rPr sz="1800">
                 <a:latin typeface="Courier"/>
               </a:rPr>
               <a:t>x </a:t>
             </a:r>
             <a:r>
-              <a:rPr>
+              <a:rPr sz="1800">
                 <a:solidFill>
                   <a:srgbClr val="666666"/>
                 </a:solidFill>
@@ -4376,13 +4376,13 @@
               <a:t>=</a:t>
             </a:r>
             <a:r>
-              <a:rPr>
+              <a:rPr sz="1800">
                 <a:latin typeface="Courier"/>
               </a:rPr>
               <a:t> [</a:t>
             </a:r>
             <a:r>
-              <a:rPr>
+              <a:rPr sz="1800">
                 <a:solidFill>
                   <a:srgbClr val="4070A0"/>
                 </a:solidFill>
@@ -4391,13 +4391,13 @@
               <a:t>'hello'</a:t>
             </a:r>
             <a:r>
-              <a:rPr>
+              <a:rPr sz="1800">
                 <a:latin typeface="Courier"/>
               </a:rPr>
               <a:t>, </a:t>
             </a:r>
             <a:r>
-              <a:rPr>
+              <a:rPr sz="1800">
                 <a:solidFill>
                   <a:srgbClr val="4070A0"/>
                 </a:solidFill>
@@ -4406,20 +4406,20 @@
               <a:t>'world'</a:t>
             </a:r>
             <a:r>
-              <a:rPr>
+              <a:rPr sz="1800">
                 <a:latin typeface="Courier"/>
               </a:rPr>
               <a:t>]</a:t>
             </a:r>
             <a:br/>
             <a:r>
-              <a:rPr>
+              <a:rPr sz="1800">
                 <a:latin typeface="Courier"/>
               </a:rPr>
               <a:t>x[</a:t>
             </a:r>
             <a:r>
-              <a:rPr>
+              <a:rPr sz="1800">
                 <a:solidFill>
                   <a:srgbClr val="40A070"/>
                 </a:solidFill>
@@ -4428,13 +4428,13 @@
               <a:t>1</a:t>
             </a:r>
             <a:r>
-              <a:rPr>
+              <a:rPr sz="1800">
                 <a:latin typeface="Courier"/>
               </a:rPr>
               <a:t>] </a:t>
             </a:r>
             <a:r>
-              <a:rPr>
+              <a:rPr sz="1800">
                 <a:solidFill>
                   <a:srgbClr val="666666"/>
                 </a:solidFill>
@@ -4443,13 +4443,13 @@
               <a:t>=</a:t>
             </a:r>
             <a:r>
-              <a:rPr>
+              <a:rPr sz="1800">
                 <a:latin typeface="Courier"/>
               </a:rPr>
               <a:t> </a:t>
             </a:r>
             <a:r>
-              <a:rPr>
+              <a:rPr sz="1800">
                 <a:solidFill>
                   <a:srgbClr val="4070A0"/>
                 </a:solidFill>
@@ -4459,7 +4459,7 @@
             </a:r>
             <a:br/>
             <a:r>
-              <a:rPr>
+              <a:rPr sz="1800">
                 <a:latin typeface="Courier"/>
               </a:rPr>
               <a:t>print(x)</a:t>
@@ -4521,14 +4521,14 @@
             </a:pPr>
             <a:r>
               <a:rPr b="1"/>
-              <a:t>Connecting the Building Blocks</a:t>
+              <a:t>From atoms to molecules</a:t>
             </a:r>
           </a:p>
           <a:p>
             <a:pPr lvl="1"/>
             <a:r>
               <a:rPr/>
-              <a:t>We have already introduced some of the basic building blocks of data (integers, floats, Booleans, strings)</a:t>
+              <a:t>We have already introduced some of the basic building blocks of data (integers, floats, booleans, strings)</a:t>
             </a:r>
           </a:p>
           <a:p>
@@ -4803,17 +4803,17 @@
             </a:r>
           </a:p>
           <a:p>
-            <a:pPr lvl="0" indent="0">
+            <a:pPr lvl="0" marL="1270000" indent="0">
               <a:buNone/>
             </a:pPr>
             <a:r>
-              <a:rPr>
+              <a:rPr sz="1800">
                 <a:latin typeface="Courier"/>
               </a:rPr>
               <a:t>my_dictionary </a:t>
             </a:r>
             <a:r>
-              <a:rPr>
+              <a:rPr sz="1800">
                 <a:solidFill>
                   <a:srgbClr val="666666"/>
                 </a:solidFill>
@@ -4822,20 +4822,20 @@
               <a:t>=</a:t>
             </a:r>
             <a:r>
-              <a:rPr>
+              <a:rPr sz="1800">
                 <a:latin typeface="Courier"/>
               </a:rPr>
               <a:t> dict()</a:t>
             </a:r>
             <a:br/>
             <a:r>
-              <a:rPr>
+              <a:rPr sz="1800">
                 <a:latin typeface="Courier"/>
               </a:rPr>
               <a:t>my_dictionary </a:t>
             </a:r>
             <a:r>
-              <a:rPr>
+              <a:rPr sz="1800">
                 <a:solidFill>
                   <a:srgbClr val="666666"/>
                 </a:solidFill>
@@ -4844,20 +4844,20 @@
               <a:t>=</a:t>
             </a:r>
             <a:r>
-              <a:rPr>
+              <a:rPr sz="1800">
                 <a:latin typeface="Courier"/>
               </a:rPr>
               <a:t> {}</a:t>
             </a:r>
             <a:br/>
             <a:r>
-              <a:rPr>
+              <a:rPr sz="1800">
                 <a:latin typeface="Courier"/>
               </a:rPr>
               <a:t>phone_book </a:t>
             </a:r>
             <a:r>
-              <a:rPr>
+              <a:rPr sz="1800">
                 <a:solidFill>
                   <a:srgbClr val="666666"/>
                 </a:solidFill>
@@ -4866,20 +4866,20 @@
               <a:t>=</a:t>
             </a:r>
             <a:r>
-              <a:rPr>
+              <a:rPr sz="1800">
                 <a:latin typeface="Courier"/>
               </a:rPr>
               <a:t> {</a:t>
             </a:r>
             <a:br/>
             <a:r>
-              <a:rPr>
+              <a:rPr sz="1800">
                 <a:latin typeface="Courier"/>
               </a:rPr>
               <a:t>    </a:t>
             </a:r>
             <a:r>
-              <a:rPr>
+              <a:rPr sz="1800">
                 <a:solidFill>
                   <a:srgbClr val="4070A0"/>
                 </a:solidFill>
@@ -4888,13 +4888,13 @@
               <a:t>'Bruce Banner'</a:t>
             </a:r>
             <a:r>
-              <a:rPr>
+              <a:rPr sz="1800">
                 <a:latin typeface="Courier"/>
               </a:rPr>
               <a:t>: </a:t>
             </a:r>
             <a:r>
-              <a:rPr>
+              <a:rPr sz="1800">
                 <a:solidFill>
                   <a:srgbClr val="4070A0"/>
                 </a:solidFill>
@@ -4903,20 +4903,20 @@
               <a:t>'555-555-1234'</a:t>
             </a:r>
             <a:r>
-              <a:rPr>
+              <a:rPr sz="1800">
                 <a:latin typeface="Courier"/>
               </a:rPr>
               <a:t>,</a:t>
             </a:r>
             <a:br/>
             <a:r>
-              <a:rPr>
+              <a:rPr sz="1800">
                 <a:latin typeface="Courier"/>
               </a:rPr>
               <a:t>    </a:t>
             </a:r>
             <a:r>
-              <a:rPr>
+              <a:rPr sz="1800">
                 <a:solidFill>
                   <a:srgbClr val="4070A0"/>
                 </a:solidFill>
@@ -4925,13 +4925,13 @@
               <a:t>'Sue Storm'</a:t>
             </a:r>
             <a:r>
-              <a:rPr>
+              <a:rPr sz="1800">
                 <a:latin typeface="Courier"/>
               </a:rPr>
               <a:t>: </a:t>
             </a:r>
             <a:r>
-              <a:rPr>
+              <a:rPr sz="1800">
                 <a:solidFill>
                   <a:srgbClr val="4070A0"/>
                 </a:solidFill>
@@ -4941,7 +4941,7 @@
             </a:r>
             <a:br/>
             <a:r>
-              <a:rPr>
+              <a:rPr sz="1800">
                 <a:latin typeface="Courier"/>
               </a:rPr>
               <a:t>}</a:t>
@@ -5005,17 +5005,17 @@
             </a:r>
           </a:p>
           <a:p>
-            <a:pPr lvl="0" indent="0">
+            <a:pPr lvl="0" marL="1270000" indent="0">
               <a:buNone/>
             </a:pPr>
             <a:r>
-              <a:rPr>
+              <a:rPr sz="1800">
                 <a:latin typeface="Courier"/>
               </a:rPr>
               <a:t>phone_book </a:t>
             </a:r>
             <a:r>
-              <a:rPr>
+              <a:rPr sz="1800">
                 <a:solidFill>
                   <a:srgbClr val="666666"/>
                 </a:solidFill>
@@ -5024,20 +5024,20 @@
               <a:t>=</a:t>
             </a:r>
             <a:r>
-              <a:rPr>
+              <a:rPr sz="1800">
                 <a:latin typeface="Courier"/>
               </a:rPr>
               <a:t> {</a:t>
             </a:r>
             <a:br/>
             <a:r>
-              <a:rPr>
+              <a:rPr sz="1800">
                 <a:latin typeface="Courier"/>
               </a:rPr>
               <a:t>    </a:t>
             </a:r>
             <a:r>
-              <a:rPr>
+              <a:rPr sz="1800">
                 <a:solidFill>
                   <a:srgbClr val="4070A0"/>
                 </a:solidFill>
@@ -5046,13 +5046,13 @@
               <a:t>'Bruce Banner'</a:t>
             </a:r>
             <a:r>
-              <a:rPr>
+              <a:rPr sz="1800">
                 <a:latin typeface="Courier"/>
               </a:rPr>
               <a:t>: </a:t>
             </a:r>
             <a:r>
-              <a:rPr>
+              <a:rPr sz="1800">
                 <a:solidFill>
                   <a:srgbClr val="4070A0"/>
                 </a:solidFill>
@@ -5061,20 +5061,20 @@
               <a:t>'555-555-1234'</a:t>
             </a:r>
             <a:r>
-              <a:rPr>
+              <a:rPr sz="1800">
                 <a:latin typeface="Courier"/>
               </a:rPr>
               <a:t>,</a:t>
             </a:r>
             <a:br/>
             <a:r>
-              <a:rPr>
+              <a:rPr sz="1800">
                 <a:latin typeface="Courier"/>
               </a:rPr>
               <a:t>    </a:t>
             </a:r>
             <a:r>
-              <a:rPr>
+              <a:rPr sz="1800">
                 <a:solidFill>
                   <a:srgbClr val="4070A0"/>
                 </a:solidFill>
@@ -5083,13 +5083,13 @@
               <a:t>'Sue Storm'</a:t>
             </a:r>
             <a:r>
-              <a:rPr>
+              <a:rPr sz="1800">
                 <a:latin typeface="Courier"/>
               </a:rPr>
               <a:t>: </a:t>
             </a:r>
             <a:r>
-              <a:rPr>
+              <a:rPr sz="1800">
                 <a:solidFill>
                   <a:srgbClr val="4070A0"/>
                 </a:solidFill>
@@ -5099,20 +5099,20 @@
             </a:r>
             <a:br/>
             <a:r>
-              <a:rPr>
+              <a:rPr sz="1800">
                 <a:latin typeface="Courier"/>
               </a:rPr>
               <a:t>}</a:t>
             </a:r>
             <a:br/>
             <a:r>
-              <a:rPr>
+              <a:rPr sz="1800">
                 <a:latin typeface="Courier"/>
               </a:rPr>
               <a:t>print(phone_book[</a:t>
             </a:r>
             <a:r>
-              <a:rPr>
+              <a:rPr sz="1800">
                 <a:solidFill>
                   <a:srgbClr val="4070A0"/>
                 </a:solidFill>
@@ -5121,7 +5121,7 @@
               <a:t>'Bruce Banner'</a:t>
             </a:r>
             <a:r>
-              <a:rPr>
+              <a:rPr sz="1800">
                 <a:latin typeface="Courier"/>
               </a:rPr>
               <a:t>])</a:t>
@@ -5192,17 +5192,17 @@
             </a:r>
           </a:p>
           <a:p>
-            <a:pPr lvl="0" indent="0">
+            <a:pPr lvl="0" marL="1270000" indent="0">
               <a:buNone/>
             </a:pPr>
             <a:r>
-              <a:rPr>
+              <a:rPr sz="1800">
                 <a:latin typeface="Courier"/>
               </a:rPr>
               <a:t>phone_book </a:t>
             </a:r>
             <a:r>
-              <a:rPr>
+              <a:rPr sz="1800">
                 <a:solidFill>
                   <a:srgbClr val="666666"/>
                 </a:solidFill>
@@ -5211,20 +5211,20 @@
               <a:t>=</a:t>
             </a:r>
             <a:r>
-              <a:rPr>
+              <a:rPr sz="1800">
                 <a:latin typeface="Courier"/>
               </a:rPr>
               <a:t> {</a:t>
             </a:r>
             <a:br/>
             <a:r>
-              <a:rPr>
+              <a:rPr sz="1800">
                 <a:latin typeface="Courier"/>
               </a:rPr>
               <a:t>    </a:t>
             </a:r>
             <a:r>
-              <a:rPr>
+              <a:rPr sz="1800">
                 <a:solidFill>
                   <a:srgbClr val="4070A0"/>
                 </a:solidFill>
@@ -5233,13 +5233,13 @@
               <a:t>'Bruce Banner'</a:t>
             </a:r>
             <a:r>
-              <a:rPr>
+              <a:rPr sz="1800">
                 <a:latin typeface="Courier"/>
               </a:rPr>
               <a:t>: </a:t>
             </a:r>
             <a:r>
-              <a:rPr>
+              <a:rPr sz="1800">
                 <a:solidFill>
                   <a:srgbClr val="4070A0"/>
                 </a:solidFill>
@@ -5248,20 +5248,20 @@
               <a:t>'555-555-1234'</a:t>
             </a:r>
             <a:r>
-              <a:rPr>
+              <a:rPr sz="1800">
                 <a:latin typeface="Courier"/>
               </a:rPr>
               <a:t>,</a:t>
             </a:r>
             <a:br/>
             <a:r>
-              <a:rPr>
+              <a:rPr sz="1800">
                 <a:latin typeface="Courier"/>
               </a:rPr>
               <a:t>    </a:t>
             </a:r>
             <a:r>
-              <a:rPr>
+              <a:rPr sz="1800">
                 <a:solidFill>
                   <a:srgbClr val="4070A0"/>
                 </a:solidFill>
@@ -5270,13 +5270,13 @@
               <a:t>'Sue Storm'</a:t>
             </a:r>
             <a:r>
-              <a:rPr>
+              <a:rPr sz="1800">
                 <a:latin typeface="Courier"/>
               </a:rPr>
               <a:t>: </a:t>
             </a:r>
             <a:r>
-              <a:rPr>
+              <a:rPr sz="1800">
                 <a:solidFill>
                   <a:srgbClr val="4070A0"/>
                 </a:solidFill>
@@ -5286,14 +5286,14 @@
             </a:r>
             <a:br/>
             <a:r>
-              <a:rPr>
+              <a:rPr sz="1800">
                 <a:latin typeface="Courier"/>
               </a:rPr>
               <a:t>}</a:t>
             </a:r>
             <a:br/>
             <a:r>
-              <a:rPr b="1">
+              <a:rPr sz="1800" b="1">
                 <a:solidFill>
                   <a:srgbClr val="007020"/>
                 </a:solidFill>
@@ -5302,13 +5302,13 @@
               <a:t>for</a:t>
             </a:r>
             <a:r>
-              <a:rPr>
+              <a:rPr sz="1800">
                 <a:latin typeface="Courier"/>
               </a:rPr>
               <a:t> k </a:t>
             </a:r>
             <a:r>
-              <a:rPr b="1">
+              <a:rPr sz="1800" b="1">
                 <a:solidFill>
                   <a:srgbClr val="007020"/>
                 </a:solidFill>
@@ -5317,14 +5317,14 @@
               <a:t>in</a:t>
             </a:r>
             <a:r>
-              <a:rPr>
+              <a:rPr sz="1800">
                 <a:latin typeface="Courier"/>
               </a:rPr>
               <a:t> phone_book.keys():</a:t>
             </a:r>
             <a:br/>
             <a:r>
-              <a:rPr>
+              <a:rPr sz="1800">
                 <a:latin typeface="Courier"/>
               </a:rPr>
               <a:t>    print(k)</a:t>
@@ -5400,17 +5400,17 @@
             </a:r>
           </a:p>
           <a:p>
-            <a:pPr lvl="0" indent="0">
+            <a:pPr lvl="0" marL="1270000" indent="0">
               <a:buNone/>
             </a:pPr>
             <a:r>
-              <a:rPr>
+              <a:rPr sz="1800">
                 <a:latin typeface="Courier"/>
               </a:rPr>
               <a:t>phone_book </a:t>
             </a:r>
             <a:r>
-              <a:rPr>
+              <a:rPr sz="1800">
                 <a:solidFill>
                   <a:srgbClr val="666666"/>
                 </a:solidFill>
@@ -5419,20 +5419,20 @@
               <a:t>=</a:t>
             </a:r>
             <a:r>
-              <a:rPr>
+              <a:rPr sz="1800">
                 <a:latin typeface="Courier"/>
               </a:rPr>
               <a:t> {</a:t>
             </a:r>
             <a:br/>
             <a:r>
-              <a:rPr>
+              <a:rPr sz="1800">
                 <a:latin typeface="Courier"/>
               </a:rPr>
               <a:t>    </a:t>
             </a:r>
             <a:r>
-              <a:rPr>
+              <a:rPr sz="1800">
                 <a:solidFill>
                   <a:srgbClr val="4070A0"/>
                 </a:solidFill>
@@ -5441,13 +5441,13 @@
               <a:t>'Bruce Banner'</a:t>
             </a:r>
             <a:r>
-              <a:rPr>
+              <a:rPr sz="1800">
                 <a:latin typeface="Courier"/>
               </a:rPr>
               <a:t>: </a:t>
             </a:r>
             <a:r>
-              <a:rPr>
+              <a:rPr sz="1800">
                 <a:solidFill>
                   <a:srgbClr val="4070A0"/>
                 </a:solidFill>
@@ -5456,20 +5456,20 @@
               <a:t>'555-555-1234'</a:t>
             </a:r>
             <a:r>
-              <a:rPr>
+              <a:rPr sz="1800">
                 <a:latin typeface="Courier"/>
               </a:rPr>
               <a:t>,</a:t>
             </a:r>
             <a:br/>
             <a:r>
-              <a:rPr>
+              <a:rPr sz="1800">
                 <a:latin typeface="Courier"/>
               </a:rPr>
               <a:t>    </a:t>
             </a:r>
             <a:r>
-              <a:rPr>
+              <a:rPr sz="1800">
                 <a:solidFill>
                   <a:srgbClr val="4070A0"/>
                 </a:solidFill>
@@ -5478,13 +5478,13 @@
               <a:t>'Sue Storm'</a:t>
             </a:r>
             <a:r>
-              <a:rPr>
+              <a:rPr sz="1800">
                 <a:latin typeface="Courier"/>
               </a:rPr>
               <a:t>: </a:t>
             </a:r>
             <a:r>
-              <a:rPr>
+              <a:rPr sz="1800">
                 <a:solidFill>
                   <a:srgbClr val="4070A0"/>
                 </a:solidFill>
@@ -5494,14 +5494,14 @@
             </a:r>
             <a:br/>
             <a:r>
-              <a:rPr>
+              <a:rPr sz="1800">
                 <a:latin typeface="Courier"/>
               </a:rPr>
               <a:t>}</a:t>
             </a:r>
             <a:br/>
             <a:r>
-              <a:rPr b="1">
+              <a:rPr sz="1800" b="1">
                 <a:solidFill>
                   <a:srgbClr val="007020"/>
                 </a:solidFill>
@@ -5510,13 +5510,13 @@
               <a:t>for</a:t>
             </a:r>
             <a:r>
-              <a:rPr>
+              <a:rPr sz="1800">
                 <a:latin typeface="Courier"/>
               </a:rPr>
               <a:t> val </a:t>
             </a:r>
             <a:r>
-              <a:rPr b="1">
+              <a:rPr sz="1800" b="1">
                 <a:solidFill>
                   <a:srgbClr val="007020"/>
                 </a:solidFill>
@@ -5525,14 +5525,14 @@
               <a:t>in</a:t>
             </a:r>
             <a:r>
-              <a:rPr>
+              <a:rPr sz="1800">
                 <a:latin typeface="Courier"/>
               </a:rPr>
               <a:t> phone_book.values():</a:t>
             </a:r>
             <a:br/>
             <a:r>
-              <a:rPr>
+              <a:rPr sz="1800">
                 <a:latin typeface="Courier"/>
               </a:rPr>
               <a:t>    print(val)</a:t>
@@ -5608,17 +5608,17 @@
             </a:r>
           </a:p>
           <a:p>
-            <a:pPr lvl="0" indent="0">
+            <a:pPr lvl="0" marL="1270000" indent="0">
               <a:buNone/>
             </a:pPr>
             <a:r>
-              <a:rPr>
+              <a:rPr sz="1800">
                 <a:latin typeface="Courier"/>
               </a:rPr>
               <a:t>phone_book </a:t>
             </a:r>
             <a:r>
-              <a:rPr>
+              <a:rPr sz="1800">
                 <a:solidFill>
                   <a:srgbClr val="666666"/>
                 </a:solidFill>
@@ -5627,20 +5627,20 @@
               <a:t>=</a:t>
             </a:r>
             <a:r>
-              <a:rPr>
+              <a:rPr sz="1800">
                 <a:latin typeface="Courier"/>
               </a:rPr>
               <a:t> {</a:t>
             </a:r>
             <a:br/>
             <a:r>
-              <a:rPr>
+              <a:rPr sz="1800">
                 <a:latin typeface="Courier"/>
               </a:rPr>
               <a:t>    </a:t>
             </a:r>
             <a:r>
-              <a:rPr>
+              <a:rPr sz="1800">
                 <a:solidFill>
                   <a:srgbClr val="4070A0"/>
                 </a:solidFill>
@@ -5649,13 +5649,13 @@
               <a:t>'Bruce Banner'</a:t>
             </a:r>
             <a:r>
-              <a:rPr>
+              <a:rPr sz="1800">
                 <a:latin typeface="Courier"/>
               </a:rPr>
               <a:t>: </a:t>
             </a:r>
             <a:r>
-              <a:rPr>
+              <a:rPr sz="1800">
                 <a:solidFill>
                   <a:srgbClr val="4070A0"/>
                 </a:solidFill>
@@ -5664,20 +5664,20 @@
               <a:t>'555-555-1234'</a:t>
             </a:r>
             <a:r>
-              <a:rPr>
+              <a:rPr sz="1800">
                 <a:latin typeface="Courier"/>
               </a:rPr>
               <a:t>,</a:t>
             </a:r>
             <a:br/>
             <a:r>
-              <a:rPr>
+              <a:rPr sz="1800">
                 <a:latin typeface="Courier"/>
               </a:rPr>
               <a:t>    </a:t>
             </a:r>
             <a:r>
-              <a:rPr>
+              <a:rPr sz="1800">
                 <a:solidFill>
                   <a:srgbClr val="4070A0"/>
                 </a:solidFill>
@@ -5686,13 +5686,13 @@
               <a:t>'Sue Storm'</a:t>
             </a:r>
             <a:r>
-              <a:rPr>
+              <a:rPr sz="1800">
                 <a:latin typeface="Courier"/>
               </a:rPr>
               <a:t>: </a:t>
             </a:r>
             <a:r>
-              <a:rPr>
+              <a:rPr sz="1800">
                 <a:solidFill>
                   <a:srgbClr val="4070A0"/>
                 </a:solidFill>
@@ -5702,14 +5702,14 @@
             </a:r>
             <a:br/>
             <a:r>
-              <a:rPr>
+              <a:rPr sz="1800">
                 <a:latin typeface="Courier"/>
               </a:rPr>
               <a:t>}</a:t>
             </a:r>
             <a:br/>
             <a:r>
-              <a:rPr b="1">
+              <a:rPr sz="1800" b="1">
                 <a:solidFill>
                   <a:srgbClr val="007020"/>
                 </a:solidFill>
@@ -5718,13 +5718,13 @@
               <a:t>for</a:t>
             </a:r>
             <a:r>
-              <a:rPr>
+              <a:rPr sz="1800">
                 <a:latin typeface="Courier"/>
               </a:rPr>
               <a:t> key, val </a:t>
             </a:r>
             <a:r>
-              <a:rPr b="1">
+              <a:rPr sz="1800" b="1">
                 <a:solidFill>
                   <a:srgbClr val="007020"/>
                 </a:solidFill>
@@ -5733,14 +5733,14 @@
               <a:t>in</a:t>
             </a:r>
             <a:r>
-              <a:rPr>
+              <a:rPr sz="1800">
                 <a:latin typeface="Courier"/>
               </a:rPr>
               <a:t> phone_book.items():</a:t>
             </a:r>
             <a:br/>
             <a:r>
-              <a:rPr>
+              <a:rPr sz="1800">
                 <a:latin typeface="Courier"/>
               </a:rPr>
               <a:t>    print(key, val)</a:t>
@@ -5818,17 +5818,17 @@
             </a:r>
           </a:p>
           <a:p>
-            <a:pPr lvl="0" indent="0">
+            <a:pPr lvl="0" marL="1270000" indent="0">
               <a:buNone/>
             </a:pPr>
             <a:r>
-              <a:rPr>
+              <a:rPr sz="1800">
                 <a:latin typeface="Courier"/>
               </a:rPr>
               <a:t>phone_book[</a:t>
             </a:r>
             <a:r>
-              <a:rPr>
+              <a:rPr sz="1800">
                 <a:solidFill>
                   <a:srgbClr val="4070A0"/>
                 </a:solidFill>
@@ -5837,13 +5837,13 @@
               <a:t>'Bruce Banner'</a:t>
             </a:r>
             <a:r>
-              <a:rPr>
+              <a:rPr sz="1800">
                 <a:latin typeface="Courier"/>
               </a:rPr>
               <a:t>] </a:t>
             </a:r>
             <a:r>
-              <a:rPr>
+              <a:rPr sz="1800">
                 <a:solidFill>
                   <a:srgbClr val="666666"/>
                 </a:solidFill>
@@ -5852,13 +5852,13 @@
               <a:t>=</a:t>
             </a:r>
             <a:r>
-              <a:rPr>
+              <a:rPr sz="1800">
                 <a:latin typeface="Courier"/>
               </a:rPr>
               <a:t> </a:t>
             </a:r>
             <a:r>
-              <a:rPr>
+              <a:rPr sz="1800">
                 <a:solidFill>
                   <a:srgbClr val="4070A0"/>
                 </a:solidFill>
@@ -5949,17 +5949,17 @@
             </a:r>
           </a:p>
           <a:p>
-            <a:pPr lvl="0" indent="0">
+            <a:pPr lvl="0" marL="1270000" indent="0">
               <a:buNone/>
             </a:pPr>
             <a:r>
-              <a:rPr>
+              <a:rPr sz="1800">
                 <a:latin typeface="Courier"/>
               </a:rPr>
               <a:t>phone_book </a:t>
             </a:r>
             <a:r>
-              <a:rPr>
+              <a:rPr sz="1800">
                 <a:solidFill>
                   <a:srgbClr val="666666"/>
                 </a:solidFill>
@@ -5968,20 +5968,20 @@
               <a:t>=</a:t>
             </a:r>
             <a:r>
-              <a:rPr>
+              <a:rPr sz="1800">
                 <a:latin typeface="Courier"/>
               </a:rPr>
               <a:t> {</a:t>
             </a:r>
             <a:br/>
             <a:r>
-              <a:rPr>
+              <a:rPr sz="1800">
                 <a:latin typeface="Courier"/>
               </a:rPr>
               <a:t>    </a:t>
             </a:r>
             <a:r>
-              <a:rPr>
+              <a:rPr sz="1800">
                 <a:solidFill>
                   <a:srgbClr val="4070A0"/>
                 </a:solidFill>
@@ -5990,13 +5990,13 @@
               <a:t>'Bruce Banner'</a:t>
             </a:r>
             <a:r>
-              <a:rPr>
+              <a:rPr sz="1800">
                 <a:latin typeface="Courier"/>
               </a:rPr>
               <a:t>: </a:t>
             </a:r>
             <a:r>
-              <a:rPr>
+              <a:rPr sz="1800">
                 <a:solidFill>
                   <a:srgbClr val="4070A0"/>
                 </a:solidFill>
@@ -6005,20 +6005,20 @@
               <a:t>'555-555-1234'</a:t>
             </a:r>
             <a:r>
-              <a:rPr>
+              <a:rPr sz="1800">
                 <a:latin typeface="Courier"/>
               </a:rPr>
               <a:t>,</a:t>
             </a:r>
             <a:br/>
             <a:r>
-              <a:rPr>
+              <a:rPr sz="1800">
                 <a:latin typeface="Courier"/>
               </a:rPr>
               <a:t>    </a:t>
             </a:r>
             <a:r>
-              <a:rPr>
+              <a:rPr sz="1800">
                 <a:solidFill>
                   <a:srgbClr val="4070A0"/>
                 </a:solidFill>
@@ -6027,13 +6027,13 @@
               <a:t>'Sue Storm'</a:t>
             </a:r>
             <a:r>
-              <a:rPr>
+              <a:rPr sz="1800">
                 <a:latin typeface="Courier"/>
               </a:rPr>
               <a:t>: </a:t>
             </a:r>
             <a:r>
-              <a:rPr>
+              <a:rPr sz="1800">
                 <a:solidFill>
                   <a:srgbClr val="4070A0"/>
                 </a:solidFill>
@@ -6043,20 +6043,20 @@
             </a:r>
             <a:br/>
             <a:r>
-              <a:rPr>
+              <a:rPr sz="1800">
                 <a:latin typeface="Courier"/>
               </a:rPr>
               <a:t>}</a:t>
             </a:r>
             <a:br/>
             <a:r>
-              <a:rPr>
+              <a:rPr sz="1800">
                 <a:latin typeface="Courier"/>
               </a:rPr>
               <a:t>phone_book.pop(</a:t>
             </a:r>
             <a:r>
-              <a:rPr>
+              <a:rPr sz="1800">
                 <a:solidFill>
                   <a:srgbClr val="4070A0"/>
                 </a:solidFill>
@@ -6065,7 +6065,7 @@
               <a:t>'Bruce Banner'</a:t>
             </a:r>
             <a:r>
-              <a:rPr>
+              <a:rPr sz="1800">
                 <a:latin typeface="Courier"/>
               </a:rPr>
               <a:t>)</a:t>
@@ -6118,7 +6118,7 @@
             </a:pPr>
             <a:r>
               <a:rPr b="1"/>
-              <a:t>Strings revisited</a:t>
+              <a:t>Strings again?</a:t>
             </a:r>
           </a:p>
           <a:p>
@@ -6174,17 +6174,17 @@
           <a:bodyPr/>
           <a:lstStyle/>
           <a:p>
-            <a:pPr lvl="0" indent="0">
+            <a:pPr lvl="0" marL="1270000" indent="0">
               <a:buNone/>
             </a:pPr>
             <a:r>
-              <a:rPr>
+              <a:rPr sz="1800">
                 <a:latin typeface="Courier"/>
               </a:rPr>
               <a:t>energy </a:t>
             </a:r>
             <a:r>
-              <a:rPr>
+              <a:rPr sz="1800">
                 <a:solidFill>
                   <a:srgbClr val="666666"/>
                 </a:solidFill>
@@ -6193,20 +6193,20 @@
               <a:t>=</a:t>
             </a:r>
             <a:r>
-              <a:rPr>
+              <a:rPr sz="1800">
                 <a:latin typeface="Courier"/>
               </a:rPr>
               <a:t> {</a:t>
             </a:r>
             <a:br/>
             <a:r>
-              <a:rPr>
+              <a:rPr sz="1800">
                 <a:latin typeface="Courier"/>
               </a:rPr>
               <a:t>  </a:t>
             </a:r>
             <a:r>
-              <a:rPr>
+              <a:rPr sz="1800">
                 <a:solidFill>
                   <a:srgbClr val="4070A0"/>
                 </a:solidFill>
@@ -6215,20 +6215,20 @@
               <a:t>"Colorado"</a:t>
             </a:r>
             <a:r>
-              <a:rPr>
+              <a:rPr sz="1800">
                 <a:latin typeface="Courier"/>
               </a:rPr>
               <a:t>: {</a:t>
             </a:r>
             <a:br/>
             <a:r>
-              <a:rPr>
+              <a:rPr sz="1800">
                 <a:latin typeface="Courier"/>
               </a:rPr>
               <a:t>    </a:t>
             </a:r>
             <a:r>
-              <a:rPr>
+              <a:rPr sz="1800">
                 <a:solidFill>
                   <a:srgbClr val="4070A0"/>
                 </a:solidFill>
@@ -6237,13 +6237,13 @@
               <a:t>"solar"</a:t>
             </a:r>
             <a:r>
-              <a:rPr>
+              <a:rPr sz="1800">
                 <a:latin typeface="Courier"/>
               </a:rPr>
               <a:t>: </a:t>
             </a:r>
             <a:r>
-              <a:rPr>
+              <a:rPr sz="1800">
                 <a:solidFill>
                   <a:srgbClr val="40A070"/>
                 </a:solidFill>
@@ -6252,20 +6252,20 @@
               <a:t>16530.477</a:t>
             </a:r>
             <a:r>
-              <a:rPr>
+              <a:rPr sz="1800">
                 <a:latin typeface="Courier"/>
               </a:rPr>
               <a:t>,</a:t>
             </a:r>
             <a:br/>
             <a:r>
-              <a:rPr>
+              <a:rPr sz="1800">
                 <a:latin typeface="Courier"/>
               </a:rPr>
               <a:t>    </a:t>
             </a:r>
             <a:r>
-              <a:rPr>
+              <a:rPr sz="1800">
                 <a:solidFill>
                   <a:srgbClr val="4070A0"/>
                 </a:solidFill>
@@ -6274,13 +6274,13 @@
               <a:t>"wind"</a:t>
             </a:r>
             <a:r>
-              <a:rPr>
+              <a:rPr sz="1800">
                 <a:latin typeface="Courier"/>
               </a:rPr>
               <a:t>: </a:t>
             </a:r>
             <a:r>
-              <a:rPr>
+              <a:rPr sz="1800">
                 <a:solidFill>
                   <a:srgbClr val="40A070"/>
                 </a:solidFill>
@@ -6290,20 +6290,20 @@
             </a:r>
             <a:br/>
             <a:r>
-              <a:rPr>
+              <a:rPr sz="1800">
                 <a:latin typeface="Courier"/>
               </a:rPr>
               <a:t>  },</a:t>
             </a:r>
             <a:br/>
             <a:r>
-              <a:rPr>
+              <a:rPr sz="1800">
                 <a:latin typeface="Courier"/>
               </a:rPr>
               <a:t>  </a:t>
             </a:r>
             <a:r>
-              <a:rPr>
+              <a:rPr sz="1800">
                 <a:solidFill>
                   <a:srgbClr val="4070A0"/>
                 </a:solidFill>
@@ -6312,20 +6312,20 @@
               <a:t>"New Jersey"</a:t>
             </a:r>
             <a:r>
-              <a:rPr>
+              <a:rPr sz="1800">
                 <a:latin typeface="Courier"/>
               </a:rPr>
               <a:t>: {</a:t>
             </a:r>
             <a:br/>
             <a:r>
-              <a:rPr>
+              <a:rPr sz="1800">
                 <a:latin typeface="Courier"/>
               </a:rPr>
               <a:t>    </a:t>
             </a:r>
             <a:r>
-              <a:rPr>
+              <a:rPr sz="1800">
                 <a:solidFill>
                   <a:srgbClr val="4070A0"/>
                 </a:solidFill>
@@ -6334,13 +6334,13 @@
               <a:t>"solar"</a:t>
             </a:r>
             <a:r>
-              <a:rPr>
+              <a:rPr sz="1800">
                 <a:latin typeface="Courier"/>
               </a:rPr>
               <a:t>: </a:t>
             </a:r>
             <a:r>
-              <a:rPr>
+              <a:rPr sz="1800">
                 <a:solidFill>
                   <a:srgbClr val="40A070"/>
                 </a:solidFill>
@@ -6349,20 +6349,20 @@
               <a:t>2437.768</a:t>
             </a:r>
             <a:r>
-              <a:rPr>
+              <a:rPr sz="1800">
                 <a:latin typeface="Courier"/>
               </a:rPr>
               <a:t>,</a:t>
             </a:r>
             <a:br/>
             <a:r>
-              <a:rPr>
+              <a:rPr sz="1800">
                 <a:latin typeface="Courier"/>
               </a:rPr>
               <a:t>    </a:t>
             </a:r>
             <a:r>
-              <a:rPr>
+              <a:rPr sz="1800">
                 <a:solidFill>
                   <a:srgbClr val="4070A0"/>
                 </a:solidFill>
@@ -6371,13 +6371,13 @@
               <a:t>"wind"</a:t>
             </a:r>
             <a:r>
-              <a:rPr>
+              <a:rPr sz="1800">
                 <a:latin typeface="Courier"/>
               </a:rPr>
               <a:t>: </a:t>
             </a:r>
             <a:r>
-              <a:rPr>
+              <a:rPr sz="1800">
                 <a:solidFill>
                   <a:srgbClr val="40A070"/>
                 </a:solidFill>
@@ -6387,20 +6387,20 @@
             </a:r>
             <a:br/>
             <a:r>
-              <a:rPr>
+              <a:rPr sz="1800">
                 <a:latin typeface="Courier"/>
               </a:rPr>
               <a:t>  },</a:t>
             </a:r>
             <a:br/>
             <a:r>
-              <a:rPr>
+              <a:rPr sz="1800">
                 <a:latin typeface="Courier"/>
               </a:rPr>
               <a:t>  </a:t>
             </a:r>
             <a:r>
-              <a:rPr>
+              <a:rPr sz="1800">
                 <a:solidFill>
                   <a:srgbClr val="4070A0"/>
                 </a:solidFill>
@@ -6409,20 +6409,20 @@
               <a:t>"Washington"</a:t>
             </a:r>
             <a:r>
-              <a:rPr>
+              <a:rPr sz="1800">
                 <a:latin typeface="Courier"/>
               </a:rPr>
               <a:t>: {</a:t>
             </a:r>
             <a:br/>
             <a:r>
-              <a:rPr>
+              <a:rPr sz="1800">
                 <a:latin typeface="Courier"/>
               </a:rPr>
               <a:t>    </a:t>
             </a:r>
             <a:r>
-              <a:rPr>
+              <a:rPr sz="1800">
                 <a:solidFill>
                   <a:srgbClr val="4070A0"/>
                 </a:solidFill>
@@ -6431,13 +6431,13 @@
               <a:t>"solar"</a:t>
             </a:r>
             <a:r>
-              <a:rPr>
+              <a:rPr sz="1800">
                 <a:latin typeface="Courier"/>
               </a:rPr>
               <a:t>: </a:t>
             </a:r>
             <a:r>
-              <a:rPr>
+              <a:rPr sz="1800">
                 <a:solidFill>
                   <a:srgbClr val="40A070"/>
                 </a:solidFill>
@@ -6446,20 +6446,20 @@
               <a:t>0.0</a:t>
             </a:r>
             <a:r>
-              <a:rPr>
+              <a:rPr sz="1800">
                 <a:latin typeface="Courier"/>
               </a:rPr>
               <a:t>,</a:t>
             </a:r>
             <a:br/>
             <a:r>
-              <a:rPr>
+              <a:rPr sz="1800">
                 <a:latin typeface="Courier"/>
               </a:rPr>
               <a:t>    </a:t>
             </a:r>
             <a:r>
-              <a:rPr>
+              <a:rPr sz="1800">
                 <a:solidFill>
                   <a:srgbClr val="4070A0"/>
                 </a:solidFill>
@@ -6468,13 +6468,13 @@
               <a:t>"wind"</a:t>
             </a:r>
             <a:r>
-              <a:rPr>
+              <a:rPr sz="1800">
                 <a:latin typeface="Courier"/>
               </a:rPr>
               <a:t>: </a:t>
             </a:r>
             <a:r>
-              <a:rPr>
+              <a:rPr sz="1800">
                 <a:solidFill>
                   <a:srgbClr val="40A070"/>
                 </a:solidFill>
@@ -6484,27 +6484,27 @@
             </a:r>
             <a:br/>
             <a:r>
-              <a:rPr>
+              <a:rPr sz="1800">
                 <a:latin typeface="Courier"/>
               </a:rPr>
               <a:t>  }</a:t>
             </a:r>
             <a:br/>
             <a:r>
-              <a:rPr>
+              <a:rPr sz="1800">
                 <a:latin typeface="Courier"/>
               </a:rPr>
               <a:t>}</a:t>
             </a:r>
             <a:br/>
             <a:r>
-              <a:rPr>
+              <a:rPr sz="1800">
                 <a:latin typeface="Courier"/>
               </a:rPr>
               <a:t>print(energy[</a:t>
             </a:r>
             <a:r>
-              <a:rPr>
+              <a:rPr sz="1800">
                 <a:solidFill>
                   <a:srgbClr val="4070A0"/>
                 </a:solidFill>
@@ -6513,13 +6513,13 @@
               <a:t>'Washington'</a:t>
             </a:r>
             <a:r>
-              <a:rPr>
+              <a:rPr sz="1800">
                 <a:latin typeface="Courier"/>
               </a:rPr>
               <a:t>][</a:t>
             </a:r>
             <a:r>
-              <a:rPr>
+              <a:rPr sz="1800">
                 <a:solidFill>
                   <a:srgbClr val="4070A0"/>
                 </a:solidFill>
@@ -6528,7 +6528,7 @@
               <a:t>'wind'</a:t>
             </a:r>
             <a:r>
-              <a:rPr>
+              <a:rPr sz="1800">
                 <a:latin typeface="Courier"/>
               </a:rPr>
               <a:t>])</a:t>
@@ -6811,11 +6811,11 @@
             </a:r>
           </a:p>
           <a:p>
-            <a:pPr lvl="0" indent="0">
+            <a:pPr lvl="0" marL="1270000" indent="0">
               <a:buNone/>
             </a:pPr>
             <a:r>
-              <a:rPr b="1">
+              <a:rPr sz="1800" b="1">
                 <a:solidFill>
                   <a:srgbClr val="007020"/>
                 </a:solidFill>
@@ -6824,13 +6824,13 @@
               <a:t>for</a:t>
             </a:r>
             <a:r>
-              <a:rPr>
+              <a:rPr sz="1800">
                 <a:latin typeface="Courier"/>
               </a:rPr>
               <a:t> name, number </a:t>
             </a:r>
             <a:r>
-              <a:rPr b="1">
+              <a:rPr sz="1800" b="1">
                 <a:solidFill>
                   <a:srgbClr val="007020"/>
                 </a:solidFill>
@@ -6839,14 +6839,14 @@
               <a:t>in</a:t>
             </a:r>
             <a:r>
-              <a:rPr>
+              <a:rPr sz="1800">
                 <a:latin typeface="Courier"/>
               </a:rPr>
               <a:t> phone_book.items():</a:t>
             </a:r>
             <a:br/>
             <a:r>
-              <a:rPr>
+              <a:rPr sz="1800">
                 <a:latin typeface="Courier"/>
               </a:rPr>
               <a:t>    print(name, number)</a:t>
@@ -7122,11 +7122,11 @@
             </a:r>
           </a:p>
           <a:p>
-            <a:pPr lvl="0" indent="0">
+            <a:pPr lvl="0" marL="1270000" indent="0">
               <a:buNone/>
             </a:pPr>
             <a:r>
-              <a:rPr>
+              <a:rPr sz="1800">
                 <a:solidFill>
                   <a:srgbClr val="666666"/>
                 </a:solidFill>
@@ -7135,13 +7135,13 @@
               <a:t>&gt;&gt;&gt;</a:t>
             </a:r>
             <a:r>
-              <a:rPr>
+              <a:rPr sz="1800">
                 <a:latin typeface="Courier"/>
               </a:rPr>
               <a:t> s </a:t>
             </a:r>
             <a:r>
-              <a:rPr>
+              <a:rPr sz="1800">
                 <a:solidFill>
                   <a:srgbClr val="666666"/>
                 </a:solidFill>
@@ -7150,13 +7150,13 @@
               <a:t>=</a:t>
             </a:r>
             <a:r>
-              <a:rPr>
+              <a:rPr sz="1800">
                 <a:latin typeface="Courier"/>
               </a:rPr>
               <a:t> </a:t>
             </a:r>
             <a:r>
-              <a:rPr>
+              <a:rPr sz="1800">
                 <a:solidFill>
                   <a:srgbClr val="4070A0"/>
                 </a:solidFill>
@@ -7166,7 +7166,7 @@
             </a:r>
             <a:br/>
             <a:r>
-              <a:rPr>
+              <a:rPr sz="1800">
                 <a:solidFill>
                   <a:srgbClr val="666666"/>
                 </a:solidFill>
@@ -7175,14 +7175,14 @@
               <a:t>&gt;&gt;&gt;</a:t>
             </a:r>
             <a:r>
-              <a:rPr>
+              <a:rPr sz="1800">
                 <a:latin typeface="Courier"/>
               </a:rPr>
               <a:t> type(s)</a:t>
             </a:r>
             <a:br/>
             <a:r>
-              <a:rPr>
+              <a:rPr sz="1800">
                 <a:solidFill>
                   <a:srgbClr val="666666"/>
                 </a:solidFill>
@@ -7191,7 +7191,7 @@
               <a:t>&lt;</a:t>
             </a:r>
             <a:r>
-              <a:rPr b="1">
+              <a:rPr sz="1800" b="1">
                 <a:solidFill>
                   <a:srgbClr val="007020"/>
                 </a:solidFill>
@@ -7200,13 +7200,13 @@
               <a:t>class</a:t>
             </a:r>
             <a:r>
-              <a:rPr>
+              <a:rPr sz="1800">
                 <a:latin typeface="Courier"/>
               </a:rPr>
               <a:t> </a:t>
             </a:r>
             <a:r>
-              <a:rPr>
+              <a:rPr sz="1800">
                 <a:solidFill>
                   <a:srgbClr val="4070A0"/>
                 </a:solidFill>
@@ -7215,7 +7215,7 @@
               <a:t>'str'</a:t>
             </a:r>
             <a:r>
-              <a:rPr>
+              <a:rPr sz="1800">
                 <a:solidFill>
                   <a:srgbClr val="666666"/>
                 </a:solidFill>
@@ -7225,7 +7225,7 @@
             </a:r>
             <a:br/>
             <a:r>
-              <a:rPr>
+              <a:rPr sz="1800">
                 <a:solidFill>
                   <a:srgbClr val="666666"/>
                 </a:solidFill>
@@ -7234,21 +7234,21 @@
               <a:t>&gt;&gt;&gt;</a:t>
             </a:r>
             <a:r>
-              <a:rPr>
+              <a:rPr sz="1800">
                 <a:latin typeface="Courier"/>
               </a:rPr>
               <a:t> help(s)</a:t>
             </a:r>
             <a:br/>
             <a:r>
-              <a:rPr>
+              <a:rPr sz="1800">
                 <a:latin typeface="Courier"/>
               </a:rPr>
               <a:t>...</a:t>
             </a:r>
             <a:br/>
             <a:r>
-              <a:rPr>
+              <a:rPr sz="1800">
                 <a:solidFill>
                   <a:srgbClr val="666666"/>
                 </a:solidFill>
@@ -7257,14 +7257,14 @@
               <a:t>&gt;&gt;&gt;</a:t>
             </a:r>
             <a:r>
-              <a:rPr>
+              <a:rPr sz="1800">
                 <a:latin typeface="Courier"/>
               </a:rPr>
               <a:t> dir(s)</a:t>
             </a:r>
             <a:br/>
             <a:r>
-              <a:rPr>
+              <a:rPr sz="1800">
                 <a:latin typeface="Courier"/>
               </a:rPr>
               <a:t>...</a:t>
@@ -7503,17 +7503,17 @@
             </a:r>
           </a:p>
           <a:p>
-            <a:pPr lvl="0" indent="0">
+            <a:pPr lvl="0" marL="1270000" indent="0">
               <a:buNone/>
             </a:pPr>
             <a:r>
-              <a:rPr>
+              <a:rPr sz="1800">
                 <a:latin typeface="Courier"/>
               </a:rPr>
               <a:t>s </a:t>
             </a:r>
             <a:r>
-              <a:rPr>
+              <a:rPr sz="1800">
                 <a:solidFill>
                   <a:srgbClr val="666666"/>
                 </a:solidFill>
@@ -7522,13 +7522,13 @@
               <a:t>=</a:t>
             </a:r>
             <a:r>
-              <a:rPr>
+              <a:rPr sz="1800">
                 <a:latin typeface="Courier"/>
               </a:rPr>
               <a:t> </a:t>
             </a:r>
             <a:r>
-              <a:rPr>
+              <a:rPr sz="1800">
                 <a:solidFill>
                   <a:srgbClr val="4070A0"/>
                 </a:solidFill>
@@ -7653,11 +7653,11 @@
             </a:r>
           </a:p>
           <a:p>
-            <a:pPr lvl="0" indent="0">
+            <a:pPr lvl="0" marL="1270000" indent="0">
               <a:buNone/>
             </a:pPr>
             <a:r>
-              <a:rPr>
+              <a:rPr sz="1800">
                 <a:solidFill>
                   <a:srgbClr val="666666"/>
                 </a:solidFill>
@@ -7666,13 +7666,13 @@
               <a:t>&gt;&gt;&gt;</a:t>
             </a:r>
             <a:r>
-              <a:rPr>
+              <a:rPr sz="1800">
                 <a:latin typeface="Courier"/>
               </a:rPr>
               <a:t> x </a:t>
             </a:r>
             <a:r>
-              <a:rPr>
+              <a:rPr sz="1800">
                 <a:solidFill>
                   <a:srgbClr val="666666"/>
                 </a:solidFill>
@@ -7681,13 +7681,13 @@
               <a:t>=</a:t>
             </a:r>
             <a:r>
-              <a:rPr>
+              <a:rPr sz="1800">
                 <a:latin typeface="Courier"/>
               </a:rPr>
               <a:t> </a:t>
             </a:r>
             <a:r>
-              <a:rPr>
+              <a:rPr sz="1800">
                 <a:solidFill>
                   <a:srgbClr val="4070A0"/>
                 </a:solidFill>
@@ -7697,7 +7697,7 @@
             </a:r>
             <a:br/>
             <a:r>
-              <a:rPr>
+              <a:rPr sz="1800">
                 <a:solidFill>
                   <a:srgbClr val="666666"/>
                 </a:solidFill>
@@ -7706,13 +7706,13 @@
               <a:t>&gt;&gt;&gt;</a:t>
             </a:r>
             <a:r>
-              <a:rPr>
+              <a:rPr sz="1800">
                 <a:latin typeface="Courier"/>
               </a:rPr>
               <a:t> x[</a:t>
             </a:r>
             <a:r>
-              <a:rPr>
+              <a:rPr sz="1800">
                 <a:solidFill>
                   <a:srgbClr val="40A070"/>
                 </a:solidFill>
@@ -7721,7 +7721,7 @@
               <a:t>3</a:t>
             </a:r>
             <a:r>
-              <a:rPr>
+              <a:rPr sz="1800">
                 <a:latin typeface="Courier"/>
               </a:rPr>
               <a:t>]</a:t>
